--- a/화면설계서/수주대상 품목 입출고 관리 페이지(수정중).pptx
+++ b/화면설계서/수주대상 품목 입출고 관리 페이지(수정중).pptx
@@ -3337,62 +3337,6 @@
       </p:grpSpPr>
       <p:sp>
         <p:nvSpPr>
-          <p:cNvPr id="17" name="직사각형 16">
-            <a:extLst>
-              <a:ext uri="{FF2B5EF4-FFF2-40B4-BE49-F238E27FC236}">
-                <a16:creationId xmlns:a16="http://schemas.microsoft.com/office/drawing/2014/main" id="{94AB948D-F082-463A-B6D5-42FCD4C1554E}"/>
-              </a:ext>
-            </a:extLst>
-          </p:cNvPr>
-          <p:cNvSpPr/>
-          <p:nvPr/>
-        </p:nvSpPr>
-        <p:spPr>
-          <a:xfrm>
-            <a:off x="8122519" y="643968"/>
-            <a:ext cx="3551433" cy="1158705"/>
-          </a:xfrm>
-          <a:prstGeom prst="rect">
-            <a:avLst/>
-          </a:prstGeom>
-          <a:ln>
-            <a:solidFill>
-              <a:schemeClr val="bg1"/>
-            </a:solidFill>
-          </a:ln>
-        </p:spPr>
-        <p:style>
-          <a:lnRef idx="2">
-            <a:schemeClr val="dk1"/>
-          </a:lnRef>
-          <a:fillRef idx="1">
-            <a:schemeClr val="lt1"/>
-          </a:fillRef>
-          <a:effectRef idx="0">
-            <a:schemeClr val="dk1"/>
-          </a:effectRef>
-          <a:fontRef idx="minor">
-            <a:schemeClr val="dk1"/>
-          </a:fontRef>
-        </p:style>
-        <p:txBody>
-          <a:bodyPr rtlCol="0" anchor="ctr"/>
-          <a:lstStyle/>
-          <a:p>
-            <a:pPr algn="ctr"/>
-            <a:r>
-              <a:rPr lang="ko-KR" altLang="en-US" sz="2000" dirty="0"/>
-              <a:t> </a:t>
-            </a:r>
-            <a:r>
-              <a:rPr lang="en-US" altLang="ko-KR" sz="2000" dirty="0"/>
-              <a:t>2025.10.08</a:t>
-            </a:r>
-          </a:p>
-        </p:txBody>
-      </p:sp>
-      <p:sp>
-        <p:nvSpPr>
           <p:cNvPr id="4" name="직사각형 3">
             <a:extLst>
               <a:ext uri="{FF2B5EF4-FFF2-40B4-BE49-F238E27FC236}">
@@ -3459,7 +3403,7 @@
           <p:nvPr>
             <p:extLst>
               <p:ext uri="{D42A27DB-BD31-4B8C-83A1-F6EECF244321}">
-                <p14:modId xmlns:p14="http://schemas.microsoft.com/office/powerpoint/2010/main" val="3990779290"/>
+                <p14:modId xmlns:p14="http://schemas.microsoft.com/office/powerpoint/2010/main" val="1354027173"/>
               </p:ext>
             </p:extLst>
           </p:nvPr>
@@ -3665,11 +3609,11 @@
                     <a:lstStyle/>
                     <a:p>
                       <a:pPr latinLnBrk="1"/>
-                      <a:endParaRPr lang="ko-KR" altLang="en-US" dirty="0">
-                        <a:highlight>
-                          <a:srgbClr val="FFFF00"/>
-                        </a:highlight>
-                      </a:endParaRPr>
+                      <a:r>
+                        <a:rPr lang="en-US" altLang="ko-KR" dirty="0"/>
+                        <a:t>AD217000</a:t>
+                      </a:r>
+                      <a:endParaRPr lang="ko-KR" altLang="en-US" dirty="0"/>
                     </a:p>
                   </a:txBody>
                   <a:tcPr/>
@@ -3681,12 +3625,27 @@
                     <a:p>
                       <a:pPr latinLnBrk="1"/>
                       <a:r>
-                        <a:rPr lang="ko-KR" altLang="en-US" dirty="0"/>
+                        <a:rPr lang="ko-KR" altLang="en-US" u="sng" dirty="0"/>
                         <a:t>품목</a:t>
                       </a:r>
                       <a:r>
+                        <a:rPr lang="en-US" altLang="ko-KR" u="sng" dirty="0"/>
+                        <a:t>A</a:t>
+                      </a:r>
+                      <a:endParaRPr lang="ko-KR" altLang="en-US" u="sng" dirty="0"/>
+                    </a:p>
+                  </a:txBody>
+                  <a:tcPr/>
+                </a:tc>
+                <a:tc>
+                  <a:txBody>
+                    <a:bodyPr/>
+                    <a:lstStyle/>
+                    <a:p>
+                      <a:pPr latinLnBrk="1"/>
+                      <a:r>
                         <a:rPr lang="en-US" altLang="ko-KR" dirty="0"/>
-                        <a:t>A</a:t>
+                        <a:t>10</a:t>
                       </a:r>
                       <a:endParaRPr lang="ko-KR" altLang="en-US" dirty="0"/>
                     </a:p>
@@ -3699,26 +3658,10 @@
                     <a:lstStyle/>
                     <a:p>
                       <a:pPr latinLnBrk="1"/>
-                      <a:endParaRPr lang="ko-KR" altLang="en-US" dirty="0">
-                        <a:highlight>
-                          <a:srgbClr val="FFFF00"/>
-                        </a:highlight>
-                      </a:endParaRPr>
-                    </a:p>
-                  </a:txBody>
-                  <a:tcPr/>
-                </a:tc>
-                <a:tc>
-                  <a:txBody>
-                    <a:bodyPr/>
-                    <a:lstStyle/>
-                    <a:p>
-                      <a:pPr latinLnBrk="1"/>
-                      <a:endParaRPr lang="ko-KR" altLang="en-US" dirty="0">
-                        <a:highlight>
-                          <a:srgbClr val="FFFF00"/>
-                        </a:highlight>
-                      </a:endParaRPr>
+                      <a:r>
+                        <a:rPr lang="ko-KR" altLang="en-US" sz="1600" dirty="0"/>
+                        <a:t>방산</a:t>
+                      </a:r>
                     </a:p>
                   </a:txBody>
                   <a:tcPr/>
@@ -3758,6 +3701,57 @@
                     <a:lstStyle/>
                     <a:p>
                       <a:pPr latinLnBrk="1"/>
+                      <a:r>
+                        <a:rPr lang="ko-KR" altLang="en-US" dirty="0">
+                          <a:solidFill>
+                            <a:schemeClr val="tx1"/>
+                          </a:solidFill>
+                        </a:rPr>
+                        <a:t>거래처 </a:t>
+                      </a:r>
+                      <a:r>
+                        <a:rPr lang="en-US" altLang="ko-KR" dirty="0">
+                          <a:solidFill>
+                            <a:schemeClr val="tx1"/>
+                          </a:solidFill>
+                        </a:rPr>
+                        <a:t>B</a:t>
+                      </a:r>
+                      <a:endParaRPr lang="ko-KR" altLang="en-US" dirty="0">
+                        <a:solidFill>
+                          <a:schemeClr val="tx1"/>
+                        </a:solidFill>
+                      </a:endParaRPr>
+                    </a:p>
+                  </a:txBody>
+                  <a:tcPr/>
+                </a:tc>
+                <a:tc>
+                  <a:txBody>
+                    <a:bodyPr/>
+                    <a:lstStyle/>
+                    <a:p>
+                      <a:pPr marL="0" marR="0" lvl="0" indent="0" algn="l" defTabSz="914400" rtl="0" eaLnBrk="1" fontAlgn="auto" latinLnBrk="1" hangingPunct="1">
+                        <a:lnSpc>
+                          <a:spcPct val="100000"/>
+                        </a:lnSpc>
+                        <a:spcBef>
+                          <a:spcPts val="0"/>
+                        </a:spcBef>
+                        <a:spcAft>
+                          <a:spcPts val="0"/>
+                        </a:spcAft>
+                        <a:buClrTx/>
+                        <a:buSzTx/>
+                        <a:buFontTx/>
+                        <a:buNone/>
+                        <a:tabLst/>
+                        <a:defRPr/>
+                      </a:pPr>
+                      <a:r>
+                        <a:rPr lang="en-US" altLang="ko-KR" dirty="0"/>
+                        <a:t>AD217002</a:t>
+                      </a:r>
                       <a:endParaRPr lang="ko-KR" altLang="en-US" dirty="0">
                         <a:highlight>
                           <a:srgbClr val="FFFF00"/>
@@ -3773,11 +3767,15 @@
                     <a:lstStyle/>
                     <a:p>
                       <a:pPr latinLnBrk="1"/>
-                      <a:endParaRPr lang="ko-KR" altLang="en-US" dirty="0">
-                        <a:highlight>
-                          <a:srgbClr val="FFFF00"/>
-                        </a:highlight>
-                      </a:endParaRPr>
+                      <a:r>
+                        <a:rPr lang="ko-KR" altLang="en-US" u="sng" dirty="0"/>
+                        <a:t>품목</a:t>
+                      </a:r>
+                      <a:r>
+                        <a:rPr lang="en-US" altLang="ko-KR" u="sng" dirty="0"/>
+                        <a:t>B</a:t>
+                      </a:r>
+                      <a:endParaRPr lang="ko-KR" altLang="en-US" u="sng" dirty="0"/>
                     </a:p>
                   </a:txBody>
                   <a:tcPr/>
@@ -3788,11 +3786,11 @@
                     <a:lstStyle/>
                     <a:p>
                       <a:pPr latinLnBrk="1"/>
-                      <a:endParaRPr lang="ko-KR" altLang="en-US" dirty="0">
-                        <a:highlight>
-                          <a:srgbClr val="FFFF00"/>
-                        </a:highlight>
-                      </a:endParaRPr>
+                      <a:r>
+                        <a:rPr lang="en-US" altLang="ko-KR" dirty="0"/>
+                        <a:t>30</a:t>
+                      </a:r>
+                      <a:endParaRPr lang="ko-KR" altLang="en-US" dirty="0"/>
                     </a:p>
                   </a:txBody>
                   <a:tcPr/>
@@ -3803,11 +3801,10 @@
                     <a:lstStyle/>
                     <a:p>
                       <a:pPr latinLnBrk="1"/>
-                      <a:endParaRPr lang="ko-KR" altLang="en-US" dirty="0">
-                        <a:highlight>
-                          <a:srgbClr val="FFFF00"/>
-                        </a:highlight>
-                      </a:endParaRPr>
+                      <a:r>
+                        <a:rPr lang="ko-KR" altLang="en-US" sz="1600" dirty="0"/>
+                        <a:t>자동차</a:t>
+                      </a:r>
                     </a:p>
                   </a:txBody>
                   <a:tcPr/>
@@ -3818,11 +3815,7 @@
                     <a:lstStyle/>
                     <a:p>
                       <a:pPr latinLnBrk="1"/>
-                      <a:endParaRPr lang="ko-KR" altLang="en-US" dirty="0">
-                        <a:highlight>
-                          <a:srgbClr val="FFFF00"/>
-                        </a:highlight>
-                      </a:endParaRPr>
+                      <a:endParaRPr lang="ko-KR" altLang="en-US" dirty="0"/>
                     </a:p>
                   </a:txBody>
                   <a:tcPr/>
@@ -3833,26 +3826,7 @@
                     <a:lstStyle/>
                     <a:p>
                       <a:pPr latinLnBrk="1"/>
-                      <a:endParaRPr lang="ko-KR" altLang="en-US" dirty="0">
-                        <a:highlight>
-                          <a:srgbClr val="FFFF00"/>
-                        </a:highlight>
-                      </a:endParaRPr>
-                    </a:p>
-                  </a:txBody>
-                  <a:tcPr/>
-                </a:tc>
-                <a:tc>
-                  <a:txBody>
-                    <a:bodyPr/>
-                    <a:lstStyle/>
-                    <a:p>
-                      <a:pPr latinLnBrk="1"/>
-                      <a:endParaRPr lang="ko-KR" altLang="en-US" dirty="0">
-                        <a:highlight>
-                          <a:srgbClr val="FFFF00"/>
-                        </a:highlight>
-                      </a:endParaRPr>
+                      <a:endParaRPr lang="ko-KR" altLang="en-US" dirty="0"/>
                     </a:p>
                   </a:txBody>
                   <a:tcPr/>
@@ -3869,7 +3843,74 @@
                     <a:bodyPr/>
                     <a:lstStyle/>
                     <a:p>
-                      <a:pPr latinLnBrk="1"/>
+                      <a:pPr marL="0" marR="0" lvl="0" indent="0" algn="l" defTabSz="914400" rtl="0" eaLnBrk="1" fontAlgn="auto" latinLnBrk="1" hangingPunct="1">
+                        <a:lnSpc>
+                          <a:spcPct val="100000"/>
+                        </a:lnSpc>
+                        <a:spcBef>
+                          <a:spcPts val="0"/>
+                        </a:spcBef>
+                        <a:spcAft>
+                          <a:spcPts val="0"/>
+                        </a:spcAft>
+                        <a:buClrTx/>
+                        <a:buSzTx/>
+                        <a:buFontTx/>
+                        <a:buNone/>
+                        <a:tabLst/>
+                        <a:defRPr/>
+                      </a:pPr>
+                      <a:r>
+                        <a:rPr lang="ko-KR" altLang="en-US">
+                          <a:solidFill>
+                            <a:schemeClr val="tx1"/>
+                          </a:solidFill>
+                        </a:rPr>
+                        <a:t>거래처 </a:t>
+                      </a:r>
+                      <a:r>
+                        <a:rPr lang="en-US" altLang="ko-KR">
+                          <a:solidFill>
+                            <a:schemeClr val="tx1"/>
+                          </a:solidFill>
+                        </a:rPr>
+                        <a:t>C</a:t>
+                      </a:r>
+                      <a:endParaRPr lang="ko-KR" altLang="en-US" dirty="0">
+                        <a:solidFill>
+                          <a:schemeClr val="tx1"/>
+                        </a:solidFill>
+                      </a:endParaRPr>
+                    </a:p>
+                  </a:txBody>
+                  <a:tcPr/>
+                </a:tc>
+                <a:tc>
+                  <a:txBody>
+                    <a:bodyPr/>
+                    <a:lstStyle/>
+                    <a:p>
+                      <a:pPr marL="0" marR="0" lvl="0" indent="0" algn="l" defTabSz="914400" rtl="0" eaLnBrk="1" fontAlgn="auto" latinLnBrk="1" hangingPunct="1">
+                        <a:lnSpc>
+                          <a:spcPct val="100000"/>
+                        </a:lnSpc>
+                        <a:spcBef>
+                          <a:spcPts val="0"/>
+                        </a:spcBef>
+                        <a:spcAft>
+                          <a:spcPts val="0"/>
+                        </a:spcAft>
+                        <a:buClrTx/>
+                        <a:buSzTx/>
+                        <a:buFontTx/>
+                        <a:buNone/>
+                        <a:tabLst/>
+                        <a:defRPr/>
+                      </a:pPr>
+                      <a:r>
+                        <a:rPr lang="en-US" altLang="ko-KR" dirty="0"/>
+                        <a:t>AD217005</a:t>
+                      </a:r>
                       <a:endParaRPr lang="ko-KR" altLang="en-US" dirty="0">
                         <a:highlight>
                           <a:srgbClr val="FFFF00"/>
@@ -3884,12 +3925,47 @@
                     <a:bodyPr/>
                     <a:lstStyle/>
                     <a:p>
+                      <a:pPr marL="0" marR="0" lvl="0" indent="0" algn="l" defTabSz="914400" rtl="0" eaLnBrk="1" fontAlgn="auto" latinLnBrk="1" hangingPunct="1">
+                        <a:lnSpc>
+                          <a:spcPct val="100000"/>
+                        </a:lnSpc>
+                        <a:spcBef>
+                          <a:spcPts val="0"/>
+                        </a:spcBef>
+                        <a:spcAft>
+                          <a:spcPts val="0"/>
+                        </a:spcAft>
+                        <a:buClrTx/>
+                        <a:buSzTx/>
+                        <a:buFontTx/>
+                        <a:buNone/>
+                        <a:tabLst/>
+                        <a:defRPr/>
+                      </a:pPr>
+                      <a:r>
+                        <a:rPr lang="ko-KR" altLang="en-US" u="sng" dirty="0"/>
+                        <a:t>품목</a:t>
+                      </a:r>
+                      <a:r>
+                        <a:rPr lang="en-US" altLang="ko-KR" u="sng" dirty="0"/>
+                        <a:t>C</a:t>
+                      </a:r>
+                      <a:endParaRPr lang="ko-KR" altLang="en-US" u="sng" dirty="0"/>
+                    </a:p>
+                  </a:txBody>
+                  <a:tcPr/>
+                </a:tc>
+                <a:tc>
+                  <a:txBody>
+                    <a:bodyPr/>
+                    <a:lstStyle/>
+                    <a:p>
                       <a:pPr latinLnBrk="1"/>
-                      <a:endParaRPr lang="ko-KR" altLang="en-US" dirty="0">
-                        <a:highlight>
-                          <a:srgbClr val="FFFF00"/>
-                        </a:highlight>
-                      </a:endParaRPr>
+                      <a:r>
+                        <a:rPr lang="en-US" altLang="ko-KR" dirty="0"/>
+                        <a:t>30</a:t>
+                      </a:r>
+                      <a:endParaRPr lang="ko-KR" altLang="en-US" dirty="0"/>
                     </a:p>
                   </a:txBody>
                   <a:tcPr/>
@@ -3900,11 +3976,10 @@
                     <a:lstStyle/>
                     <a:p>
                       <a:pPr latinLnBrk="1"/>
-                      <a:endParaRPr lang="ko-KR" altLang="en-US" dirty="0">
-                        <a:highlight>
-                          <a:srgbClr val="FFFF00"/>
-                        </a:highlight>
-                      </a:endParaRPr>
+                      <a:r>
+                        <a:rPr lang="ko-KR" altLang="en-US" sz="1600" dirty="0"/>
+                        <a:t>조선</a:t>
+                      </a:r>
                     </a:p>
                   </a:txBody>
                   <a:tcPr/>
@@ -3915,11 +3990,7 @@
                     <a:lstStyle/>
                     <a:p>
                       <a:pPr latinLnBrk="1"/>
-                      <a:endParaRPr lang="ko-KR" altLang="en-US" dirty="0">
-                        <a:highlight>
-                          <a:srgbClr val="FFFF00"/>
-                        </a:highlight>
-                      </a:endParaRPr>
+                      <a:endParaRPr lang="ko-KR" altLang="en-US" dirty="0"/>
                     </a:p>
                   </a:txBody>
                   <a:tcPr/>
@@ -3930,41 +4001,7 @@
                     <a:lstStyle/>
                     <a:p>
                       <a:pPr latinLnBrk="1"/>
-                      <a:endParaRPr lang="ko-KR" altLang="en-US" dirty="0">
-                        <a:highlight>
-                          <a:srgbClr val="FFFF00"/>
-                        </a:highlight>
-                      </a:endParaRPr>
-                    </a:p>
-                  </a:txBody>
-                  <a:tcPr/>
-                </a:tc>
-                <a:tc>
-                  <a:txBody>
-                    <a:bodyPr/>
-                    <a:lstStyle/>
-                    <a:p>
-                      <a:pPr latinLnBrk="1"/>
-                      <a:endParaRPr lang="ko-KR" altLang="en-US" dirty="0">
-                        <a:highlight>
-                          <a:srgbClr val="FFFF00"/>
-                        </a:highlight>
-                      </a:endParaRPr>
-                    </a:p>
-                  </a:txBody>
-                  <a:tcPr/>
-                </a:tc>
-                <a:tc>
-                  <a:txBody>
-                    <a:bodyPr/>
-                    <a:lstStyle/>
-                    <a:p>
-                      <a:pPr latinLnBrk="1"/>
-                      <a:endParaRPr lang="ko-KR" altLang="en-US" dirty="0">
-                        <a:highlight>
-                          <a:srgbClr val="FFFF00"/>
-                        </a:highlight>
-                      </a:endParaRPr>
+                      <a:endParaRPr lang="ko-KR" altLang="en-US" dirty="0"/>
                     </a:p>
                   </a:txBody>
                   <a:tcPr/>
@@ -3982,11 +4019,7 @@
                     <a:lstStyle/>
                     <a:p>
                       <a:pPr algn="l" latinLnBrk="1"/>
-                      <a:endParaRPr lang="ko-KR" altLang="en-US" dirty="0">
-                        <a:highlight>
-                          <a:srgbClr val="FFFF00"/>
-                        </a:highlight>
-                      </a:endParaRPr>
+                      <a:endParaRPr lang="ko-KR" altLang="en-US" dirty="0"/>
                     </a:p>
                   </a:txBody>
                   <a:tcPr/>
@@ -3997,11 +4030,7 @@
                     <a:lstStyle/>
                     <a:p>
                       <a:pPr algn="l" latinLnBrk="1"/>
-                      <a:endParaRPr lang="ko-KR" altLang="en-US" dirty="0">
-                        <a:highlight>
-                          <a:srgbClr val="FFFF00"/>
-                        </a:highlight>
-                      </a:endParaRPr>
+                      <a:endParaRPr lang="ko-KR" altLang="en-US" dirty="0"/>
                     </a:p>
                   </a:txBody>
                   <a:tcPr/>
@@ -4012,11 +4041,7 @@
                     <a:lstStyle/>
                     <a:p>
                       <a:pPr algn="l" latinLnBrk="1"/>
-                      <a:endParaRPr lang="ko-KR" altLang="en-US" dirty="0">
-                        <a:highlight>
-                          <a:srgbClr val="FFFF00"/>
-                        </a:highlight>
-                      </a:endParaRPr>
+                      <a:endParaRPr lang="ko-KR" altLang="en-US" dirty="0"/>
                     </a:p>
                   </a:txBody>
                   <a:tcPr/>
@@ -4027,11 +4052,7 @@
                     <a:lstStyle/>
                     <a:p>
                       <a:pPr algn="l" latinLnBrk="1"/>
-                      <a:endParaRPr lang="ko-KR" altLang="en-US" dirty="0">
-                        <a:highlight>
-                          <a:srgbClr val="FFFF00"/>
-                        </a:highlight>
-                      </a:endParaRPr>
+                      <a:endParaRPr lang="ko-KR" altLang="en-US" dirty="0"/>
                     </a:p>
                   </a:txBody>
                   <a:tcPr/>
@@ -4042,11 +4063,7 @@
                     <a:lstStyle/>
                     <a:p>
                       <a:pPr algn="l" latinLnBrk="1"/>
-                      <a:endParaRPr lang="ko-KR" altLang="en-US" dirty="0">
-                        <a:highlight>
-                          <a:srgbClr val="FFFF00"/>
-                        </a:highlight>
-                      </a:endParaRPr>
+                      <a:endParaRPr lang="ko-KR" altLang="en-US" dirty="0"/>
                     </a:p>
                   </a:txBody>
                   <a:tcPr/>
@@ -4057,11 +4074,7 @@
                     <a:lstStyle/>
                     <a:p>
                       <a:pPr algn="l" latinLnBrk="1"/>
-                      <a:endParaRPr lang="ko-KR" altLang="en-US" dirty="0">
-                        <a:highlight>
-                          <a:srgbClr val="FFFF00"/>
-                        </a:highlight>
-                      </a:endParaRPr>
+                      <a:endParaRPr lang="ko-KR" altLang="en-US" dirty="0"/>
                     </a:p>
                   </a:txBody>
                   <a:tcPr/>
@@ -4072,11 +4085,7 @@
                     <a:lstStyle/>
                     <a:p>
                       <a:pPr algn="l" latinLnBrk="1"/>
-                      <a:endParaRPr lang="ko-KR" altLang="en-US" dirty="0">
-                        <a:highlight>
-                          <a:srgbClr val="FFFF00"/>
-                        </a:highlight>
-                      </a:endParaRPr>
+                      <a:endParaRPr lang="ko-KR" altLang="en-US" dirty="0"/>
                     </a:p>
                   </a:txBody>
                   <a:tcPr/>
@@ -4094,11 +4103,7 @@
                     <a:lstStyle/>
                     <a:p>
                       <a:pPr algn="l" latinLnBrk="1"/>
-                      <a:endParaRPr lang="ko-KR" altLang="en-US" dirty="0">
-                        <a:highlight>
-                          <a:srgbClr val="FFFF00"/>
-                        </a:highlight>
-                      </a:endParaRPr>
+                      <a:endParaRPr lang="ko-KR" altLang="en-US" dirty="0"/>
                     </a:p>
                   </a:txBody>
                   <a:tcPr/>
@@ -4109,11 +4114,7 @@
                     <a:lstStyle/>
                     <a:p>
                       <a:pPr algn="l" latinLnBrk="1"/>
-                      <a:endParaRPr lang="ko-KR" altLang="en-US" dirty="0">
-                        <a:highlight>
-                          <a:srgbClr val="FFFF00"/>
-                        </a:highlight>
-                      </a:endParaRPr>
+                      <a:endParaRPr lang="ko-KR" altLang="en-US" dirty="0"/>
                     </a:p>
                   </a:txBody>
                   <a:tcPr/>
@@ -4124,11 +4125,7 @@
                     <a:lstStyle/>
                     <a:p>
                       <a:pPr algn="l" latinLnBrk="1"/>
-                      <a:endParaRPr lang="ko-KR" altLang="en-US" dirty="0">
-                        <a:highlight>
-                          <a:srgbClr val="FFFF00"/>
-                        </a:highlight>
-                      </a:endParaRPr>
+                      <a:endParaRPr lang="ko-KR" altLang="en-US" dirty="0"/>
                     </a:p>
                   </a:txBody>
                   <a:tcPr/>
@@ -4139,11 +4136,7 @@
                     <a:lstStyle/>
                     <a:p>
                       <a:pPr algn="l" latinLnBrk="1"/>
-                      <a:endParaRPr lang="ko-KR" altLang="en-US" dirty="0">
-                        <a:highlight>
-                          <a:srgbClr val="FFFF00"/>
-                        </a:highlight>
-                      </a:endParaRPr>
+                      <a:endParaRPr lang="ko-KR" altLang="en-US" dirty="0"/>
                     </a:p>
                   </a:txBody>
                   <a:tcPr/>
@@ -4154,11 +4147,7 @@
                     <a:lstStyle/>
                     <a:p>
                       <a:pPr algn="l" latinLnBrk="1"/>
-                      <a:endParaRPr lang="ko-KR" altLang="en-US" dirty="0">
-                        <a:highlight>
-                          <a:srgbClr val="FFFF00"/>
-                        </a:highlight>
-                      </a:endParaRPr>
+                      <a:endParaRPr lang="ko-KR" altLang="en-US" dirty="0"/>
                     </a:p>
                   </a:txBody>
                   <a:tcPr/>
@@ -4169,11 +4158,7 @@
                     <a:lstStyle/>
                     <a:p>
                       <a:pPr algn="l" latinLnBrk="1"/>
-                      <a:endParaRPr lang="ko-KR" altLang="en-US" dirty="0">
-                        <a:highlight>
-                          <a:srgbClr val="FFFF00"/>
-                        </a:highlight>
-                      </a:endParaRPr>
+                      <a:endParaRPr lang="ko-KR" altLang="en-US" dirty="0"/>
                     </a:p>
                   </a:txBody>
                   <a:tcPr/>
@@ -4184,11 +4169,7 @@
                     <a:lstStyle/>
                     <a:p>
                       <a:pPr algn="l" latinLnBrk="1"/>
-                      <a:endParaRPr lang="ko-KR" altLang="en-US" dirty="0">
-                        <a:highlight>
-                          <a:srgbClr val="FFFF00"/>
-                        </a:highlight>
-                      </a:endParaRPr>
+                      <a:endParaRPr lang="ko-KR" altLang="en-US" dirty="0"/>
                     </a:p>
                   </a:txBody>
                   <a:tcPr/>
@@ -4966,67 +4947,6 @@
                   <a:schemeClr val="tx1"/>
                 </a:solidFill>
               </a:rPr>
-              <a:t>2</a:t>
-            </a:r>
-            <a:endParaRPr lang="ko-KR" altLang="en-US" dirty="0">
-              <a:solidFill>
-                <a:schemeClr val="tx1"/>
-              </a:solidFill>
-            </a:endParaRPr>
-          </a:p>
-        </p:txBody>
-      </p:sp>
-      <p:sp>
-        <p:nvSpPr>
-          <p:cNvPr id="19" name="타원 18">
-            <a:extLst>
-              <a:ext uri="{FF2B5EF4-FFF2-40B4-BE49-F238E27FC236}">
-                <a16:creationId xmlns:a16="http://schemas.microsoft.com/office/drawing/2014/main" id="{6D6933CD-8053-47DA-91DD-900D59F540D7}"/>
-              </a:ext>
-            </a:extLst>
-          </p:cNvPr>
-          <p:cNvSpPr/>
-          <p:nvPr/>
-        </p:nvSpPr>
-        <p:spPr>
-          <a:xfrm>
-            <a:off x="8931852" y="1110317"/>
-            <a:ext cx="244929" cy="224398"/>
-          </a:xfrm>
-          <a:prstGeom prst="ellipse">
-            <a:avLst/>
-          </a:prstGeom>
-          <a:solidFill>
-            <a:srgbClr val="FFFF00"/>
-          </a:solidFill>
-        </p:spPr>
-        <p:style>
-          <a:lnRef idx="2">
-            <a:schemeClr val="accent1">
-              <a:shade val="15000"/>
-            </a:schemeClr>
-          </a:lnRef>
-          <a:fillRef idx="1">
-            <a:schemeClr val="accent1"/>
-          </a:fillRef>
-          <a:effectRef idx="0">
-            <a:schemeClr val="accent1"/>
-          </a:effectRef>
-          <a:fontRef idx="minor">
-            <a:schemeClr val="lt1"/>
-          </a:fontRef>
-        </p:style>
-        <p:txBody>
-          <a:bodyPr rtlCol="0" anchor="ctr"/>
-          <a:lstStyle/>
-          <a:p>
-            <a:pPr algn="ctr"/>
-            <a:r>
-              <a:rPr lang="en-US" altLang="ko-KR" dirty="0">
-                <a:solidFill>
-                  <a:schemeClr val="tx1"/>
-                </a:solidFill>
-              </a:rPr>
               <a:t>1</a:t>
             </a:r>
             <a:endParaRPr lang="ko-KR" altLang="en-US" dirty="0">
@@ -5088,7 +5008,7 @@
                   <a:schemeClr val="tx1"/>
                 </a:solidFill>
               </a:rPr>
-              <a:t>3</a:t>
+              <a:t>2</a:t>
             </a:r>
             <a:endParaRPr lang="ko-KR" altLang="en-US" dirty="0">
               <a:solidFill>
@@ -5149,7 +5069,7 @@
                   <a:schemeClr val="tx1"/>
                 </a:solidFill>
               </a:rPr>
-              <a:t>5</a:t>
+              <a:t>4</a:t>
             </a:r>
             <a:endParaRPr lang="ko-KR" altLang="en-US" dirty="0">
               <a:solidFill>
@@ -5210,13 +5130,107 @@
                   <a:schemeClr val="tx1"/>
                 </a:solidFill>
               </a:rPr>
-              <a:t>4</a:t>
+              <a:t>3</a:t>
             </a:r>
             <a:endParaRPr lang="ko-KR" altLang="en-US" dirty="0">
               <a:solidFill>
                 <a:schemeClr val="tx1"/>
               </a:solidFill>
             </a:endParaRPr>
+          </a:p>
+        </p:txBody>
+      </p:sp>
+      <p:sp>
+        <p:nvSpPr>
+          <p:cNvPr id="16" name="사각형: 둥근 모서리 15">
+            <a:extLst>
+              <a:ext uri="{FF2B5EF4-FFF2-40B4-BE49-F238E27FC236}">
+                <a16:creationId xmlns:a16="http://schemas.microsoft.com/office/drawing/2014/main" id="{E510C7CA-5FCC-115B-5DD0-3AB400928FEB}"/>
+              </a:ext>
+            </a:extLst>
+          </p:cNvPr>
+          <p:cNvSpPr/>
+          <p:nvPr/>
+        </p:nvSpPr>
+        <p:spPr>
+          <a:xfrm>
+            <a:off x="9372599" y="3093062"/>
+            <a:ext cx="1389614" cy="397385"/>
+          </a:xfrm>
+          <a:prstGeom prst="roundRect">
+            <a:avLst/>
+          </a:prstGeom>
+        </p:spPr>
+        <p:style>
+          <a:lnRef idx="2">
+            <a:schemeClr val="dk1"/>
+          </a:lnRef>
+          <a:fillRef idx="1">
+            <a:schemeClr val="lt1"/>
+          </a:fillRef>
+          <a:effectRef idx="0">
+            <a:schemeClr val="dk1"/>
+          </a:effectRef>
+          <a:fontRef idx="minor">
+            <a:schemeClr val="dk1"/>
+          </a:fontRef>
+        </p:style>
+        <p:txBody>
+          <a:bodyPr rtlCol="0" anchor="ctr"/>
+          <a:lstStyle/>
+          <a:p>
+            <a:pPr algn="ctr"/>
+            <a:r>
+              <a:rPr lang="ko-KR" altLang="en-US" dirty="0"/>
+              <a:t>입고 등록</a:t>
+            </a:r>
+          </a:p>
+        </p:txBody>
+      </p:sp>
+      <p:sp>
+        <p:nvSpPr>
+          <p:cNvPr id="18" name="사각형: 둥근 모서리 17">
+            <a:extLst>
+              <a:ext uri="{FF2B5EF4-FFF2-40B4-BE49-F238E27FC236}">
+                <a16:creationId xmlns:a16="http://schemas.microsoft.com/office/drawing/2014/main" id="{9AD10A4A-2402-149D-8A53-DD78015FD820}"/>
+              </a:ext>
+            </a:extLst>
+          </p:cNvPr>
+          <p:cNvSpPr/>
+          <p:nvPr/>
+        </p:nvSpPr>
+        <p:spPr>
+          <a:xfrm>
+            <a:off x="9372599" y="3585289"/>
+            <a:ext cx="1389614" cy="397385"/>
+          </a:xfrm>
+          <a:prstGeom prst="roundRect">
+            <a:avLst/>
+          </a:prstGeom>
+        </p:spPr>
+        <p:style>
+          <a:lnRef idx="2">
+            <a:schemeClr val="dk1"/>
+          </a:lnRef>
+          <a:fillRef idx="1">
+            <a:schemeClr val="lt1"/>
+          </a:fillRef>
+          <a:effectRef idx="0">
+            <a:schemeClr val="dk1"/>
+          </a:effectRef>
+          <a:fontRef idx="minor">
+            <a:schemeClr val="dk1"/>
+          </a:fontRef>
+        </p:style>
+        <p:txBody>
+          <a:bodyPr rtlCol="0" anchor="ctr"/>
+          <a:lstStyle/>
+          <a:p>
+            <a:pPr algn="ctr"/>
+            <a:r>
+              <a:rPr lang="ko-KR" altLang="en-US" dirty="0"/>
+              <a:t>입고 등록</a:t>
+            </a:r>
           </a:p>
         </p:txBody>
       </p:sp>
@@ -5252,62 +5266,6 @@
       </p:grpSpPr>
       <p:sp>
         <p:nvSpPr>
-          <p:cNvPr id="9" name="직사각형 8">
-            <a:extLst>
-              <a:ext uri="{FF2B5EF4-FFF2-40B4-BE49-F238E27FC236}">
-                <a16:creationId xmlns:a16="http://schemas.microsoft.com/office/drawing/2014/main" id="{8A480266-D9C8-45F6-8D2E-F5C4D5EB96C1}"/>
-              </a:ext>
-            </a:extLst>
-          </p:cNvPr>
-          <p:cNvSpPr/>
-          <p:nvPr/>
-        </p:nvSpPr>
-        <p:spPr>
-          <a:xfrm>
-            <a:off x="8422557" y="620594"/>
-            <a:ext cx="3551433" cy="1158705"/>
-          </a:xfrm>
-          <a:prstGeom prst="rect">
-            <a:avLst/>
-          </a:prstGeom>
-          <a:ln>
-            <a:solidFill>
-              <a:schemeClr val="bg1"/>
-            </a:solidFill>
-          </a:ln>
-        </p:spPr>
-        <p:style>
-          <a:lnRef idx="2">
-            <a:schemeClr val="dk1"/>
-          </a:lnRef>
-          <a:fillRef idx="1">
-            <a:schemeClr val="lt1"/>
-          </a:fillRef>
-          <a:effectRef idx="0">
-            <a:schemeClr val="dk1"/>
-          </a:effectRef>
-          <a:fontRef idx="minor">
-            <a:schemeClr val="dk1"/>
-          </a:fontRef>
-        </p:style>
-        <p:txBody>
-          <a:bodyPr rtlCol="0" anchor="ctr"/>
-          <a:lstStyle/>
-          <a:p>
-            <a:pPr algn="ctr"/>
-            <a:r>
-              <a:rPr lang="ko-KR" altLang="en-US" sz="2000" dirty="0"/>
-              <a:t> </a:t>
-            </a:r>
-            <a:r>
-              <a:rPr lang="en-US" altLang="ko-KR" sz="2000" dirty="0"/>
-              <a:t>2025.10.08</a:t>
-            </a:r>
-          </a:p>
-        </p:txBody>
-      </p:sp>
-      <p:sp>
-        <p:nvSpPr>
           <p:cNvPr id="4" name="직사각형 3">
             <a:extLst>
               <a:ext uri="{FF2B5EF4-FFF2-40B4-BE49-F238E27FC236}">
@@ -5374,8 +5332,8 @@
         </p:nvCxnSpPr>
         <p:spPr>
           <a:xfrm>
-            <a:off x="728708" y="1500052"/>
-            <a:ext cx="10329816" cy="0"/>
+            <a:off x="408006" y="1508003"/>
+            <a:ext cx="6157122" cy="0"/>
           </a:xfrm>
           <a:prstGeom prst="line">
             <a:avLst/>
@@ -5396,280 +5354,6 @@
           </a:fontRef>
         </p:style>
       </p:cxnSp>
-      <p:graphicFrame>
-        <p:nvGraphicFramePr>
-          <p:cNvPr id="3" name="표 2">
-            <a:extLst>
-              <a:ext uri="{FF2B5EF4-FFF2-40B4-BE49-F238E27FC236}">
-                <a16:creationId xmlns:a16="http://schemas.microsoft.com/office/drawing/2014/main" id="{C812FFBE-B656-4A0E-8978-CFB5114AA81A}"/>
-              </a:ext>
-            </a:extLst>
-          </p:cNvPr>
-          <p:cNvGraphicFramePr>
-            <a:graphicFrameLocks noGrp="1"/>
-          </p:cNvGraphicFramePr>
-          <p:nvPr>
-            <p:extLst>
-              <p:ext uri="{D42A27DB-BD31-4B8C-83A1-F6EECF244321}">
-                <p14:modId xmlns:p14="http://schemas.microsoft.com/office/powerpoint/2010/main" val="3292933194"/>
-              </p:ext>
-            </p:extLst>
-          </p:nvPr>
-        </p:nvGraphicFramePr>
-        <p:xfrm>
-          <a:off x="728708" y="1779300"/>
-          <a:ext cx="10329816" cy="2384965"/>
-        </p:xfrm>
-        <a:graphic>
-          <a:graphicData uri="http://schemas.openxmlformats.org/drawingml/2006/table">
-            <a:tbl>
-              <a:tblPr firstRow="1" bandRow="1">
-                <a:tableStyleId>{5C22544A-7EE6-4342-B048-85BDC9FD1C3A}</a:tableStyleId>
-              </a:tblPr>
-              <a:tblGrid>
-                <a:gridCol w="1475688">
-                  <a:extLst>
-                    <a:ext uri="{9D8B030D-6E8A-4147-A177-3AD203B41FA5}">
-                      <a16:colId xmlns:a16="http://schemas.microsoft.com/office/drawing/2014/main" val="3643003596"/>
-                    </a:ext>
-                  </a:extLst>
-                </a:gridCol>
-                <a:gridCol w="1475688">
-                  <a:extLst>
-                    <a:ext uri="{9D8B030D-6E8A-4147-A177-3AD203B41FA5}">
-                      <a16:colId xmlns:a16="http://schemas.microsoft.com/office/drawing/2014/main" val="2803670904"/>
-                    </a:ext>
-                  </a:extLst>
-                </a:gridCol>
-                <a:gridCol w="1475688">
-                  <a:extLst>
-                    <a:ext uri="{9D8B030D-6E8A-4147-A177-3AD203B41FA5}">
-                      <a16:colId xmlns:a16="http://schemas.microsoft.com/office/drawing/2014/main" val="866423827"/>
-                    </a:ext>
-                  </a:extLst>
-                </a:gridCol>
-                <a:gridCol w="1475688">
-                  <a:extLst>
-                    <a:ext uri="{9D8B030D-6E8A-4147-A177-3AD203B41FA5}">
-                      <a16:colId xmlns:a16="http://schemas.microsoft.com/office/drawing/2014/main" val="3504629430"/>
-                    </a:ext>
-                  </a:extLst>
-                </a:gridCol>
-                <a:gridCol w="1475688">
-                  <a:extLst>
-                    <a:ext uri="{9D8B030D-6E8A-4147-A177-3AD203B41FA5}">
-                      <a16:colId xmlns:a16="http://schemas.microsoft.com/office/drawing/2014/main" val="3934948328"/>
-                    </a:ext>
-                  </a:extLst>
-                </a:gridCol>
-                <a:gridCol w="1475688">
-                  <a:extLst>
-                    <a:ext uri="{9D8B030D-6E8A-4147-A177-3AD203B41FA5}">
-                      <a16:colId xmlns:a16="http://schemas.microsoft.com/office/drawing/2014/main" val="1258318483"/>
-                    </a:ext>
-                  </a:extLst>
-                </a:gridCol>
-                <a:gridCol w="1475688">
-                  <a:extLst>
-                    <a:ext uri="{9D8B030D-6E8A-4147-A177-3AD203B41FA5}">
-                      <a16:colId xmlns:a16="http://schemas.microsoft.com/office/drawing/2014/main" val="2479193674"/>
-                    </a:ext>
-                  </a:extLst>
-                </a:gridCol>
-              </a:tblGrid>
-              <a:tr h="754488">
-                <a:tc>
-                  <a:txBody>
-                    <a:bodyPr/>
-                    <a:lstStyle/>
-                    <a:p>
-                      <a:pPr latinLnBrk="1"/>
-                      <a:r>
-                        <a:rPr lang="ko-KR" altLang="en-US" dirty="0"/>
-                        <a:t>입고 일자</a:t>
-                      </a:r>
-                    </a:p>
-                  </a:txBody>
-                  <a:tcPr/>
-                </a:tc>
-                <a:tc>
-                  <a:txBody>
-                    <a:bodyPr/>
-                    <a:lstStyle/>
-                    <a:p>
-                      <a:pPr latinLnBrk="1"/>
-                      <a:r>
-                        <a:rPr lang="ko-KR" altLang="en-US" dirty="0"/>
-                        <a:t>출고 일자</a:t>
-                      </a:r>
-                    </a:p>
-                  </a:txBody>
-                  <a:tcPr/>
-                </a:tc>
-                <a:tc>
-                  <a:txBody>
-                    <a:bodyPr/>
-                    <a:lstStyle/>
-                    <a:p>
-                      <a:pPr latinLnBrk="1"/>
-                      <a:r>
-                        <a:rPr lang="ko-KR" altLang="en-US" dirty="0"/>
-                        <a:t>출고 번호</a:t>
-                      </a:r>
-                    </a:p>
-                  </a:txBody>
-                  <a:tcPr/>
-                </a:tc>
-                <a:tc>
-                  <a:txBody>
-                    <a:bodyPr/>
-                    <a:lstStyle/>
-                    <a:p>
-                      <a:pPr latinLnBrk="1"/>
-                      <a:r>
-                        <a:rPr lang="ko-KR" altLang="en-US" dirty="0"/>
-                        <a:t>거래처명</a:t>
-                      </a:r>
-                    </a:p>
-                  </a:txBody>
-                  <a:tcPr/>
-                </a:tc>
-                <a:tc>
-                  <a:txBody>
-                    <a:bodyPr/>
-                    <a:lstStyle/>
-                    <a:p>
-                      <a:pPr latinLnBrk="1"/>
-                      <a:r>
-                        <a:rPr lang="ko-KR" altLang="en-US" dirty="0"/>
-                        <a:t>품목번호</a:t>
-                      </a:r>
-                    </a:p>
-                  </a:txBody>
-                  <a:tcPr/>
-                </a:tc>
-                <a:tc>
-                  <a:txBody>
-                    <a:bodyPr/>
-                    <a:lstStyle/>
-                    <a:p>
-                      <a:pPr latinLnBrk="1"/>
-                      <a:r>
-                        <a:rPr lang="ko-KR" altLang="en-US" dirty="0"/>
-                        <a:t>품목명</a:t>
-                      </a:r>
-                    </a:p>
-                  </a:txBody>
-                  <a:tcPr/>
-                </a:tc>
-                <a:tc>
-                  <a:txBody>
-                    <a:bodyPr/>
-                    <a:lstStyle/>
-                    <a:p>
-                      <a:pPr latinLnBrk="1"/>
-                      <a:r>
-                        <a:rPr lang="ko-KR" altLang="en-US" dirty="0"/>
-                        <a:t>출고 수량</a:t>
-                      </a:r>
-                    </a:p>
-                  </a:txBody>
-                  <a:tcPr/>
-                </a:tc>
-                <a:extLst>
-                  <a:ext uri="{0D108BD9-81ED-4DB2-BD59-A6C34878D82A}">
-                    <a16:rowId xmlns:a16="http://schemas.microsoft.com/office/drawing/2014/main" val="2293849000"/>
-                  </a:ext>
-                </a:extLst>
-              </a:tr>
-              <a:tr h="1630477">
-                <a:tc>
-                  <a:txBody>
-                    <a:bodyPr/>
-                    <a:lstStyle/>
-                    <a:p>
-                      <a:pPr latinLnBrk="1"/>
-                      <a:endParaRPr lang="ko-KR" altLang="en-US" dirty="0"/>
-                    </a:p>
-                  </a:txBody>
-                  <a:tcPr/>
-                </a:tc>
-                <a:tc>
-                  <a:txBody>
-                    <a:bodyPr/>
-                    <a:lstStyle/>
-                    <a:p>
-                      <a:pPr latinLnBrk="1"/>
-                      <a:endParaRPr lang="ko-KR" altLang="en-US" dirty="0"/>
-                    </a:p>
-                  </a:txBody>
-                  <a:tcPr/>
-                </a:tc>
-                <a:tc>
-                  <a:txBody>
-                    <a:bodyPr/>
-                    <a:lstStyle/>
-                    <a:p>
-                      <a:pPr latinLnBrk="1"/>
-                      <a:endParaRPr lang="ko-KR" altLang="en-US"/>
-                    </a:p>
-                  </a:txBody>
-                  <a:tcPr/>
-                </a:tc>
-                <a:tc>
-                  <a:txBody>
-                    <a:bodyPr/>
-                    <a:lstStyle/>
-                    <a:p>
-                      <a:pPr latinLnBrk="1"/>
-                      <a:endParaRPr lang="ko-KR" altLang="en-US"/>
-                    </a:p>
-                  </a:txBody>
-                  <a:tcPr/>
-                </a:tc>
-                <a:tc>
-                  <a:txBody>
-                    <a:bodyPr/>
-                    <a:lstStyle/>
-                    <a:p>
-                      <a:pPr latinLnBrk="1"/>
-                      <a:endParaRPr lang="ko-KR" altLang="en-US" dirty="0"/>
-                    </a:p>
-                  </a:txBody>
-                  <a:tcPr/>
-                </a:tc>
-                <a:tc>
-                  <a:txBody>
-                    <a:bodyPr/>
-                    <a:lstStyle/>
-                    <a:p>
-                      <a:pPr latinLnBrk="1"/>
-                      <a:endParaRPr lang="ko-KR" altLang="en-US" dirty="0"/>
-                    </a:p>
-                  </a:txBody>
-                  <a:tcPr/>
-                </a:tc>
-                <a:tc>
-                  <a:txBody>
-                    <a:bodyPr/>
-                    <a:lstStyle/>
-                    <a:p>
-                      <a:pPr latinLnBrk="1"/>
-                      <a:endParaRPr lang="ko-KR" altLang="en-US" dirty="0"/>
-                    </a:p>
-                  </a:txBody>
-                  <a:tcPr/>
-                </a:tc>
-                <a:extLst>
-                  <a:ext uri="{0D108BD9-81ED-4DB2-BD59-A6C34878D82A}">
-                    <a16:rowId xmlns:a16="http://schemas.microsoft.com/office/drawing/2014/main" val="862949451"/>
-                  </a:ext>
-                </a:extLst>
-              </a:tr>
-            </a:tbl>
-          </a:graphicData>
-        </a:graphic>
-      </p:graphicFrame>
       <p:sp>
         <p:nvSpPr>
           <p:cNvPr id="37" name="사각형: 둥근 모서리 36">
@@ -5684,7 +5368,7 @@
         </p:nvSpPr>
         <p:spPr>
           <a:xfrm>
-            <a:off x="9586957" y="4443512"/>
+            <a:off x="4698645" y="3655483"/>
             <a:ext cx="1471567" cy="351970"/>
           </a:xfrm>
           <a:prstGeom prst="roundRect">
@@ -5719,10 +5403,10 @@
       </p:sp>
       <p:sp>
         <p:nvSpPr>
-          <p:cNvPr id="8" name="타원 7">
-            <a:extLst>
-              <a:ext uri="{FF2B5EF4-FFF2-40B4-BE49-F238E27FC236}">
-                <a16:creationId xmlns:a16="http://schemas.microsoft.com/office/drawing/2014/main" id="{E2ED6E0D-D0A0-4D89-86FF-4B72158572DD}"/>
+          <p:cNvPr id="10" name="타원 9">
+            <a:extLst>
+              <a:ext uri="{FF2B5EF4-FFF2-40B4-BE49-F238E27FC236}">
+                <a16:creationId xmlns:a16="http://schemas.microsoft.com/office/drawing/2014/main" id="{FC5F77A9-DADC-4224-913F-29E6C1C90A54}"/>
               </a:ext>
             </a:extLst>
           </p:cNvPr>
@@ -5731,7 +5415,7 @@
         </p:nvSpPr>
         <p:spPr>
           <a:xfrm>
-            <a:off x="9337171" y="1081706"/>
+            <a:off x="5851071" y="3719269"/>
             <a:ext cx="244929" cy="224398"/>
           </a:xfrm>
           <a:prstGeom prst="ellipse">
@@ -5778,67 +5462,1094 @@
           </a:p>
         </p:txBody>
       </p:sp>
-      <p:sp>
-        <p:nvSpPr>
-          <p:cNvPr id="10" name="타원 9">
-            <a:extLst>
-              <a:ext uri="{FF2B5EF4-FFF2-40B4-BE49-F238E27FC236}">
-                <a16:creationId xmlns:a16="http://schemas.microsoft.com/office/drawing/2014/main" id="{FC5F77A9-DADC-4224-913F-29E6C1C90A54}"/>
-              </a:ext>
-            </a:extLst>
-          </p:cNvPr>
-          <p:cNvSpPr/>
-          <p:nvPr/>
-        </p:nvSpPr>
-        <p:spPr>
-          <a:xfrm>
-            <a:off x="9309362" y="4514635"/>
-            <a:ext cx="244929" cy="224398"/>
-          </a:xfrm>
-          <a:prstGeom prst="ellipse">
-            <a:avLst/>
-          </a:prstGeom>
-          <a:solidFill>
-            <a:srgbClr val="FFFF00"/>
-          </a:solidFill>
-        </p:spPr>
-        <p:style>
-          <a:lnRef idx="2">
-            <a:schemeClr val="accent1">
-              <a:shade val="15000"/>
-            </a:schemeClr>
-          </a:lnRef>
-          <a:fillRef idx="1">
-            <a:schemeClr val="accent1"/>
-          </a:fillRef>
-          <a:effectRef idx="0">
-            <a:schemeClr val="accent1"/>
-          </a:effectRef>
-          <a:fontRef idx="minor">
-            <a:schemeClr val="lt1"/>
-          </a:fontRef>
-        </p:style>
-        <p:txBody>
-          <a:bodyPr rtlCol="0" anchor="ctr"/>
-          <a:lstStyle/>
-          <a:p>
-            <a:pPr algn="ctr"/>
-            <a:r>
-              <a:rPr lang="en-US" altLang="ko-KR" dirty="0">
-                <a:solidFill>
-                  <a:schemeClr val="tx1"/>
-                </a:solidFill>
-              </a:rPr>
-              <a:t>2</a:t>
-            </a:r>
-            <a:endParaRPr lang="ko-KR" altLang="en-US" dirty="0">
-              <a:solidFill>
-                <a:schemeClr val="tx1"/>
-              </a:solidFill>
-            </a:endParaRPr>
-          </a:p>
-        </p:txBody>
-      </p:sp>
+      <p:graphicFrame>
+        <p:nvGraphicFramePr>
+          <p:cNvPr id="6" name="표 5">
+            <a:extLst>
+              <a:ext uri="{FF2B5EF4-FFF2-40B4-BE49-F238E27FC236}">
+                <a16:creationId xmlns:a16="http://schemas.microsoft.com/office/drawing/2014/main" id="{57015C6B-0F17-C5A5-6533-50F017E039B0}"/>
+              </a:ext>
+            </a:extLst>
+          </p:cNvPr>
+          <p:cNvGraphicFramePr>
+            <a:graphicFrameLocks noGrp="1"/>
+          </p:cNvGraphicFramePr>
+          <p:nvPr>
+            <p:extLst>
+              <p:ext uri="{D42A27DB-BD31-4B8C-83A1-F6EECF244321}">
+                <p14:modId xmlns:p14="http://schemas.microsoft.com/office/powerpoint/2010/main" val="625792022"/>
+              </p:ext>
+            </p:extLst>
+          </p:nvPr>
+        </p:nvGraphicFramePr>
+        <p:xfrm>
+          <a:off x="728708" y="1713577"/>
+          <a:ext cx="2754686" cy="2299527"/>
+        </p:xfrm>
+        <a:graphic>
+          <a:graphicData uri="http://schemas.openxmlformats.org/drawingml/2006/table">
+            <a:tbl>
+              <a:tblPr firstRow="1" bandRow="1">
+                <a:tableStyleId>{5C22544A-7EE6-4342-B048-85BDC9FD1C3A}</a:tableStyleId>
+              </a:tblPr>
+              <a:tblGrid>
+                <a:gridCol w="1377343">
+                  <a:extLst>
+                    <a:ext uri="{9D8B030D-6E8A-4147-A177-3AD203B41FA5}">
+                      <a16:colId xmlns:a16="http://schemas.microsoft.com/office/drawing/2014/main" val="2098798103"/>
+                    </a:ext>
+                  </a:extLst>
+                </a:gridCol>
+                <a:gridCol w="1377343">
+                  <a:extLst>
+                    <a:ext uri="{9D8B030D-6E8A-4147-A177-3AD203B41FA5}">
+                      <a16:colId xmlns:a16="http://schemas.microsoft.com/office/drawing/2014/main" val="438440792"/>
+                    </a:ext>
+                  </a:extLst>
+                </a:gridCol>
+              </a:tblGrid>
+              <a:tr h="573469">
+                <a:tc>
+                  <a:txBody>
+                    <a:bodyPr/>
+                    <a:lstStyle/>
+                    <a:p>
+                      <a:pPr latinLnBrk="1"/>
+                      <a:r>
+                        <a:rPr lang="ko-KR" altLang="en-US" b="0" dirty="0">
+                          <a:solidFill>
+                            <a:schemeClr val="tx1"/>
+                          </a:solidFill>
+                        </a:rPr>
+                        <a:t>입고 일자</a:t>
+                      </a:r>
+                    </a:p>
+                  </a:txBody>
+                  <a:tcPr>
+                    <a:lnL w="12700" cap="flat" cmpd="sng" algn="ctr">
+                      <a:solidFill>
+                        <a:schemeClr val="tx1"/>
+                      </a:solidFill>
+                      <a:prstDash val="solid"/>
+                      <a:round/>
+                      <a:headEnd type="none" w="med" len="med"/>
+                      <a:tailEnd type="none" w="med" len="med"/>
+                    </a:lnL>
+                    <a:lnR w="12700" cap="flat" cmpd="sng" algn="ctr">
+                      <a:solidFill>
+                        <a:schemeClr val="tx1"/>
+                      </a:solidFill>
+                      <a:prstDash val="solid"/>
+                      <a:round/>
+                      <a:headEnd type="none" w="med" len="med"/>
+                      <a:tailEnd type="none" w="med" len="med"/>
+                    </a:lnR>
+                    <a:lnT w="12700" cap="flat" cmpd="sng" algn="ctr">
+                      <a:solidFill>
+                        <a:schemeClr val="tx1"/>
+                      </a:solidFill>
+                      <a:prstDash val="solid"/>
+                      <a:round/>
+                      <a:headEnd type="none" w="med" len="med"/>
+                      <a:tailEnd type="none" w="med" len="med"/>
+                    </a:lnT>
+                    <a:lnB w="12700" cap="flat" cmpd="sng" algn="ctr">
+                      <a:solidFill>
+                        <a:schemeClr val="tx1"/>
+                      </a:solidFill>
+                      <a:prstDash val="solid"/>
+                      <a:round/>
+                      <a:headEnd type="none" w="med" len="med"/>
+                      <a:tailEnd type="none" w="med" len="med"/>
+                    </a:lnB>
+                    <a:lnTlToBr w="12700" cmpd="sng">
+                      <a:noFill/>
+                      <a:prstDash val="solid"/>
+                    </a:lnTlToBr>
+                    <a:lnBlToTr w="12700" cmpd="sng">
+                      <a:noFill/>
+                      <a:prstDash val="solid"/>
+                    </a:lnBlToTr>
+                    <a:solidFill>
+                      <a:schemeClr val="accent1"/>
+                    </a:solidFill>
+                  </a:tcPr>
+                </a:tc>
+                <a:tc>
+                  <a:txBody>
+                    <a:bodyPr/>
+                    <a:lstStyle/>
+                    <a:p>
+                      <a:pPr latinLnBrk="1"/>
+                      <a:r>
+                        <a:rPr lang="en-US" altLang="ko-KR" sz="1600" b="0" dirty="0">
+                          <a:solidFill>
+                            <a:schemeClr val="tx1"/>
+                          </a:solidFill>
+                        </a:rPr>
+                        <a:t>2025.10.20</a:t>
+                      </a:r>
+                      <a:endParaRPr lang="ko-KR" altLang="en-US" sz="1600" b="0" dirty="0"/>
+                    </a:p>
+                  </a:txBody>
+                  <a:tcPr>
+                    <a:lnL w="12700" cap="flat" cmpd="sng" algn="ctr">
+                      <a:solidFill>
+                        <a:schemeClr val="tx1"/>
+                      </a:solidFill>
+                      <a:prstDash val="solid"/>
+                      <a:round/>
+                      <a:headEnd type="none" w="med" len="med"/>
+                      <a:tailEnd type="none" w="med" len="med"/>
+                    </a:lnL>
+                    <a:lnR w="12700" cap="flat" cmpd="sng" algn="ctr">
+                      <a:solidFill>
+                        <a:schemeClr val="tx1"/>
+                      </a:solidFill>
+                      <a:prstDash val="solid"/>
+                      <a:round/>
+                      <a:headEnd type="none" w="med" len="med"/>
+                      <a:tailEnd type="none" w="med" len="med"/>
+                    </a:lnR>
+                    <a:lnT w="12700" cap="flat" cmpd="sng" algn="ctr">
+                      <a:solidFill>
+                        <a:schemeClr val="tx1"/>
+                      </a:solidFill>
+                      <a:prstDash val="solid"/>
+                      <a:round/>
+                      <a:headEnd type="none" w="med" len="med"/>
+                      <a:tailEnd type="none" w="med" len="med"/>
+                    </a:lnT>
+                    <a:lnB w="12700" cap="flat" cmpd="sng" algn="ctr">
+                      <a:solidFill>
+                        <a:schemeClr val="tx1"/>
+                      </a:solidFill>
+                      <a:prstDash val="solid"/>
+                      <a:round/>
+                      <a:headEnd type="none" w="med" len="med"/>
+                      <a:tailEnd type="none" w="med" len="med"/>
+                    </a:lnB>
+                    <a:lnTlToBr w="12700" cmpd="sng">
+                      <a:noFill/>
+                      <a:prstDash val="solid"/>
+                    </a:lnTlToBr>
+                    <a:lnBlToTr w="12700" cmpd="sng">
+                      <a:noFill/>
+                      <a:prstDash val="solid"/>
+                    </a:lnBlToTr>
+                    <a:solidFill>
+                      <a:schemeClr val="bg1"/>
+                    </a:solidFill>
+                  </a:tcPr>
+                </a:tc>
+                <a:extLst>
+                  <a:ext uri="{0D108BD9-81ED-4DB2-BD59-A6C34878D82A}">
+                    <a16:rowId xmlns:a16="http://schemas.microsoft.com/office/drawing/2014/main" val="3396041080"/>
+                  </a:ext>
+                </a:extLst>
+              </a:tr>
+              <a:tr h="573469">
+                <a:tc>
+                  <a:txBody>
+                    <a:bodyPr/>
+                    <a:lstStyle/>
+                    <a:p>
+                      <a:pPr latinLnBrk="1"/>
+                      <a:r>
+                        <a:rPr lang="ko-KR" altLang="en-US" dirty="0"/>
+                        <a:t>출고 일자</a:t>
+                      </a:r>
+                    </a:p>
+                  </a:txBody>
+                  <a:tcPr>
+                    <a:lnL w="12700" cap="flat" cmpd="sng" algn="ctr">
+                      <a:solidFill>
+                        <a:schemeClr val="tx1"/>
+                      </a:solidFill>
+                      <a:prstDash val="solid"/>
+                      <a:round/>
+                      <a:headEnd type="none" w="med" len="med"/>
+                      <a:tailEnd type="none" w="med" len="med"/>
+                    </a:lnL>
+                    <a:lnR w="12700" cap="flat" cmpd="sng" algn="ctr">
+                      <a:solidFill>
+                        <a:schemeClr val="tx1"/>
+                      </a:solidFill>
+                      <a:prstDash val="solid"/>
+                      <a:round/>
+                      <a:headEnd type="none" w="med" len="med"/>
+                      <a:tailEnd type="none" w="med" len="med"/>
+                    </a:lnR>
+                    <a:lnT w="12700" cap="flat" cmpd="sng" algn="ctr">
+                      <a:solidFill>
+                        <a:schemeClr val="tx1"/>
+                      </a:solidFill>
+                      <a:prstDash val="solid"/>
+                      <a:round/>
+                      <a:headEnd type="none" w="med" len="med"/>
+                      <a:tailEnd type="none" w="med" len="med"/>
+                    </a:lnT>
+                    <a:lnB w="12700" cap="flat" cmpd="sng" algn="ctr">
+                      <a:solidFill>
+                        <a:schemeClr val="tx1"/>
+                      </a:solidFill>
+                      <a:prstDash val="solid"/>
+                      <a:round/>
+                      <a:headEnd type="none" w="med" len="med"/>
+                      <a:tailEnd type="none" w="med" len="med"/>
+                    </a:lnB>
+                    <a:lnTlToBr w="12700" cmpd="sng">
+                      <a:noFill/>
+                      <a:prstDash val="solid"/>
+                    </a:lnTlToBr>
+                    <a:lnBlToTr w="12700" cmpd="sng">
+                      <a:noFill/>
+                      <a:prstDash val="solid"/>
+                    </a:lnBlToTr>
+                    <a:solidFill>
+                      <a:schemeClr val="accent1"/>
+                    </a:solidFill>
+                  </a:tcPr>
+                </a:tc>
+                <a:tc>
+                  <a:txBody>
+                    <a:bodyPr/>
+                    <a:lstStyle/>
+                    <a:p>
+                      <a:pPr latinLnBrk="1"/>
+                      <a:r>
+                        <a:rPr lang="en-US" altLang="ko-KR" sz="1600" b="0" dirty="0">
+                          <a:solidFill>
+                            <a:schemeClr val="tx1"/>
+                          </a:solidFill>
+                        </a:rPr>
+                        <a:t>2025.10.22</a:t>
+                      </a:r>
+                      <a:endParaRPr lang="ko-KR" altLang="en-US" sz="1600" b="0" dirty="0"/>
+                    </a:p>
+                  </a:txBody>
+                  <a:tcPr>
+                    <a:lnL w="12700" cap="flat" cmpd="sng" algn="ctr">
+                      <a:solidFill>
+                        <a:schemeClr val="tx1"/>
+                      </a:solidFill>
+                      <a:prstDash val="solid"/>
+                      <a:round/>
+                      <a:headEnd type="none" w="med" len="med"/>
+                      <a:tailEnd type="none" w="med" len="med"/>
+                    </a:lnL>
+                    <a:lnR w="12700" cap="flat" cmpd="sng" algn="ctr">
+                      <a:solidFill>
+                        <a:schemeClr val="tx1"/>
+                      </a:solidFill>
+                      <a:prstDash val="solid"/>
+                      <a:round/>
+                      <a:headEnd type="none" w="med" len="med"/>
+                      <a:tailEnd type="none" w="med" len="med"/>
+                    </a:lnR>
+                    <a:lnT w="12700" cap="flat" cmpd="sng" algn="ctr">
+                      <a:solidFill>
+                        <a:schemeClr val="tx1"/>
+                      </a:solidFill>
+                      <a:prstDash val="solid"/>
+                      <a:round/>
+                      <a:headEnd type="none" w="med" len="med"/>
+                      <a:tailEnd type="none" w="med" len="med"/>
+                    </a:lnT>
+                    <a:lnB w="12700" cap="flat" cmpd="sng" algn="ctr">
+                      <a:solidFill>
+                        <a:schemeClr val="tx1"/>
+                      </a:solidFill>
+                      <a:prstDash val="solid"/>
+                      <a:round/>
+                      <a:headEnd type="none" w="med" len="med"/>
+                      <a:tailEnd type="none" w="med" len="med"/>
+                    </a:lnB>
+                    <a:lnTlToBr w="12700" cmpd="sng">
+                      <a:noFill/>
+                      <a:prstDash val="solid"/>
+                    </a:lnTlToBr>
+                    <a:lnBlToTr w="12700" cmpd="sng">
+                      <a:noFill/>
+                      <a:prstDash val="solid"/>
+                    </a:lnBlToTr>
+                    <a:solidFill>
+                      <a:schemeClr val="bg1"/>
+                    </a:solidFill>
+                  </a:tcPr>
+                </a:tc>
+                <a:extLst>
+                  <a:ext uri="{0D108BD9-81ED-4DB2-BD59-A6C34878D82A}">
+                    <a16:rowId xmlns:a16="http://schemas.microsoft.com/office/drawing/2014/main" val="3090190308"/>
+                  </a:ext>
+                </a:extLst>
+              </a:tr>
+              <a:tr h="573469">
+                <a:tc>
+                  <a:txBody>
+                    <a:bodyPr/>
+                    <a:lstStyle/>
+                    <a:p>
+                      <a:pPr latinLnBrk="1"/>
+                      <a:r>
+                        <a:rPr lang="ko-KR" altLang="en-US" dirty="0"/>
+                        <a:t>출고 번호</a:t>
+                      </a:r>
+                    </a:p>
+                  </a:txBody>
+                  <a:tcPr>
+                    <a:lnL w="12700" cap="flat" cmpd="sng" algn="ctr">
+                      <a:solidFill>
+                        <a:schemeClr val="tx1"/>
+                      </a:solidFill>
+                      <a:prstDash val="solid"/>
+                      <a:round/>
+                      <a:headEnd type="none" w="med" len="med"/>
+                      <a:tailEnd type="none" w="med" len="med"/>
+                    </a:lnL>
+                    <a:lnR w="12700" cap="flat" cmpd="sng" algn="ctr">
+                      <a:solidFill>
+                        <a:schemeClr val="tx1"/>
+                      </a:solidFill>
+                      <a:prstDash val="solid"/>
+                      <a:round/>
+                      <a:headEnd type="none" w="med" len="med"/>
+                      <a:tailEnd type="none" w="med" len="med"/>
+                    </a:lnR>
+                    <a:lnT w="12700" cap="flat" cmpd="sng" algn="ctr">
+                      <a:solidFill>
+                        <a:schemeClr val="tx1"/>
+                      </a:solidFill>
+                      <a:prstDash val="solid"/>
+                      <a:round/>
+                      <a:headEnd type="none" w="med" len="med"/>
+                      <a:tailEnd type="none" w="med" len="med"/>
+                    </a:lnT>
+                    <a:lnB w="12700" cap="flat" cmpd="sng" algn="ctr">
+                      <a:solidFill>
+                        <a:schemeClr val="tx1"/>
+                      </a:solidFill>
+                      <a:prstDash val="solid"/>
+                      <a:round/>
+                      <a:headEnd type="none" w="med" len="med"/>
+                      <a:tailEnd type="none" w="med" len="med"/>
+                    </a:lnB>
+                    <a:lnTlToBr w="12700" cmpd="sng">
+                      <a:noFill/>
+                      <a:prstDash val="solid"/>
+                    </a:lnTlToBr>
+                    <a:lnBlToTr w="12700" cmpd="sng">
+                      <a:noFill/>
+                      <a:prstDash val="solid"/>
+                    </a:lnBlToTr>
+                    <a:solidFill>
+                      <a:schemeClr val="accent1"/>
+                    </a:solidFill>
+                  </a:tcPr>
+                </a:tc>
+                <a:tc>
+                  <a:txBody>
+                    <a:bodyPr/>
+                    <a:lstStyle/>
+                    <a:p>
+                      <a:pPr marL="0" marR="0" lvl="0" indent="0" algn="l" defTabSz="914400" rtl="0" eaLnBrk="1" fontAlgn="auto" latinLnBrk="1" hangingPunct="1">
+                        <a:lnSpc>
+                          <a:spcPct val="100000"/>
+                        </a:lnSpc>
+                        <a:spcBef>
+                          <a:spcPts val="0"/>
+                        </a:spcBef>
+                        <a:spcAft>
+                          <a:spcPts val="0"/>
+                        </a:spcAft>
+                        <a:buClrTx/>
+                        <a:buSzTx/>
+                        <a:buFontTx/>
+                        <a:buNone/>
+                        <a:tabLst/>
+                        <a:defRPr/>
+                      </a:pPr>
+                      <a:r>
+                        <a:rPr lang="en-US" altLang="ko-KR" sz="1400" b="0" dirty="0"/>
+                        <a:t>RW-20251020-001</a:t>
+                      </a:r>
+                      <a:endParaRPr lang="ko-KR" altLang="en-US" sz="1400" b="0" dirty="0"/>
+                    </a:p>
+                  </a:txBody>
+                  <a:tcPr>
+                    <a:lnL w="12700" cap="flat" cmpd="sng" algn="ctr">
+                      <a:solidFill>
+                        <a:schemeClr val="tx1"/>
+                      </a:solidFill>
+                      <a:prstDash val="solid"/>
+                      <a:round/>
+                      <a:headEnd type="none" w="med" len="med"/>
+                      <a:tailEnd type="none" w="med" len="med"/>
+                    </a:lnL>
+                    <a:lnR w="12700" cap="flat" cmpd="sng" algn="ctr">
+                      <a:solidFill>
+                        <a:schemeClr val="tx1"/>
+                      </a:solidFill>
+                      <a:prstDash val="solid"/>
+                      <a:round/>
+                      <a:headEnd type="none" w="med" len="med"/>
+                      <a:tailEnd type="none" w="med" len="med"/>
+                    </a:lnR>
+                    <a:lnT w="12700" cap="flat" cmpd="sng" algn="ctr">
+                      <a:solidFill>
+                        <a:schemeClr val="tx1"/>
+                      </a:solidFill>
+                      <a:prstDash val="solid"/>
+                      <a:round/>
+                      <a:headEnd type="none" w="med" len="med"/>
+                      <a:tailEnd type="none" w="med" len="med"/>
+                    </a:lnT>
+                    <a:lnB w="12700" cap="flat" cmpd="sng" algn="ctr">
+                      <a:solidFill>
+                        <a:schemeClr val="tx1"/>
+                      </a:solidFill>
+                      <a:prstDash val="solid"/>
+                      <a:round/>
+                      <a:headEnd type="none" w="med" len="med"/>
+                      <a:tailEnd type="none" w="med" len="med"/>
+                    </a:lnB>
+                    <a:lnTlToBr w="12700" cmpd="sng">
+                      <a:noFill/>
+                      <a:prstDash val="solid"/>
+                    </a:lnTlToBr>
+                    <a:lnBlToTr w="12700" cmpd="sng">
+                      <a:noFill/>
+                      <a:prstDash val="solid"/>
+                    </a:lnBlToTr>
+                    <a:solidFill>
+                      <a:schemeClr val="bg1"/>
+                    </a:solidFill>
+                  </a:tcPr>
+                </a:tc>
+                <a:extLst>
+                  <a:ext uri="{0D108BD9-81ED-4DB2-BD59-A6C34878D82A}">
+                    <a16:rowId xmlns:a16="http://schemas.microsoft.com/office/drawing/2014/main" val="2462866578"/>
+                  </a:ext>
+                </a:extLst>
+              </a:tr>
+              <a:tr h="573469">
+                <a:tc>
+                  <a:txBody>
+                    <a:bodyPr/>
+                    <a:lstStyle/>
+                    <a:p>
+                      <a:pPr latinLnBrk="1"/>
+                      <a:r>
+                        <a:rPr lang="ko-KR" altLang="en-US" dirty="0"/>
+                        <a:t>거래처명</a:t>
+                      </a:r>
+                    </a:p>
+                  </a:txBody>
+                  <a:tcPr>
+                    <a:lnL w="12700" cap="flat" cmpd="sng" algn="ctr">
+                      <a:solidFill>
+                        <a:schemeClr val="tx1"/>
+                      </a:solidFill>
+                      <a:prstDash val="solid"/>
+                      <a:round/>
+                      <a:headEnd type="none" w="med" len="med"/>
+                      <a:tailEnd type="none" w="med" len="med"/>
+                    </a:lnL>
+                    <a:lnR w="12700" cap="flat" cmpd="sng" algn="ctr">
+                      <a:solidFill>
+                        <a:schemeClr val="tx1"/>
+                      </a:solidFill>
+                      <a:prstDash val="solid"/>
+                      <a:round/>
+                      <a:headEnd type="none" w="med" len="med"/>
+                      <a:tailEnd type="none" w="med" len="med"/>
+                    </a:lnR>
+                    <a:lnT w="12700" cap="flat" cmpd="sng" algn="ctr">
+                      <a:solidFill>
+                        <a:schemeClr val="tx1"/>
+                      </a:solidFill>
+                      <a:prstDash val="solid"/>
+                      <a:round/>
+                      <a:headEnd type="none" w="med" len="med"/>
+                      <a:tailEnd type="none" w="med" len="med"/>
+                    </a:lnT>
+                    <a:lnB w="12700" cap="flat" cmpd="sng" algn="ctr">
+                      <a:solidFill>
+                        <a:schemeClr val="tx1"/>
+                      </a:solidFill>
+                      <a:prstDash val="solid"/>
+                      <a:round/>
+                      <a:headEnd type="none" w="med" len="med"/>
+                      <a:tailEnd type="none" w="med" len="med"/>
+                    </a:lnB>
+                    <a:lnTlToBr w="12700" cmpd="sng">
+                      <a:noFill/>
+                      <a:prstDash val="solid"/>
+                    </a:lnTlToBr>
+                    <a:lnBlToTr w="12700" cmpd="sng">
+                      <a:noFill/>
+                      <a:prstDash val="solid"/>
+                    </a:lnBlToTr>
+                    <a:solidFill>
+                      <a:schemeClr val="accent1"/>
+                    </a:solidFill>
+                  </a:tcPr>
+                </a:tc>
+                <a:tc>
+                  <a:txBody>
+                    <a:bodyPr/>
+                    <a:lstStyle/>
+                    <a:p>
+                      <a:pPr marL="0" marR="0" lvl="0" indent="0" algn="l" defTabSz="914400" rtl="0" eaLnBrk="1" fontAlgn="auto" latinLnBrk="1" hangingPunct="1">
+                        <a:lnSpc>
+                          <a:spcPct val="100000"/>
+                        </a:lnSpc>
+                        <a:spcBef>
+                          <a:spcPts val="0"/>
+                        </a:spcBef>
+                        <a:spcAft>
+                          <a:spcPts val="0"/>
+                        </a:spcAft>
+                        <a:buClrTx/>
+                        <a:buSzTx/>
+                        <a:buFontTx/>
+                        <a:buNone/>
+                        <a:tabLst/>
+                        <a:defRPr/>
+                      </a:pPr>
+                      <a:r>
+                        <a:rPr lang="ko-KR" altLang="en-US" sz="1600" b="0" dirty="0">
+                          <a:solidFill>
+                            <a:schemeClr val="tx1"/>
+                          </a:solidFill>
+                        </a:rPr>
+                        <a:t>거래처 </a:t>
+                      </a:r>
+                      <a:r>
+                        <a:rPr lang="en-US" altLang="ko-KR" sz="1600" b="0" dirty="0">
+                          <a:solidFill>
+                            <a:schemeClr val="tx1"/>
+                          </a:solidFill>
+                        </a:rPr>
+                        <a:t>A</a:t>
+                      </a:r>
+                      <a:endParaRPr lang="ko-KR" altLang="en-US" sz="1600" b="0" dirty="0">
+                        <a:solidFill>
+                          <a:schemeClr val="tx1"/>
+                        </a:solidFill>
+                      </a:endParaRPr>
+                    </a:p>
+                    <a:p>
+                      <a:pPr latinLnBrk="1"/>
+                      <a:endParaRPr lang="ko-KR" altLang="en-US" sz="1600" b="0" dirty="0"/>
+                    </a:p>
+                  </a:txBody>
+                  <a:tcPr>
+                    <a:lnL w="12700" cap="flat" cmpd="sng" algn="ctr">
+                      <a:solidFill>
+                        <a:schemeClr val="tx1"/>
+                      </a:solidFill>
+                      <a:prstDash val="solid"/>
+                      <a:round/>
+                      <a:headEnd type="none" w="med" len="med"/>
+                      <a:tailEnd type="none" w="med" len="med"/>
+                    </a:lnL>
+                    <a:lnR w="12700" cap="flat" cmpd="sng" algn="ctr">
+                      <a:solidFill>
+                        <a:schemeClr val="tx1"/>
+                      </a:solidFill>
+                      <a:prstDash val="solid"/>
+                      <a:round/>
+                      <a:headEnd type="none" w="med" len="med"/>
+                      <a:tailEnd type="none" w="med" len="med"/>
+                    </a:lnR>
+                    <a:lnT w="12700" cap="flat" cmpd="sng" algn="ctr">
+                      <a:solidFill>
+                        <a:schemeClr val="tx1"/>
+                      </a:solidFill>
+                      <a:prstDash val="solid"/>
+                      <a:round/>
+                      <a:headEnd type="none" w="med" len="med"/>
+                      <a:tailEnd type="none" w="med" len="med"/>
+                    </a:lnT>
+                    <a:lnB w="12700" cap="flat" cmpd="sng" algn="ctr">
+                      <a:solidFill>
+                        <a:schemeClr val="tx1"/>
+                      </a:solidFill>
+                      <a:prstDash val="solid"/>
+                      <a:round/>
+                      <a:headEnd type="none" w="med" len="med"/>
+                      <a:tailEnd type="none" w="med" len="med"/>
+                    </a:lnB>
+                    <a:lnTlToBr w="12700" cmpd="sng">
+                      <a:noFill/>
+                      <a:prstDash val="solid"/>
+                    </a:lnTlToBr>
+                    <a:lnBlToTr w="12700" cmpd="sng">
+                      <a:noFill/>
+                      <a:prstDash val="solid"/>
+                    </a:lnBlToTr>
+                    <a:solidFill>
+                      <a:schemeClr val="bg1"/>
+                    </a:solidFill>
+                  </a:tcPr>
+                </a:tc>
+                <a:extLst>
+                  <a:ext uri="{0D108BD9-81ED-4DB2-BD59-A6C34878D82A}">
+                    <a16:rowId xmlns:a16="http://schemas.microsoft.com/office/drawing/2014/main" val="540813632"/>
+                  </a:ext>
+                </a:extLst>
+              </a:tr>
+            </a:tbl>
+          </a:graphicData>
+        </a:graphic>
+      </p:graphicFrame>
+      <p:graphicFrame>
+        <p:nvGraphicFramePr>
+          <p:cNvPr id="7" name="표 6">
+            <a:extLst>
+              <a:ext uri="{FF2B5EF4-FFF2-40B4-BE49-F238E27FC236}">
+                <a16:creationId xmlns:a16="http://schemas.microsoft.com/office/drawing/2014/main" id="{DF8A7343-334C-07CD-CD75-94D320AE731B}"/>
+              </a:ext>
+            </a:extLst>
+          </p:cNvPr>
+          <p:cNvGraphicFramePr>
+            <a:graphicFrameLocks noGrp="1"/>
+          </p:cNvGraphicFramePr>
+          <p:nvPr>
+            <p:extLst>
+              <p:ext uri="{D42A27DB-BD31-4B8C-83A1-F6EECF244321}">
+                <p14:modId xmlns:p14="http://schemas.microsoft.com/office/powerpoint/2010/main" val="1065339526"/>
+              </p:ext>
+            </p:extLst>
+          </p:nvPr>
+        </p:nvGraphicFramePr>
+        <p:xfrm>
+          <a:off x="3483394" y="1713580"/>
+          <a:ext cx="2686818" cy="1715418"/>
+        </p:xfrm>
+        <a:graphic>
+          <a:graphicData uri="http://schemas.openxmlformats.org/drawingml/2006/table">
+            <a:tbl>
+              <a:tblPr firstRow="1" bandRow="1">
+                <a:tableStyleId>{5C22544A-7EE6-4342-B048-85BDC9FD1C3A}</a:tableStyleId>
+              </a:tblPr>
+              <a:tblGrid>
+                <a:gridCol w="1343409">
+                  <a:extLst>
+                    <a:ext uri="{9D8B030D-6E8A-4147-A177-3AD203B41FA5}">
+                      <a16:colId xmlns:a16="http://schemas.microsoft.com/office/drawing/2014/main" val="1408010037"/>
+                    </a:ext>
+                  </a:extLst>
+                </a:gridCol>
+                <a:gridCol w="1343409">
+                  <a:extLst>
+                    <a:ext uri="{9D8B030D-6E8A-4147-A177-3AD203B41FA5}">
+                      <a16:colId xmlns:a16="http://schemas.microsoft.com/office/drawing/2014/main" val="2215360376"/>
+                    </a:ext>
+                  </a:extLst>
+                </a:gridCol>
+              </a:tblGrid>
+              <a:tr h="571806">
+                <a:tc>
+                  <a:txBody>
+                    <a:bodyPr/>
+                    <a:lstStyle/>
+                    <a:p>
+                      <a:pPr latinLnBrk="1"/>
+                      <a:r>
+                        <a:rPr lang="ko-KR" altLang="en-US" b="0" dirty="0">
+                          <a:solidFill>
+                            <a:schemeClr val="tx1"/>
+                          </a:solidFill>
+                        </a:rPr>
+                        <a:t>품목번호</a:t>
+                      </a:r>
+                    </a:p>
+                  </a:txBody>
+                  <a:tcPr>
+                    <a:lnL w="12700" cap="flat" cmpd="sng" algn="ctr">
+                      <a:solidFill>
+                        <a:schemeClr val="tx1"/>
+                      </a:solidFill>
+                      <a:prstDash val="solid"/>
+                      <a:round/>
+                      <a:headEnd type="none" w="med" len="med"/>
+                      <a:tailEnd type="none" w="med" len="med"/>
+                    </a:lnL>
+                    <a:lnR w="12700" cap="flat" cmpd="sng" algn="ctr">
+                      <a:solidFill>
+                        <a:schemeClr val="tx1"/>
+                      </a:solidFill>
+                      <a:prstDash val="solid"/>
+                      <a:round/>
+                      <a:headEnd type="none" w="med" len="med"/>
+                      <a:tailEnd type="none" w="med" len="med"/>
+                    </a:lnR>
+                    <a:lnT w="12700" cap="flat" cmpd="sng" algn="ctr">
+                      <a:solidFill>
+                        <a:schemeClr val="tx1"/>
+                      </a:solidFill>
+                      <a:prstDash val="solid"/>
+                      <a:round/>
+                      <a:headEnd type="none" w="med" len="med"/>
+                      <a:tailEnd type="none" w="med" len="med"/>
+                    </a:lnT>
+                    <a:lnB w="12700" cap="flat" cmpd="sng" algn="ctr">
+                      <a:solidFill>
+                        <a:schemeClr val="tx1"/>
+                      </a:solidFill>
+                      <a:prstDash val="solid"/>
+                      <a:round/>
+                      <a:headEnd type="none" w="med" len="med"/>
+                      <a:tailEnd type="none" w="med" len="med"/>
+                    </a:lnB>
+                    <a:solidFill>
+                      <a:schemeClr val="accent1"/>
+                    </a:solidFill>
+                  </a:tcPr>
+                </a:tc>
+                <a:tc>
+                  <a:txBody>
+                    <a:bodyPr/>
+                    <a:lstStyle/>
+                    <a:p>
+                      <a:pPr marL="0" marR="0" lvl="0" indent="0" algn="l" defTabSz="914400" rtl="0" eaLnBrk="1" fontAlgn="auto" latinLnBrk="1" hangingPunct="1">
+                        <a:lnSpc>
+                          <a:spcPct val="100000"/>
+                        </a:lnSpc>
+                        <a:spcBef>
+                          <a:spcPts val="0"/>
+                        </a:spcBef>
+                        <a:spcAft>
+                          <a:spcPts val="0"/>
+                        </a:spcAft>
+                        <a:buClrTx/>
+                        <a:buSzTx/>
+                        <a:buFontTx/>
+                        <a:buNone/>
+                        <a:tabLst/>
+                        <a:defRPr/>
+                      </a:pPr>
+                      <a:r>
+                        <a:rPr lang="en-US" altLang="ko-KR" sz="1800" b="0" dirty="0">
+                          <a:solidFill>
+                            <a:schemeClr val="tx1"/>
+                          </a:solidFill>
+                        </a:rPr>
+                        <a:t>AD217000</a:t>
+                      </a:r>
+                      <a:endParaRPr lang="ko-KR" altLang="en-US" sz="1800" b="0" dirty="0">
+                        <a:solidFill>
+                          <a:schemeClr val="tx1"/>
+                        </a:solidFill>
+                      </a:endParaRPr>
+                    </a:p>
+                  </a:txBody>
+                  <a:tcPr>
+                    <a:lnL w="12700" cap="flat" cmpd="sng" algn="ctr">
+                      <a:solidFill>
+                        <a:schemeClr val="tx1"/>
+                      </a:solidFill>
+                      <a:prstDash val="solid"/>
+                      <a:round/>
+                      <a:headEnd type="none" w="med" len="med"/>
+                      <a:tailEnd type="none" w="med" len="med"/>
+                    </a:lnL>
+                    <a:lnR w="12700" cap="flat" cmpd="sng" algn="ctr">
+                      <a:solidFill>
+                        <a:schemeClr val="tx1"/>
+                      </a:solidFill>
+                      <a:prstDash val="solid"/>
+                      <a:round/>
+                      <a:headEnd type="none" w="med" len="med"/>
+                      <a:tailEnd type="none" w="med" len="med"/>
+                    </a:lnR>
+                    <a:lnT w="12700" cap="flat" cmpd="sng" algn="ctr">
+                      <a:solidFill>
+                        <a:schemeClr val="tx1"/>
+                      </a:solidFill>
+                      <a:prstDash val="solid"/>
+                      <a:round/>
+                      <a:headEnd type="none" w="med" len="med"/>
+                      <a:tailEnd type="none" w="med" len="med"/>
+                    </a:lnT>
+                    <a:lnB w="12700" cap="flat" cmpd="sng" algn="ctr">
+                      <a:solidFill>
+                        <a:schemeClr val="tx1"/>
+                      </a:solidFill>
+                      <a:prstDash val="solid"/>
+                      <a:round/>
+                      <a:headEnd type="none" w="med" len="med"/>
+                      <a:tailEnd type="none" w="med" len="med"/>
+                    </a:lnB>
+                    <a:solidFill>
+                      <a:schemeClr val="bg1"/>
+                    </a:solidFill>
+                  </a:tcPr>
+                </a:tc>
+                <a:extLst>
+                  <a:ext uri="{0D108BD9-81ED-4DB2-BD59-A6C34878D82A}">
+                    <a16:rowId xmlns:a16="http://schemas.microsoft.com/office/drawing/2014/main" val="2972825613"/>
+                  </a:ext>
+                </a:extLst>
+              </a:tr>
+              <a:tr h="571806">
+                <a:tc>
+                  <a:txBody>
+                    <a:bodyPr/>
+                    <a:lstStyle/>
+                    <a:p>
+                      <a:pPr latinLnBrk="1"/>
+                      <a:r>
+                        <a:rPr lang="ko-KR" altLang="en-US" b="0" dirty="0"/>
+                        <a:t>품목명</a:t>
+                      </a:r>
+                    </a:p>
+                  </a:txBody>
+                  <a:tcPr>
+                    <a:lnL w="12700" cap="flat" cmpd="sng" algn="ctr">
+                      <a:solidFill>
+                        <a:schemeClr val="tx1"/>
+                      </a:solidFill>
+                      <a:prstDash val="solid"/>
+                      <a:round/>
+                      <a:headEnd type="none" w="med" len="med"/>
+                      <a:tailEnd type="none" w="med" len="med"/>
+                    </a:lnL>
+                    <a:lnR w="12700" cap="flat" cmpd="sng" algn="ctr">
+                      <a:solidFill>
+                        <a:schemeClr val="tx1"/>
+                      </a:solidFill>
+                      <a:prstDash val="solid"/>
+                      <a:round/>
+                      <a:headEnd type="none" w="med" len="med"/>
+                      <a:tailEnd type="none" w="med" len="med"/>
+                    </a:lnR>
+                    <a:lnT w="12700" cap="flat" cmpd="sng" algn="ctr">
+                      <a:solidFill>
+                        <a:schemeClr val="tx1"/>
+                      </a:solidFill>
+                      <a:prstDash val="solid"/>
+                      <a:round/>
+                      <a:headEnd type="none" w="med" len="med"/>
+                      <a:tailEnd type="none" w="med" len="med"/>
+                    </a:lnT>
+                    <a:lnB w="12700" cap="flat" cmpd="sng" algn="ctr">
+                      <a:solidFill>
+                        <a:schemeClr val="tx1"/>
+                      </a:solidFill>
+                      <a:prstDash val="solid"/>
+                      <a:round/>
+                      <a:headEnd type="none" w="med" len="med"/>
+                      <a:tailEnd type="none" w="med" len="med"/>
+                    </a:lnB>
+                    <a:solidFill>
+                      <a:schemeClr val="accent1"/>
+                    </a:solidFill>
+                  </a:tcPr>
+                </a:tc>
+                <a:tc>
+                  <a:txBody>
+                    <a:bodyPr/>
+                    <a:lstStyle/>
+                    <a:p>
+                      <a:pPr marL="0" marR="0" lvl="0" indent="0" algn="l" defTabSz="914400" rtl="0" eaLnBrk="1" fontAlgn="auto" latinLnBrk="1" hangingPunct="1">
+                        <a:lnSpc>
+                          <a:spcPct val="100000"/>
+                        </a:lnSpc>
+                        <a:spcBef>
+                          <a:spcPts val="0"/>
+                        </a:spcBef>
+                        <a:spcAft>
+                          <a:spcPts val="0"/>
+                        </a:spcAft>
+                        <a:buClrTx/>
+                        <a:buSzTx/>
+                        <a:buFontTx/>
+                        <a:buNone/>
+                        <a:tabLst/>
+                        <a:defRPr/>
+                      </a:pPr>
+                      <a:r>
+                        <a:rPr lang="ko-KR" altLang="en-US" b="0" u="sng" dirty="0"/>
+                        <a:t>품목</a:t>
+                      </a:r>
+                      <a:r>
+                        <a:rPr lang="en-US" altLang="ko-KR" b="0" u="sng" dirty="0"/>
+                        <a:t>A</a:t>
+                      </a:r>
+                      <a:endParaRPr lang="ko-KR" altLang="en-US" b="0" u="sng" dirty="0"/>
+                    </a:p>
+                  </a:txBody>
+                  <a:tcPr>
+                    <a:lnL w="12700" cap="flat" cmpd="sng" algn="ctr">
+                      <a:solidFill>
+                        <a:schemeClr val="tx1"/>
+                      </a:solidFill>
+                      <a:prstDash val="solid"/>
+                      <a:round/>
+                      <a:headEnd type="none" w="med" len="med"/>
+                      <a:tailEnd type="none" w="med" len="med"/>
+                    </a:lnL>
+                    <a:lnR w="12700" cap="flat" cmpd="sng" algn="ctr">
+                      <a:solidFill>
+                        <a:schemeClr val="tx1"/>
+                      </a:solidFill>
+                      <a:prstDash val="solid"/>
+                      <a:round/>
+                      <a:headEnd type="none" w="med" len="med"/>
+                      <a:tailEnd type="none" w="med" len="med"/>
+                    </a:lnR>
+                    <a:lnT w="12700" cap="flat" cmpd="sng" algn="ctr">
+                      <a:solidFill>
+                        <a:schemeClr val="tx1"/>
+                      </a:solidFill>
+                      <a:prstDash val="solid"/>
+                      <a:round/>
+                      <a:headEnd type="none" w="med" len="med"/>
+                      <a:tailEnd type="none" w="med" len="med"/>
+                    </a:lnT>
+                    <a:lnB w="12700" cap="flat" cmpd="sng" algn="ctr">
+                      <a:solidFill>
+                        <a:schemeClr val="tx1"/>
+                      </a:solidFill>
+                      <a:prstDash val="solid"/>
+                      <a:round/>
+                      <a:headEnd type="none" w="med" len="med"/>
+                      <a:tailEnd type="none" w="med" len="med"/>
+                    </a:lnB>
+                    <a:solidFill>
+                      <a:schemeClr val="bg1"/>
+                    </a:solidFill>
+                  </a:tcPr>
+                </a:tc>
+                <a:extLst>
+                  <a:ext uri="{0D108BD9-81ED-4DB2-BD59-A6C34878D82A}">
+                    <a16:rowId xmlns:a16="http://schemas.microsoft.com/office/drawing/2014/main" val="421555461"/>
+                  </a:ext>
+                </a:extLst>
+              </a:tr>
+              <a:tr h="571806">
+                <a:tc>
+                  <a:txBody>
+                    <a:bodyPr/>
+                    <a:lstStyle/>
+                    <a:p>
+                      <a:pPr latinLnBrk="1"/>
+                      <a:r>
+                        <a:rPr lang="ko-KR" altLang="en-US" b="0" dirty="0"/>
+                        <a:t>출고 수량</a:t>
+                      </a:r>
+                    </a:p>
+                  </a:txBody>
+                  <a:tcPr>
+                    <a:lnL w="12700" cap="flat" cmpd="sng" algn="ctr">
+                      <a:solidFill>
+                        <a:schemeClr val="tx1"/>
+                      </a:solidFill>
+                      <a:prstDash val="solid"/>
+                      <a:round/>
+                      <a:headEnd type="none" w="med" len="med"/>
+                      <a:tailEnd type="none" w="med" len="med"/>
+                    </a:lnL>
+                    <a:lnR w="12700" cap="flat" cmpd="sng" algn="ctr">
+                      <a:solidFill>
+                        <a:schemeClr val="tx1"/>
+                      </a:solidFill>
+                      <a:prstDash val="solid"/>
+                      <a:round/>
+                      <a:headEnd type="none" w="med" len="med"/>
+                      <a:tailEnd type="none" w="med" len="med"/>
+                    </a:lnR>
+                    <a:lnT w="12700" cap="flat" cmpd="sng" algn="ctr">
+                      <a:solidFill>
+                        <a:schemeClr val="tx1"/>
+                      </a:solidFill>
+                      <a:prstDash val="solid"/>
+                      <a:round/>
+                      <a:headEnd type="none" w="med" len="med"/>
+                      <a:tailEnd type="none" w="med" len="med"/>
+                    </a:lnT>
+                    <a:lnB w="12700" cap="flat" cmpd="sng" algn="ctr">
+                      <a:solidFill>
+                        <a:schemeClr val="tx1"/>
+                      </a:solidFill>
+                      <a:prstDash val="solid"/>
+                      <a:round/>
+                      <a:headEnd type="none" w="med" len="med"/>
+                      <a:tailEnd type="none" w="med" len="med"/>
+                    </a:lnB>
+                    <a:solidFill>
+                      <a:schemeClr val="accent1"/>
+                    </a:solidFill>
+                  </a:tcPr>
+                </a:tc>
+                <a:tc>
+                  <a:txBody>
+                    <a:bodyPr/>
+                    <a:lstStyle/>
+                    <a:p>
+                      <a:pPr latinLnBrk="1"/>
+                      <a:r>
+                        <a:rPr lang="en-US" altLang="ko-KR" b="0" dirty="0"/>
+                        <a:t>10</a:t>
+                      </a:r>
+                      <a:endParaRPr lang="ko-KR" altLang="en-US" b="0" dirty="0"/>
+                    </a:p>
+                  </a:txBody>
+                  <a:tcPr>
+                    <a:lnL w="12700" cap="flat" cmpd="sng" algn="ctr">
+                      <a:solidFill>
+                        <a:schemeClr val="tx1"/>
+                      </a:solidFill>
+                      <a:prstDash val="solid"/>
+                      <a:round/>
+                      <a:headEnd type="none" w="med" len="med"/>
+                      <a:tailEnd type="none" w="med" len="med"/>
+                    </a:lnL>
+                    <a:lnR w="12700" cap="flat" cmpd="sng" algn="ctr">
+                      <a:solidFill>
+                        <a:schemeClr val="tx1"/>
+                      </a:solidFill>
+                      <a:prstDash val="solid"/>
+                      <a:round/>
+                      <a:headEnd type="none" w="med" len="med"/>
+                      <a:tailEnd type="none" w="med" len="med"/>
+                    </a:lnR>
+                    <a:lnT w="12700" cap="flat" cmpd="sng" algn="ctr">
+                      <a:solidFill>
+                        <a:schemeClr val="tx1"/>
+                      </a:solidFill>
+                      <a:prstDash val="solid"/>
+                      <a:round/>
+                      <a:headEnd type="none" w="med" len="med"/>
+                      <a:tailEnd type="none" w="med" len="med"/>
+                    </a:lnT>
+                    <a:lnB w="12700" cap="flat" cmpd="sng" algn="ctr">
+                      <a:solidFill>
+                        <a:schemeClr val="tx1"/>
+                      </a:solidFill>
+                      <a:prstDash val="solid"/>
+                      <a:round/>
+                      <a:headEnd type="none" w="med" len="med"/>
+                      <a:tailEnd type="none" w="med" len="med"/>
+                    </a:lnB>
+                    <a:solidFill>
+                      <a:schemeClr val="bg1"/>
+                    </a:solidFill>
+                  </a:tcPr>
+                </a:tc>
+                <a:extLst>
+                  <a:ext uri="{0D108BD9-81ED-4DB2-BD59-A6C34878D82A}">
+                    <a16:rowId xmlns:a16="http://schemas.microsoft.com/office/drawing/2014/main" val="1746128527"/>
+                  </a:ext>
+                </a:extLst>
+              </a:tr>
+            </a:tbl>
+          </a:graphicData>
+        </a:graphic>
+      </p:graphicFrame>
     </p:spTree>
     <p:extLst>
       <p:ext uri="{BB962C8B-B14F-4D97-AF65-F5344CB8AC3E}">
@@ -6540,62 +7251,6 @@
       </p:grpSpPr>
       <p:sp>
         <p:nvSpPr>
-          <p:cNvPr id="38" name="직사각형 37">
-            <a:extLst>
-              <a:ext uri="{FF2B5EF4-FFF2-40B4-BE49-F238E27FC236}">
-                <a16:creationId xmlns:a16="http://schemas.microsoft.com/office/drawing/2014/main" id="{2B77AC8F-080B-401B-B415-19B9A07A5881}"/>
-              </a:ext>
-            </a:extLst>
-          </p:cNvPr>
-          <p:cNvSpPr/>
-          <p:nvPr/>
-        </p:nvSpPr>
-        <p:spPr>
-          <a:xfrm>
-            <a:off x="8549754" y="647211"/>
-            <a:ext cx="3551433" cy="1158705"/>
-          </a:xfrm>
-          <a:prstGeom prst="rect">
-            <a:avLst/>
-          </a:prstGeom>
-          <a:ln>
-            <a:solidFill>
-              <a:schemeClr val="bg1"/>
-            </a:solidFill>
-          </a:ln>
-        </p:spPr>
-        <p:style>
-          <a:lnRef idx="2">
-            <a:schemeClr val="dk1"/>
-          </a:lnRef>
-          <a:fillRef idx="1">
-            <a:schemeClr val="lt1"/>
-          </a:fillRef>
-          <a:effectRef idx="0">
-            <a:schemeClr val="dk1"/>
-          </a:effectRef>
-          <a:fontRef idx="minor">
-            <a:schemeClr val="dk1"/>
-          </a:fontRef>
-        </p:style>
-        <p:txBody>
-          <a:bodyPr rtlCol="0" anchor="ctr"/>
-          <a:lstStyle/>
-          <a:p>
-            <a:pPr algn="ctr"/>
-            <a:r>
-              <a:rPr lang="ko-KR" altLang="en-US" sz="2000" dirty="0"/>
-              <a:t> </a:t>
-            </a:r>
-            <a:r>
-              <a:rPr lang="en-US" altLang="ko-KR" sz="2000" dirty="0"/>
-              <a:t>2025.10.08</a:t>
-            </a:r>
-          </a:p>
-        </p:txBody>
-      </p:sp>
-      <p:sp>
-        <p:nvSpPr>
           <p:cNvPr id="18" name="직사각형 17">
             <a:extLst>
               <a:ext uri="{FF2B5EF4-FFF2-40B4-BE49-F238E27FC236}">
@@ -7294,14 +7949,14 @@
           <p:nvPr>
             <p:extLst>
               <p:ext uri="{D42A27DB-BD31-4B8C-83A1-F6EECF244321}">
-                <p14:modId xmlns:p14="http://schemas.microsoft.com/office/powerpoint/2010/main" val="3666401568"/>
+                <p14:modId xmlns:p14="http://schemas.microsoft.com/office/powerpoint/2010/main" val="221376588"/>
               </p:ext>
             </p:extLst>
           </p:nvPr>
         </p:nvGraphicFramePr>
         <p:xfrm>
           <a:off x="671138" y="2151623"/>
-          <a:ext cx="10503367" cy="3582198"/>
+          <a:ext cx="10503367" cy="3881652"/>
         </p:xfrm>
         <a:graphic>
           <a:graphicData uri="http://schemas.openxmlformats.org/drawingml/2006/table">
@@ -7514,10 +8169,56 @@
                     <a:bodyPr/>
                     <a:lstStyle/>
                     <a:p>
+                      <a:pPr algn="just" latinLnBrk="1"/>
+                      <a:r>
+                        <a:rPr lang="en-US" altLang="ko-KR" sz="1200" u="sng" dirty="0"/>
+                        <a:t>.LOT-yyyyMMdd-001</a:t>
+                      </a:r>
+                      <a:endParaRPr lang="ko-KR" altLang="en-US" sz="1200" u="sng" dirty="0"/>
+                    </a:p>
+                  </a:txBody>
+                  <a:tcPr/>
+                </a:tc>
+                <a:tc>
+                  <a:txBody>
+                    <a:bodyPr/>
+                    <a:lstStyle/>
+                    <a:p>
                       <a:pPr latinLnBrk="1"/>
                       <a:r>
+                        <a:rPr lang="ko-KR" altLang="en-US" sz="1600" dirty="0">
+                          <a:solidFill>
+                            <a:schemeClr val="tx1"/>
+                          </a:solidFill>
+                        </a:rPr>
+                        <a:t>거래처 </a:t>
+                      </a:r>
+                      <a:r>
+                        <a:rPr lang="en-US" altLang="ko-KR" sz="1600" dirty="0">
+                          <a:solidFill>
+                            <a:schemeClr val="tx1"/>
+                          </a:solidFill>
+                        </a:rPr>
+                        <a:t>A</a:t>
+                      </a:r>
+                      <a:endParaRPr lang="ko-KR" altLang="en-US" sz="1600" dirty="0">
+                        <a:solidFill>
+                          <a:schemeClr val="tx1"/>
+                        </a:solidFill>
+                      </a:endParaRPr>
+                    </a:p>
+                  </a:txBody>
+                  <a:tcPr/>
+                </a:tc>
+                <a:tc>
+                  <a:txBody>
+                    <a:bodyPr/>
+                    <a:lstStyle/>
+                    <a:p>
+                      <a:pPr latinLnBrk="1"/>
+                      <a:r>
                         <a:rPr lang="en-US" altLang="ko-KR" sz="1200" dirty="0"/>
-                        <a:t>.LOT-yyyyMMdd-001</a:t>
+                        <a:t>AD217000</a:t>
                       </a:r>
                       <a:endParaRPr lang="ko-KR" altLang="en-US" sz="1200" dirty="0"/>
                     </a:p>
@@ -7530,41 +8231,15 @@
                     <a:lstStyle/>
                     <a:p>
                       <a:pPr latinLnBrk="1"/>
-                      <a:endParaRPr lang="ko-KR" altLang="en-US" sz="1200" dirty="0">
-                        <a:highlight>
-                          <a:srgbClr val="FFFF00"/>
-                        </a:highlight>
-                      </a:endParaRPr>
-                    </a:p>
-                  </a:txBody>
-                  <a:tcPr/>
-                </a:tc>
-                <a:tc>
-                  <a:txBody>
-                    <a:bodyPr/>
-                    <a:lstStyle/>
-                    <a:p>
-                      <a:pPr latinLnBrk="1"/>
-                      <a:endParaRPr lang="ko-KR" altLang="en-US" sz="1200" dirty="0">
-                        <a:highlight>
-                          <a:srgbClr val="FFFF00"/>
-                        </a:highlight>
-                      </a:endParaRPr>
-                    </a:p>
-                  </a:txBody>
-                  <a:tcPr/>
-                </a:tc>
-                <a:tc>
-                  <a:txBody>
-                    <a:bodyPr/>
-                    <a:lstStyle/>
-                    <a:p>
-                      <a:pPr latinLnBrk="1"/>
-                      <a:endParaRPr lang="ko-KR" altLang="en-US" sz="1200" dirty="0">
-                        <a:highlight>
-                          <a:srgbClr val="FFFF00"/>
-                        </a:highlight>
-                      </a:endParaRPr>
+                      <a:r>
+                        <a:rPr lang="ko-KR" altLang="en-US" u="sng" dirty="0"/>
+                        <a:t>품목</a:t>
+                      </a:r>
+                      <a:r>
+                        <a:rPr lang="en-US" altLang="ko-KR" u="sng" dirty="0"/>
+                        <a:t>A</a:t>
+                      </a:r>
+                      <a:endParaRPr lang="ko-KR" altLang="en-US" u="sng" dirty="0"/>
                     </a:p>
                   </a:txBody>
                   <a:tcPr/>
@@ -7621,11 +8296,10 @@
                     <a:lstStyle/>
                     <a:p>
                       <a:pPr latinLnBrk="1"/>
-                      <a:endParaRPr lang="ko-KR" altLang="en-US" sz="1200" dirty="0">
-                        <a:highlight>
-                          <a:srgbClr val="FFFF00"/>
-                        </a:highlight>
-                      </a:endParaRPr>
+                      <a:r>
+                        <a:rPr lang="ko-KR" altLang="en-US" sz="1800" dirty="0"/>
+                        <a:t>액체</a:t>
+                      </a:r>
                     </a:p>
                   </a:txBody>
                   <a:tcPr/>
@@ -7636,7 +8310,10 @@
                     <a:lstStyle/>
                     <a:p>
                       <a:pPr latinLnBrk="1"/>
-                      <a:endParaRPr lang="ko-KR" altLang="en-US" sz="1200" dirty="0"/>
+                      <a:r>
+                        <a:rPr lang="ko-KR" altLang="en-US" sz="1600" dirty="0"/>
+                        <a:t>방산</a:t>
+                      </a:r>
                     </a:p>
                   </a:txBody>
                   <a:tcPr/>
@@ -7665,7 +8342,11 @@
                     <a:lstStyle/>
                     <a:p>
                       <a:pPr latinLnBrk="1"/>
-                      <a:endParaRPr lang="ko-KR" altLang="en-US"/>
+                      <a:r>
+                        <a:rPr lang="en-US" altLang="ko-KR" sz="1200" u="sng" dirty="0"/>
+                        <a:t>LOT-yyyyMMdd-002</a:t>
+                      </a:r>
+                      <a:endParaRPr lang="ko-KR" altLang="en-US" sz="1200" dirty="0"/>
                     </a:p>
                   </a:txBody>
                   <a:tcPr/>
@@ -7676,7 +8357,62 @@
                     <a:lstStyle/>
                     <a:p>
                       <a:pPr latinLnBrk="1"/>
-                      <a:endParaRPr lang="ko-KR" altLang="en-US"/>
+                      <a:r>
+                        <a:rPr lang="ko-KR" altLang="en-US" sz="1600" dirty="0">
+                          <a:solidFill>
+                            <a:schemeClr val="tx1"/>
+                          </a:solidFill>
+                        </a:rPr>
+                        <a:t>거래처 </a:t>
+                      </a:r>
+                      <a:r>
+                        <a:rPr lang="en-US" altLang="ko-KR" sz="1600" dirty="0">
+                          <a:solidFill>
+                            <a:schemeClr val="tx1"/>
+                          </a:solidFill>
+                        </a:rPr>
+                        <a:t>B</a:t>
+                      </a:r>
+                      <a:endParaRPr lang="ko-KR" altLang="en-US" sz="1600" dirty="0">
+                        <a:solidFill>
+                          <a:schemeClr val="tx1"/>
+                        </a:solidFill>
+                      </a:endParaRPr>
+                    </a:p>
+                  </a:txBody>
+                  <a:tcPr/>
+                </a:tc>
+                <a:tc>
+                  <a:txBody>
+                    <a:bodyPr/>
+                    <a:lstStyle/>
+                    <a:p>
+                      <a:pPr marL="0" marR="0" lvl="0" indent="0" algn="l" defTabSz="914400" rtl="0" eaLnBrk="1" fontAlgn="auto" latinLnBrk="1" hangingPunct="1">
+                        <a:lnSpc>
+                          <a:spcPct val="100000"/>
+                        </a:lnSpc>
+                        <a:spcBef>
+                          <a:spcPts val="0"/>
+                        </a:spcBef>
+                        <a:spcAft>
+                          <a:spcPts val="0"/>
+                        </a:spcAft>
+                        <a:buClrTx/>
+                        <a:buSzTx/>
+                        <a:buFontTx/>
+                        <a:buNone/>
+                        <a:tabLst/>
+                        <a:defRPr/>
+                      </a:pPr>
+                      <a:r>
+                        <a:rPr lang="en-US" altLang="ko-KR" sz="1200" dirty="0"/>
+                        <a:t>AD217002</a:t>
+                      </a:r>
+                      <a:endParaRPr lang="ko-KR" altLang="en-US" sz="1200" dirty="0">
+                        <a:highlight>
+                          <a:srgbClr val="FFFF00"/>
+                        </a:highlight>
+                      </a:endParaRPr>
                     </a:p>
                   </a:txBody>
                   <a:tcPr/>
@@ -7687,7 +8423,15 @@
                     <a:lstStyle/>
                     <a:p>
                       <a:pPr latinLnBrk="1"/>
-                      <a:endParaRPr lang="ko-KR" altLang="en-US"/>
+                      <a:r>
+                        <a:rPr lang="ko-KR" altLang="en-US" u="sng" dirty="0"/>
+                        <a:t>품목</a:t>
+                      </a:r>
+                      <a:r>
+                        <a:rPr lang="en-US" altLang="ko-KR" u="sng" dirty="0"/>
+                        <a:t>B</a:t>
+                      </a:r>
+                      <a:endParaRPr lang="ko-KR" altLang="en-US" u="sng" dirty="0"/>
                     </a:p>
                   </a:txBody>
                   <a:tcPr/>
@@ -7698,7 +8442,11 @@
                     <a:lstStyle/>
                     <a:p>
                       <a:pPr latinLnBrk="1"/>
-                      <a:endParaRPr lang="ko-KR" altLang="en-US" dirty="0"/>
+                      <a:r>
+                        <a:rPr lang="en-US" altLang="ko-KR" sz="1800" dirty="0"/>
+                        <a:t>30</a:t>
+                      </a:r>
+                      <a:endParaRPr lang="ko-KR" altLang="en-US" sz="1800" dirty="0"/>
                     </a:p>
                   </a:txBody>
                   <a:tcPr/>
@@ -7709,7 +8457,7 @@
                     <a:lstStyle/>
                     <a:p>
                       <a:pPr latinLnBrk="1"/>
-                      <a:endParaRPr lang="ko-KR" altLang="en-US" dirty="0"/>
+                      <a:endParaRPr lang="ko-KR" altLang="en-US" sz="1200"/>
                     </a:p>
                   </a:txBody>
                   <a:tcPr/>
@@ -7720,7 +8468,7 @@
                     <a:lstStyle/>
                     <a:p>
                       <a:pPr latinLnBrk="1"/>
-                      <a:endParaRPr lang="ko-KR" altLang="en-US"/>
+                      <a:endParaRPr lang="ko-KR" altLang="en-US" sz="1200"/>
                     </a:p>
                   </a:txBody>
                   <a:tcPr/>
@@ -7731,7 +8479,10 @@
                     <a:lstStyle/>
                     <a:p>
                       <a:pPr latinLnBrk="1"/>
-                      <a:endParaRPr lang="ko-KR" altLang="en-US"/>
+                      <a:r>
+                        <a:rPr lang="ko-KR" altLang="en-US" sz="1600" dirty="0"/>
+                        <a:t>자동차</a:t>
+                      </a:r>
                     </a:p>
                   </a:txBody>
                   <a:tcPr/>
@@ -7742,18 +8493,7 @@
                     <a:lstStyle/>
                     <a:p>
                       <a:pPr latinLnBrk="1"/>
-                      <a:endParaRPr lang="ko-KR" altLang="en-US" dirty="0"/>
-                    </a:p>
-                  </a:txBody>
-                  <a:tcPr/>
-                </a:tc>
-                <a:tc>
-                  <a:txBody>
-                    <a:bodyPr/>
-                    <a:lstStyle/>
-                    <a:p>
-                      <a:pPr latinLnBrk="1"/>
-                      <a:endParaRPr lang="ko-KR" altLang="en-US" dirty="0"/>
+                      <a:endParaRPr lang="ko-KR" altLang="en-US" sz="1200" dirty="0"/>
                     </a:p>
                   </a:txBody>
                   <a:tcPr/>
@@ -7771,7 +8511,128 @@
                     <a:lstStyle/>
                     <a:p>
                       <a:pPr latinLnBrk="1"/>
-                      <a:endParaRPr lang="ko-KR" altLang="en-US"/>
+                      <a:r>
+                        <a:rPr lang="en-US" altLang="ko-KR" sz="1200" u="sng" dirty="0"/>
+                        <a:t>LOT-yyyyMMdd-003</a:t>
+                      </a:r>
+                      <a:endParaRPr lang="ko-KR" altLang="en-US" sz="1200" dirty="0"/>
+                    </a:p>
+                  </a:txBody>
+                  <a:tcPr/>
+                </a:tc>
+                <a:tc>
+                  <a:txBody>
+                    <a:bodyPr/>
+                    <a:lstStyle/>
+                    <a:p>
+                      <a:pPr marL="0" marR="0" lvl="0" indent="0" algn="l" defTabSz="914400" rtl="0" eaLnBrk="1" fontAlgn="auto" latinLnBrk="1" hangingPunct="1">
+                        <a:lnSpc>
+                          <a:spcPct val="100000"/>
+                        </a:lnSpc>
+                        <a:spcBef>
+                          <a:spcPts val="0"/>
+                        </a:spcBef>
+                        <a:spcAft>
+                          <a:spcPts val="0"/>
+                        </a:spcAft>
+                        <a:buClrTx/>
+                        <a:buSzTx/>
+                        <a:buFontTx/>
+                        <a:buNone/>
+                        <a:tabLst/>
+                        <a:defRPr/>
+                      </a:pPr>
+                      <a:r>
+                        <a:rPr lang="ko-KR" altLang="en-US" sz="1600" dirty="0">
+                          <a:solidFill>
+                            <a:schemeClr val="tx1"/>
+                          </a:solidFill>
+                        </a:rPr>
+                        <a:t>거래처 </a:t>
+                      </a:r>
+                      <a:r>
+                        <a:rPr lang="en-US" altLang="ko-KR" sz="1600" dirty="0">
+                          <a:solidFill>
+                            <a:schemeClr val="tx1"/>
+                          </a:solidFill>
+                        </a:rPr>
+                        <a:t>C</a:t>
+                      </a:r>
+                      <a:endParaRPr lang="ko-KR" altLang="en-US" sz="1600" dirty="0">
+                        <a:solidFill>
+                          <a:schemeClr val="tx1"/>
+                        </a:solidFill>
+                      </a:endParaRPr>
+                    </a:p>
+                  </a:txBody>
+                  <a:tcPr/>
+                </a:tc>
+                <a:tc>
+                  <a:txBody>
+                    <a:bodyPr/>
+                    <a:lstStyle/>
+                    <a:p>
+                      <a:pPr marL="0" marR="0" lvl="0" indent="0" algn="l" defTabSz="914400" rtl="0" eaLnBrk="1" fontAlgn="auto" latinLnBrk="1" hangingPunct="1">
+                        <a:lnSpc>
+                          <a:spcPct val="100000"/>
+                        </a:lnSpc>
+                        <a:spcBef>
+                          <a:spcPts val="0"/>
+                        </a:spcBef>
+                        <a:spcAft>
+                          <a:spcPts val="0"/>
+                        </a:spcAft>
+                        <a:buClrTx/>
+                        <a:buSzTx/>
+                        <a:buFontTx/>
+                        <a:buNone/>
+                        <a:tabLst/>
+                        <a:defRPr/>
+                      </a:pPr>
+                      <a:r>
+                        <a:rPr lang="en-US" altLang="ko-KR" sz="1200" dirty="0"/>
+                        <a:t>AD217005</a:t>
+                      </a:r>
+                      <a:endParaRPr lang="ko-KR" altLang="en-US" sz="1200" dirty="0">
+                        <a:highlight>
+                          <a:srgbClr val="FFFF00"/>
+                        </a:highlight>
+                      </a:endParaRPr>
+                    </a:p>
+                  </a:txBody>
+                  <a:tcPr/>
+                </a:tc>
+                <a:tc>
+                  <a:txBody>
+                    <a:bodyPr/>
+                    <a:lstStyle/>
+                    <a:p>
+                      <a:pPr marL="0" marR="0" lvl="0" indent="0" algn="l" defTabSz="914400" rtl="0" eaLnBrk="1" fontAlgn="auto" latinLnBrk="1" hangingPunct="1">
+                        <a:lnSpc>
+                          <a:spcPct val="100000"/>
+                        </a:lnSpc>
+                        <a:spcBef>
+                          <a:spcPts val="0"/>
+                        </a:spcBef>
+                        <a:spcAft>
+                          <a:spcPts val="0"/>
+                        </a:spcAft>
+                        <a:buClrTx/>
+                        <a:buSzTx/>
+                        <a:buFontTx/>
+                        <a:buNone/>
+                        <a:tabLst/>
+                        <a:defRPr/>
+                      </a:pPr>
+                      <a:r>
+                        <a:rPr lang="ko-KR" altLang="en-US" u="sng" dirty="0"/>
+                        <a:t>품목</a:t>
+                      </a:r>
+                      <a:r>
+                        <a:rPr lang="en-US" altLang="ko-KR" u="sng" dirty="0"/>
+                        <a:t>C</a:t>
+                      </a:r>
+                      <a:endParaRPr lang="ko-KR" altLang="en-US" u="sng" dirty="0"/>
                     </a:p>
                   </a:txBody>
                   <a:tcPr/>
@@ -7782,7 +8643,11 @@
                     <a:lstStyle/>
                     <a:p>
                       <a:pPr latinLnBrk="1"/>
-                      <a:endParaRPr lang="ko-KR" altLang="en-US"/>
+                      <a:r>
+                        <a:rPr lang="en-US" altLang="ko-KR" sz="1800" dirty="0"/>
+                        <a:t>30</a:t>
+                      </a:r>
+                      <a:endParaRPr lang="ko-KR" altLang="en-US" sz="1800" dirty="0"/>
                     </a:p>
                   </a:txBody>
                   <a:tcPr/>
@@ -7793,7 +8658,7 @@
                     <a:lstStyle/>
                     <a:p>
                       <a:pPr latinLnBrk="1"/>
-                      <a:endParaRPr lang="ko-KR" altLang="en-US"/>
+                      <a:endParaRPr lang="ko-KR" altLang="en-US" sz="1200" dirty="0"/>
                     </a:p>
                   </a:txBody>
                   <a:tcPr/>
@@ -7804,7 +8669,7 @@
                     <a:lstStyle/>
                     <a:p>
                       <a:pPr latinLnBrk="1"/>
-                      <a:endParaRPr lang="ko-KR" altLang="en-US"/>
+                      <a:endParaRPr lang="ko-KR" altLang="en-US" sz="1200" dirty="0"/>
                     </a:p>
                   </a:txBody>
                   <a:tcPr/>
@@ -7815,7 +8680,10 @@
                     <a:lstStyle/>
                     <a:p>
                       <a:pPr latinLnBrk="1"/>
-                      <a:endParaRPr lang="ko-KR" altLang="en-US"/>
+                      <a:r>
+                        <a:rPr lang="ko-KR" altLang="en-US" sz="1600" dirty="0"/>
+                        <a:t>조선</a:t>
+                      </a:r>
                     </a:p>
                   </a:txBody>
                   <a:tcPr/>
@@ -7826,40 +8694,7 @@
                     <a:lstStyle/>
                     <a:p>
                       <a:pPr latinLnBrk="1"/>
-                      <a:endParaRPr lang="ko-KR" altLang="en-US" dirty="0"/>
-                    </a:p>
-                  </a:txBody>
-                  <a:tcPr/>
-                </a:tc>
-                <a:tc>
-                  <a:txBody>
-                    <a:bodyPr/>
-                    <a:lstStyle/>
-                    <a:p>
-                      <a:pPr latinLnBrk="1"/>
-                      <a:endParaRPr lang="ko-KR" altLang="en-US" dirty="0"/>
-                    </a:p>
-                  </a:txBody>
-                  <a:tcPr/>
-                </a:tc>
-                <a:tc>
-                  <a:txBody>
-                    <a:bodyPr/>
-                    <a:lstStyle/>
-                    <a:p>
-                      <a:pPr latinLnBrk="1"/>
-                      <a:endParaRPr lang="ko-KR" altLang="en-US" dirty="0"/>
-                    </a:p>
-                  </a:txBody>
-                  <a:tcPr/>
-                </a:tc>
-                <a:tc>
-                  <a:txBody>
-                    <a:bodyPr/>
-                    <a:lstStyle/>
-                    <a:p>
-                      <a:pPr latinLnBrk="1"/>
-                      <a:endParaRPr lang="ko-KR" altLang="en-US" dirty="0"/>
+                      <a:endParaRPr lang="ko-KR" altLang="en-US" sz="1200" dirty="0"/>
                     </a:p>
                   </a:txBody>
                   <a:tcPr/>
@@ -7877,7 +8712,7 @@
                     <a:lstStyle/>
                     <a:p>
                       <a:pPr latinLnBrk="1"/>
-                      <a:endParaRPr lang="ko-KR" altLang="en-US"/>
+                      <a:endParaRPr lang="ko-KR" altLang="en-US" sz="1200"/>
                     </a:p>
                   </a:txBody>
                   <a:tcPr/>
@@ -7888,7 +8723,7 @@
                     <a:lstStyle/>
                     <a:p>
                       <a:pPr latinLnBrk="1"/>
-                      <a:endParaRPr lang="ko-KR" altLang="en-US"/>
+                      <a:endParaRPr lang="ko-KR" altLang="en-US" sz="1200" dirty="0"/>
                     </a:p>
                   </a:txBody>
                   <a:tcPr/>
@@ -7899,7 +8734,7 @@
                     <a:lstStyle/>
                     <a:p>
                       <a:pPr latinLnBrk="1"/>
-                      <a:endParaRPr lang="ko-KR" altLang="en-US"/>
+                      <a:endParaRPr lang="ko-KR" altLang="en-US" sz="1200" dirty="0"/>
                     </a:p>
                   </a:txBody>
                   <a:tcPr/>
@@ -7910,7 +8745,7 @@
                     <a:lstStyle/>
                     <a:p>
                       <a:pPr latinLnBrk="1"/>
-                      <a:endParaRPr lang="ko-KR" altLang="en-US"/>
+                      <a:endParaRPr lang="ko-KR" altLang="en-US" sz="1200"/>
                     </a:p>
                   </a:txBody>
                   <a:tcPr/>
@@ -7921,7 +8756,7 @@
                     <a:lstStyle/>
                     <a:p>
                       <a:pPr latinLnBrk="1"/>
-                      <a:endParaRPr lang="ko-KR" altLang="en-US"/>
+                      <a:endParaRPr lang="ko-KR" altLang="en-US" sz="1200" dirty="0"/>
                     </a:p>
                   </a:txBody>
                   <a:tcPr/>
@@ -7932,7 +8767,7 @@
                     <a:lstStyle/>
                     <a:p>
                       <a:pPr latinLnBrk="1"/>
-                      <a:endParaRPr lang="ko-KR" altLang="en-US"/>
+                      <a:endParaRPr lang="ko-KR" altLang="en-US" sz="1200" dirty="0"/>
                     </a:p>
                   </a:txBody>
                   <a:tcPr/>
@@ -7943,7 +8778,7 @@
                     <a:lstStyle/>
                     <a:p>
                       <a:pPr latinLnBrk="1"/>
-                      <a:endParaRPr lang="ko-KR" altLang="en-US" dirty="0"/>
+                      <a:endParaRPr lang="ko-KR" altLang="en-US" sz="1200" dirty="0"/>
                     </a:p>
                   </a:txBody>
                   <a:tcPr/>
@@ -7954,7 +8789,7 @@
                     <a:lstStyle/>
                     <a:p>
                       <a:pPr latinLnBrk="1"/>
-                      <a:endParaRPr lang="ko-KR" altLang="en-US" dirty="0"/>
+                      <a:endParaRPr lang="ko-KR" altLang="en-US" sz="1200" dirty="0"/>
                     </a:p>
                   </a:txBody>
                   <a:tcPr/>
@@ -7965,7 +8800,7 @@
                     <a:lstStyle/>
                     <a:p>
                       <a:pPr latinLnBrk="1"/>
-                      <a:endParaRPr lang="ko-KR" altLang="en-US" dirty="0"/>
+                      <a:endParaRPr lang="ko-KR" altLang="en-US" sz="1200" dirty="0"/>
                     </a:p>
                   </a:txBody>
                   <a:tcPr/>
@@ -7983,7 +8818,7 @@
                     <a:lstStyle/>
                     <a:p>
                       <a:pPr latinLnBrk="1"/>
-                      <a:endParaRPr lang="ko-KR" altLang="en-US"/>
+                      <a:endParaRPr lang="ko-KR" altLang="en-US" sz="1200"/>
                     </a:p>
                   </a:txBody>
                   <a:tcPr/>
@@ -7994,7 +8829,7 @@
                     <a:lstStyle/>
                     <a:p>
                       <a:pPr latinLnBrk="1"/>
-                      <a:endParaRPr lang="ko-KR" altLang="en-US"/>
+                      <a:endParaRPr lang="ko-KR" altLang="en-US" sz="1200"/>
                     </a:p>
                   </a:txBody>
                   <a:tcPr/>
@@ -8005,7 +8840,7 @@
                     <a:lstStyle/>
                     <a:p>
                       <a:pPr latinLnBrk="1"/>
-                      <a:endParaRPr lang="ko-KR" altLang="en-US"/>
+                      <a:endParaRPr lang="ko-KR" altLang="en-US" sz="1200" dirty="0"/>
                     </a:p>
                   </a:txBody>
                   <a:tcPr/>
@@ -8016,7 +8851,7 @@
                     <a:lstStyle/>
                     <a:p>
                       <a:pPr latinLnBrk="1"/>
-                      <a:endParaRPr lang="ko-KR" altLang="en-US"/>
+                      <a:endParaRPr lang="ko-KR" altLang="en-US" sz="1200"/>
                     </a:p>
                   </a:txBody>
                   <a:tcPr/>
@@ -8027,7 +8862,7 @@
                     <a:lstStyle/>
                     <a:p>
                       <a:pPr latinLnBrk="1"/>
-                      <a:endParaRPr lang="ko-KR" altLang="en-US"/>
+                      <a:endParaRPr lang="ko-KR" altLang="en-US" sz="1200"/>
                     </a:p>
                   </a:txBody>
                   <a:tcPr/>
@@ -8038,7 +8873,7 @@
                     <a:lstStyle/>
                     <a:p>
                       <a:pPr latinLnBrk="1"/>
-                      <a:endParaRPr lang="ko-KR" altLang="en-US"/>
+                      <a:endParaRPr lang="ko-KR" altLang="en-US" sz="1200"/>
                     </a:p>
                   </a:txBody>
                   <a:tcPr/>
@@ -8049,7 +8884,7 @@
                     <a:lstStyle/>
                     <a:p>
                       <a:pPr latinLnBrk="1"/>
-                      <a:endParaRPr lang="ko-KR" altLang="en-US"/>
+                      <a:endParaRPr lang="ko-KR" altLang="en-US" sz="1200"/>
                     </a:p>
                   </a:txBody>
                   <a:tcPr/>
@@ -8060,7 +8895,7 @@
                     <a:lstStyle/>
                     <a:p>
                       <a:pPr latinLnBrk="1"/>
-                      <a:endParaRPr lang="ko-KR" altLang="en-US" dirty="0"/>
+                      <a:endParaRPr lang="ko-KR" altLang="en-US" sz="1200" dirty="0"/>
                     </a:p>
                   </a:txBody>
                   <a:tcPr/>
@@ -8071,7 +8906,7 @@
                     <a:lstStyle/>
                     <a:p>
                       <a:pPr latinLnBrk="1"/>
-                      <a:endParaRPr lang="ko-KR" altLang="en-US" dirty="0"/>
+                      <a:endParaRPr lang="ko-KR" altLang="en-US" sz="1200" dirty="0"/>
                     </a:p>
                   </a:txBody>
                   <a:tcPr/>
@@ -8089,7 +8924,7 @@
                     <a:lstStyle/>
                     <a:p>
                       <a:pPr latinLnBrk="1"/>
-                      <a:endParaRPr lang="ko-KR" altLang="en-US"/>
+                      <a:endParaRPr lang="ko-KR" altLang="en-US" sz="1200"/>
                     </a:p>
                   </a:txBody>
                   <a:tcPr/>
@@ -8100,7 +8935,7 @@
                     <a:lstStyle/>
                     <a:p>
                       <a:pPr latinLnBrk="1"/>
-                      <a:endParaRPr lang="ko-KR" altLang="en-US"/>
+                      <a:endParaRPr lang="ko-KR" altLang="en-US" sz="1200"/>
                     </a:p>
                   </a:txBody>
                   <a:tcPr/>
@@ -8111,7 +8946,7 @@
                     <a:lstStyle/>
                     <a:p>
                       <a:pPr latinLnBrk="1"/>
-                      <a:endParaRPr lang="ko-KR" altLang="en-US"/>
+                      <a:endParaRPr lang="ko-KR" altLang="en-US" sz="1200"/>
                     </a:p>
                   </a:txBody>
                   <a:tcPr/>
@@ -8122,7 +8957,7 @@
                     <a:lstStyle/>
                     <a:p>
                       <a:pPr latinLnBrk="1"/>
-                      <a:endParaRPr lang="ko-KR" altLang="en-US"/>
+                      <a:endParaRPr lang="ko-KR" altLang="en-US" sz="1200"/>
                     </a:p>
                   </a:txBody>
                   <a:tcPr/>
@@ -8133,7 +8968,7 @@
                     <a:lstStyle/>
                     <a:p>
                       <a:pPr latinLnBrk="1"/>
-                      <a:endParaRPr lang="ko-KR" altLang="en-US"/>
+                      <a:endParaRPr lang="ko-KR" altLang="en-US" sz="1200"/>
                     </a:p>
                   </a:txBody>
                   <a:tcPr/>
@@ -8144,7 +8979,7 @@
                     <a:lstStyle/>
                     <a:p>
                       <a:pPr latinLnBrk="1"/>
-                      <a:endParaRPr lang="ko-KR" altLang="en-US"/>
+                      <a:endParaRPr lang="ko-KR" altLang="en-US" sz="1200"/>
                     </a:p>
                   </a:txBody>
                   <a:tcPr/>
@@ -8155,7 +8990,7 @@
                     <a:lstStyle/>
                     <a:p>
                       <a:pPr latinLnBrk="1"/>
-                      <a:endParaRPr lang="ko-KR" altLang="en-US"/>
+                      <a:endParaRPr lang="ko-KR" altLang="en-US" sz="1200"/>
                     </a:p>
                   </a:txBody>
                   <a:tcPr/>
@@ -8166,7 +9001,7 @@
                     <a:lstStyle/>
                     <a:p>
                       <a:pPr latinLnBrk="1"/>
-                      <a:endParaRPr lang="ko-KR" altLang="en-US" dirty="0"/>
+                      <a:endParaRPr lang="ko-KR" altLang="en-US" sz="1200" dirty="0"/>
                     </a:p>
                   </a:txBody>
                   <a:tcPr/>
@@ -8177,7 +9012,7 @@
                     <a:lstStyle/>
                     <a:p>
                       <a:pPr latinLnBrk="1"/>
-                      <a:endParaRPr lang="ko-KR" altLang="en-US" dirty="0"/>
+                      <a:endParaRPr lang="ko-KR" altLang="en-US" sz="1200" dirty="0"/>
                     </a:p>
                   </a:txBody>
                   <a:tcPr/>
@@ -8334,67 +9169,6 @@
               <a:rPr lang="ko-KR" altLang="en-US" sz="1400" dirty="0"/>
               <a:t>작업지시서</a:t>
             </a:r>
-          </a:p>
-        </p:txBody>
-      </p:sp>
-      <p:sp>
-        <p:nvSpPr>
-          <p:cNvPr id="37" name="타원 36">
-            <a:extLst>
-              <a:ext uri="{FF2B5EF4-FFF2-40B4-BE49-F238E27FC236}">
-                <a16:creationId xmlns:a16="http://schemas.microsoft.com/office/drawing/2014/main" id="{52BAE6E8-8296-462E-8976-2A4DB62CCC0D}"/>
-              </a:ext>
-            </a:extLst>
-          </p:cNvPr>
-          <p:cNvSpPr/>
-          <p:nvPr/>
-        </p:nvSpPr>
-        <p:spPr>
-          <a:xfrm>
-            <a:off x="9402486" y="1114364"/>
-            <a:ext cx="244929" cy="224398"/>
-          </a:xfrm>
-          <a:prstGeom prst="ellipse">
-            <a:avLst/>
-          </a:prstGeom>
-          <a:solidFill>
-            <a:srgbClr val="FFFF00"/>
-          </a:solidFill>
-        </p:spPr>
-        <p:style>
-          <a:lnRef idx="2">
-            <a:schemeClr val="accent1">
-              <a:shade val="15000"/>
-            </a:schemeClr>
-          </a:lnRef>
-          <a:fillRef idx="1">
-            <a:schemeClr val="accent1"/>
-          </a:fillRef>
-          <a:effectRef idx="0">
-            <a:schemeClr val="accent1"/>
-          </a:effectRef>
-          <a:fontRef idx="minor">
-            <a:schemeClr val="lt1"/>
-          </a:fontRef>
-        </p:style>
-        <p:txBody>
-          <a:bodyPr rtlCol="0" anchor="ctr"/>
-          <a:lstStyle/>
-          <a:p>
-            <a:pPr algn="ctr"/>
-            <a:r>
-              <a:rPr lang="en-US" altLang="ko-KR" dirty="0">
-                <a:solidFill>
-                  <a:schemeClr val="tx1"/>
-                </a:solidFill>
-              </a:rPr>
-              <a:t>1</a:t>
-            </a:r>
-            <a:endParaRPr lang="ko-KR" altLang="en-US" dirty="0">
-              <a:solidFill>
-                <a:schemeClr val="tx1"/>
-              </a:solidFill>
-            </a:endParaRPr>
           </a:p>
         </p:txBody>
       </p:sp>
@@ -8449,7 +9223,7 @@
                   <a:schemeClr val="tx1"/>
                 </a:solidFill>
               </a:rPr>
-              <a:t>2</a:t>
+              <a:t>1</a:t>
             </a:r>
             <a:endParaRPr lang="ko-KR" altLang="en-US" dirty="0">
               <a:solidFill>
@@ -8510,7 +9284,7 @@
                   <a:schemeClr val="tx1"/>
                 </a:solidFill>
               </a:rPr>
-              <a:t>3</a:t>
+              <a:t>2</a:t>
             </a:r>
             <a:endParaRPr lang="ko-KR" altLang="en-US" dirty="0">
               <a:solidFill>
@@ -8571,7 +9345,7 @@
                   <a:schemeClr val="tx1"/>
                 </a:solidFill>
               </a:rPr>
-              <a:t>4</a:t>
+              <a:t>3</a:t>
             </a:r>
             <a:endParaRPr lang="ko-KR" altLang="en-US" dirty="0">
               <a:solidFill>
@@ -8583,10 +9357,10 @@
       </p:sp>
       <p:sp>
         <p:nvSpPr>
-          <p:cNvPr id="42" name="타원 41">
-            <a:extLst>
-              <a:ext uri="{FF2B5EF4-FFF2-40B4-BE49-F238E27FC236}">
-                <a16:creationId xmlns:a16="http://schemas.microsoft.com/office/drawing/2014/main" id="{FE72C24A-C97D-42AC-A070-AF6BE1EA4813}"/>
+          <p:cNvPr id="44" name="타원 43">
+            <a:extLst>
+              <a:ext uri="{FF2B5EF4-FFF2-40B4-BE49-F238E27FC236}">
+                <a16:creationId xmlns:a16="http://schemas.microsoft.com/office/drawing/2014/main" id="{771A3E23-E31A-4A56-BFB6-83AC8FC94B75}"/>
               </a:ext>
             </a:extLst>
           </p:cNvPr>
@@ -8595,7 +9369,7 @@
         </p:nvSpPr>
         <p:spPr>
           <a:xfrm>
-            <a:off x="9283236" y="2992780"/>
+            <a:off x="9301227" y="3057525"/>
             <a:ext cx="244929" cy="224398"/>
           </a:xfrm>
           <a:prstGeom prst="ellipse">
@@ -8632,7 +9406,63 @@
                   <a:schemeClr val="tx1"/>
                 </a:solidFill>
               </a:rPr>
-              <a:t>5</a:t>
+              <a:t>6</a:t>
+            </a:r>
+          </a:p>
+        </p:txBody>
+      </p:sp>
+      <p:sp>
+        <p:nvSpPr>
+          <p:cNvPr id="2" name="직사각형 1">
+            <a:extLst>
+              <a:ext uri="{FF2B5EF4-FFF2-40B4-BE49-F238E27FC236}">
+                <a16:creationId xmlns:a16="http://schemas.microsoft.com/office/drawing/2014/main" id="{549B7E61-57FA-24A7-9CF3-85CEF86CF62F}"/>
+              </a:ext>
+            </a:extLst>
+          </p:cNvPr>
+          <p:cNvSpPr/>
+          <p:nvPr/>
+        </p:nvSpPr>
+        <p:spPr>
+          <a:xfrm>
+            <a:off x="4770408" y="2665219"/>
+            <a:ext cx="905773" cy="551959"/>
+          </a:xfrm>
+          <a:prstGeom prst="rect">
+            <a:avLst/>
+          </a:prstGeom>
+          <a:solidFill>
+            <a:schemeClr val="bg1"/>
+          </a:solidFill>
+        </p:spPr>
+        <p:style>
+          <a:lnRef idx="2">
+            <a:schemeClr val="accent1">
+              <a:shade val="15000"/>
+            </a:schemeClr>
+          </a:lnRef>
+          <a:fillRef idx="1">
+            <a:schemeClr val="accent1"/>
+          </a:fillRef>
+          <a:effectRef idx="0">
+            <a:schemeClr val="accent1"/>
+          </a:effectRef>
+          <a:fontRef idx="minor">
+            <a:schemeClr val="lt1"/>
+          </a:fontRef>
+        </p:style>
+        <p:txBody>
+          <a:bodyPr rtlCol="0" anchor="ctr"/>
+          <a:lstStyle/>
+          <a:p>
+            <a:pPr algn="ctr"/>
+            <a:r>
+              <a:rPr lang="en-US" altLang="ko-KR" dirty="0">
+                <a:solidFill>
+                  <a:schemeClr val="tx1"/>
+                </a:solidFill>
+              </a:rPr>
+              <a:t>10</a:t>
             </a:r>
             <a:endParaRPr lang="ko-KR" altLang="en-US" dirty="0">
               <a:solidFill>
@@ -8644,10 +9474,10 @@
       </p:sp>
       <p:sp>
         <p:nvSpPr>
-          <p:cNvPr id="43" name="타원 42">
-            <a:extLst>
-              <a:ext uri="{FF2B5EF4-FFF2-40B4-BE49-F238E27FC236}">
-                <a16:creationId xmlns:a16="http://schemas.microsoft.com/office/drawing/2014/main" id="{E8EDFB88-25DE-40F3-B861-1247D4734835}"/>
+          <p:cNvPr id="3" name="직사각형 2">
+            <a:extLst>
+              <a:ext uri="{FF2B5EF4-FFF2-40B4-BE49-F238E27FC236}">
+                <a16:creationId xmlns:a16="http://schemas.microsoft.com/office/drawing/2014/main" id="{4179EF06-F99E-7201-1699-7654A9D0433E}"/>
               </a:ext>
             </a:extLst>
           </p:cNvPr>
@@ -8656,7 +9486,141 @@
         </p:nvSpPr>
         <p:spPr>
           <a:xfrm>
-            <a:off x="10201686" y="3002745"/>
+            <a:off x="5767781" y="2676697"/>
+            <a:ext cx="978076" cy="551959"/>
+          </a:xfrm>
+          <a:prstGeom prst="rect">
+            <a:avLst/>
+          </a:prstGeom>
+          <a:solidFill>
+            <a:schemeClr val="bg1"/>
+          </a:solidFill>
+        </p:spPr>
+        <p:style>
+          <a:lnRef idx="2">
+            <a:schemeClr val="accent1">
+              <a:shade val="15000"/>
+            </a:schemeClr>
+          </a:lnRef>
+          <a:fillRef idx="1">
+            <a:schemeClr val="accent1"/>
+          </a:fillRef>
+          <a:effectRef idx="0">
+            <a:schemeClr val="accent1"/>
+          </a:effectRef>
+          <a:fontRef idx="minor">
+            <a:schemeClr val="lt1"/>
+          </a:fontRef>
+        </p:style>
+        <p:txBody>
+          <a:bodyPr rtlCol="0" anchor="ctr"/>
+          <a:lstStyle/>
+          <a:p>
+            <a:r>
+              <a:rPr lang="en-US" altLang="ko-KR" sz="1000" dirty="0">
+                <a:solidFill>
+                  <a:schemeClr val="tx1"/>
+                </a:solidFill>
+              </a:rPr>
+              <a:t>2025.10.20</a:t>
+            </a:r>
+            <a:r>
+              <a:rPr lang="ko-KR" altLang="en-US" sz="1000" dirty="0">
+                <a:solidFill>
+                  <a:schemeClr val="tx1"/>
+                </a:solidFill>
+              </a:rPr>
+              <a:t>  </a:t>
+            </a:r>
+            <a:endParaRPr lang="en-US" altLang="ko-KR" sz="1000" dirty="0">
+              <a:solidFill>
+                <a:schemeClr val="tx1"/>
+              </a:solidFill>
+            </a:endParaRPr>
+          </a:p>
+        </p:txBody>
+      </p:sp>
+      <p:pic>
+        <p:nvPicPr>
+          <p:cNvPr id="5" name="그림 4">
+            <a:extLst>
+              <a:ext uri="{FF2B5EF4-FFF2-40B4-BE49-F238E27FC236}">
+                <a16:creationId xmlns:a16="http://schemas.microsoft.com/office/drawing/2014/main" id="{3FD8BED3-534C-5DEA-AA54-423D0F86801D}"/>
+              </a:ext>
+            </a:extLst>
+          </p:cNvPr>
+          <p:cNvPicPr>
+            <a:picLocks noChangeAspect="1"/>
+          </p:cNvPicPr>
+          <p:nvPr/>
+        </p:nvPicPr>
+        <p:blipFill>
+          <a:blip r:embed="rId6"/>
+          <a:stretch>
+            <a:fillRect/>
+          </a:stretch>
+        </p:blipFill>
+        <p:spPr>
+          <a:xfrm>
+            <a:off x="5774141" y="3241259"/>
+            <a:ext cx="1905098" cy="2101958"/>
+          </a:xfrm>
+          <a:prstGeom prst="rect">
+            <a:avLst/>
+          </a:prstGeom>
+        </p:spPr>
+      </p:pic>
+      <p:pic>
+        <p:nvPicPr>
+          <p:cNvPr id="7" name="그래픽 6" descr="월 단위 달력">
+            <a:extLst>
+              <a:ext uri="{FF2B5EF4-FFF2-40B4-BE49-F238E27FC236}">
+                <a16:creationId xmlns:a16="http://schemas.microsoft.com/office/drawing/2014/main" id="{7864DE7E-60A5-3748-76B6-31986EFBB785}"/>
+              </a:ext>
+            </a:extLst>
+          </p:cNvPr>
+          <p:cNvPicPr>
+            <a:picLocks noChangeAspect="1"/>
+          </p:cNvPicPr>
+          <p:nvPr/>
+        </p:nvPicPr>
+        <p:blipFill>
+          <a:blip r:embed="rId7">
+            <a:extLst>
+              <a:ext uri="{96DAC541-7B7A-43D3-8B79-37D633B846F1}">
+                <asvg:svgBlip xmlns:asvg="http://schemas.microsoft.com/office/drawing/2016/SVG/main" r:embed="rId8"/>
+              </a:ext>
+            </a:extLst>
+          </a:blip>
+          <a:stretch>
+            <a:fillRect/>
+          </a:stretch>
+        </p:blipFill>
+        <p:spPr>
+          <a:xfrm>
+            <a:off x="6482179" y="2789893"/>
+            <a:ext cx="244511" cy="244511"/>
+          </a:xfrm>
+          <a:prstGeom prst="rect">
+            <a:avLst/>
+          </a:prstGeom>
+        </p:spPr>
+      </p:pic>
+      <p:sp>
+        <p:nvSpPr>
+          <p:cNvPr id="10" name="타원 9">
+            <a:extLst>
+              <a:ext uri="{FF2B5EF4-FFF2-40B4-BE49-F238E27FC236}">
+                <a16:creationId xmlns:a16="http://schemas.microsoft.com/office/drawing/2014/main" id="{26D0B325-B717-19F1-F750-730231D05A85}"/>
+              </a:ext>
+            </a:extLst>
+          </p:cNvPr>
+          <p:cNvSpPr/>
+          <p:nvPr/>
+        </p:nvSpPr>
+        <p:spPr>
+          <a:xfrm>
+            <a:off x="5139199" y="3227143"/>
             <a:ext cx="244929" cy="224398"/>
           </a:xfrm>
           <a:prstGeom prst="ellipse">
@@ -8693,7 +9657,7 @@
                   <a:schemeClr val="tx1"/>
                 </a:solidFill>
               </a:rPr>
-              <a:t>6</a:t>
+              <a:t>4</a:t>
             </a:r>
             <a:endParaRPr lang="ko-KR" altLang="en-US" dirty="0">
               <a:solidFill>
@@ -8705,10 +9669,10 @@
       </p:sp>
       <p:sp>
         <p:nvSpPr>
-          <p:cNvPr id="44" name="타원 43">
-            <a:extLst>
-              <a:ext uri="{FF2B5EF4-FFF2-40B4-BE49-F238E27FC236}">
-                <a16:creationId xmlns:a16="http://schemas.microsoft.com/office/drawing/2014/main" id="{771A3E23-E31A-4A56-BFB6-83AC8FC94B75}"/>
+          <p:cNvPr id="11" name="타원 10">
+            <a:extLst>
+              <a:ext uri="{FF2B5EF4-FFF2-40B4-BE49-F238E27FC236}">
+                <a16:creationId xmlns:a16="http://schemas.microsoft.com/office/drawing/2014/main" id="{28114F19-93C2-0EBC-2C90-1C060F80A599}"/>
               </a:ext>
             </a:extLst>
           </p:cNvPr>
@@ -8717,7 +9681,7 @@
         </p:nvSpPr>
         <p:spPr>
           <a:xfrm>
-            <a:off x="10805776" y="3017737"/>
+            <a:off x="6517669" y="3242135"/>
             <a:ext cx="244929" cy="224398"/>
           </a:xfrm>
           <a:prstGeom prst="ellipse">
@@ -8754,7 +9718,541 @@
                   <a:schemeClr val="tx1"/>
                 </a:solidFill>
               </a:rPr>
+              <a:t>5</a:t>
+            </a:r>
+            <a:endParaRPr lang="ko-KR" altLang="en-US" dirty="0">
+              <a:solidFill>
+                <a:schemeClr val="tx1"/>
+              </a:solidFill>
+            </a:endParaRPr>
+          </a:p>
+        </p:txBody>
+      </p:sp>
+      <p:sp>
+        <p:nvSpPr>
+          <p:cNvPr id="12" name="타원 11">
+            <a:extLst>
+              <a:ext uri="{FF2B5EF4-FFF2-40B4-BE49-F238E27FC236}">
+                <a16:creationId xmlns:a16="http://schemas.microsoft.com/office/drawing/2014/main" id="{DBEB0A24-FD0F-CA24-F412-F5F7A8A06437}"/>
+              </a:ext>
+            </a:extLst>
+          </p:cNvPr>
+          <p:cNvSpPr/>
+          <p:nvPr/>
+        </p:nvSpPr>
+        <p:spPr>
+          <a:xfrm>
+            <a:off x="10203005" y="3063618"/>
+            <a:ext cx="244929" cy="224398"/>
+          </a:xfrm>
+          <a:prstGeom prst="ellipse">
+            <a:avLst/>
+          </a:prstGeom>
+          <a:solidFill>
+            <a:srgbClr val="FFFF00"/>
+          </a:solidFill>
+        </p:spPr>
+        <p:style>
+          <a:lnRef idx="2">
+            <a:schemeClr val="accent1">
+              <a:shade val="15000"/>
+            </a:schemeClr>
+          </a:lnRef>
+          <a:fillRef idx="1">
+            <a:schemeClr val="accent1"/>
+          </a:fillRef>
+          <a:effectRef idx="0">
+            <a:schemeClr val="accent1"/>
+          </a:effectRef>
+          <a:fontRef idx="minor">
+            <a:schemeClr val="lt1"/>
+          </a:fontRef>
+        </p:style>
+        <p:txBody>
+          <a:bodyPr rtlCol="0" anchor="ctr"/>
+          <a:lstStyle/>
+          <a:p>
+            <a:pPr algn="ctr"/>
+            <a:r>
+              <a:rPr lang="en-US" altLang="ko-KR" dirty="0">
+                <a:solidFill>
+                  <a:schemeClr val="tx1"/>
+                </a:solidFill>
+              </a:rPr>
               <a:t>7</a:t>
+            </a:r>
+          </a:p>
+        </p:txBody>
+      </p:sp>
+      <p:sp>
+        <p:nvSpPr>
+          <p:cNvPr id="13" name="타원 12">
+            <a:extLst>
+              <a:ext uri="{FF2B5EF4-FFF2-40B4-BE49-F238E27FC236}">
+                <a16:creationId xmlns:a16="http://schemas.microsoft.com/office/drawing/2014/main" id="{21F9FB9B-1B4C-3BD8-8E7F-4D572A614792}"/>
+              </a:ext>
+            </a:extLst>
+          </p:cNvPr>
+          <p:cNvSpPr/>
+          <p:nvPr/>
+        </p:nvSpPr>
+        <p:spPr>
+          <a:xfrm>
+            <a:off x="10810197" y="3057525"/>
+            <a:ext cx="244929" cy="224398"/>
+          </a:xfrm>
+          <a:prstGeom prst="ellipse">
+            <a:avLst/>
+          </a:prstGeom>
+          <a:solidFill>
+            <a:srgbClr val="FFFF00"/>
+          </a:solidFill>
+        </p:spPr>
+        <p:style>
+          <a:lnRef idx="2">
+            <a:schemeClr val="accent1">
+              <a:shade val="15000"/>
+            </a:schemeClr>
+          </a:lnRef>
+          <a:fillRef idx="1">
+            <a:schemeClr val="accent1"/>
+          </a:fillRef>
+          <a:effectRef idx="0">
+            <a:schemeClr val="accent1"/>
+          </a:effectRef>
+          <a:fontRef idx="minor">
+            <a:schemeClr val="lt1"/>
+          </a:fontRef>
+        </p:style>
+        <p:txBody>
+          <a:bodyPr rtlCol="0" anchor="ctr"/>
+          <a:lstStyle/>
+          <a:p>
+            <a:pPr algn="ctr"/>
+            <a:r>
+              <a:rPr lang="en-US" altLang="ko-KR" dirty="0">
+                <a:solidFill>
+                  <a:schemeClr val="tx1"/>
+                </a:solidFill>
+              </a:rPr>
+              <a:t>8</a:t>
+            </a:r>
+          </a:p>
+        </p:txBody>
+      </p:sp>
+      <p:sp>
+        <p:nvSpPr>
+          <p:cNvPr id="14" name="사각형: 둥근 모서리 13">
+            <a:extLst>
+              <a:ext uri="{FF2B5EF4-FFF2-40B4-BE49-F238E27FC236}">
+                <a16:creationId xmlns:a16="http://schemas.microsoft.com/office/drawing/2014/main" id="{79727C13-0FE8-01D7-C121-C7144A3B4E16}"/>
+              </a:ext>
+            </a:extLst>
+          </p:cNvPr>
+          <p:cNvSpPr/>
+          <p:nvPr/>
+        </p:nvSpPr>
+        <p:spPr>
+          <a:xfrm>
+            <a:off x="11264943" y="3586992"/>
+            <a:ext cx="604090" cy="392306"/>
+          </a:xfrm>
+          <a:prstGeom prst="roundRect">
+            <a:avLst/>
+          </a:prstGeom>
+        </p:spPr>
+        <p:style>
+          <a:lnRef idx="2">
+            <a:schemeClr val="accent1">
+              <a:shade val="15000"/>
+            </a:schemeClr>
+          </a:lnRef>
+          <a:fillRef idx="1">
+            <a:schemeClr val="accent1"/>
+          </a:fillRef>
+          <a:effectRef idx="0">
+            <a:schemeClr val="accent1"/>
+          </a:effectRef>
+          <a:fontRef idx="minor">
+            <a:schemeClr val="lt1"/>
+          </a:fontRef>
+        </p:style>
+        <p:txBody>
+          <a:bodyPr rtlCol="0" anchor="ctr"/>
+          <a:lstStyle/>
+          <a:p>
+            <a:pPr algn="ctr"/>
+            <a:r>
+              <a:rPr lang="ko-KR" altLang="en-US" sz="1000" dirty="0"/>
+              <a:t>완료</a:t>
+            </a:r>
+          </a:p>
+        </p:txBody>
+      </p:sp>
+      <p:cxnSp>
+        <p:nvCxnSpPr>
+          <p:cNvPr id="16" name="직선 화살표 연결선 15">
+            <a:extLst>
+              <a:ext uri="{FF2B5EF4-FFF2-40B4-BE49-F238E27FC236}">
+                <a16:creationId xmlns:a16="http://schemas.microsoft.com/office/drawing/2014/main" id="{5EA89FB6-7128-28C7-A2FD-385DC77EA458}"/>
+              </a:ext>
+            </a:extLst>
+          </p:cNvPr>
+          <p:cNvCxnSpPr/>
+          <p:nvPr/>
+        </p:nvCxnSpPr>
+        <p:spPr>
+          <a:xfrm>
+            <a:off x="10598646" y="3057525"/>
+            <a:ext cx="666297" cy="529467"/>
+          </a:xfrm>
+          <a:prstGeom prst="straightConnector1">
+            <a:avLst/>
+          </a:prstGeom>
+          <a:ln>
+            <a:tailEnd type="triangle"/>
+          </a:ln>
+        </p:spPr>
+        <p:style>
+          <a:lnRef idx="1">
+            <a:schemeClr val="accent1"/>
+          </a:lnRef>
+          <a:fillRef idx="0">
+            <a:schemeClr val="accent1"/>
+          </a:fillRef>
+          <a:effectRef idx="0">
+            <a:schemeClr val="accent1"/>
+          </a:effectRef>
+          <a:fontRef idx="minor">
+            <a:schemeClr val="tx1"/>
+          </a:fontRef>
+        </p:style>
+      </p:cxnSp>
+      <p:cxnSp>
+        <p:nvCxnSpPr>
+          <p:cNvPr id="45" name="직선 화살표 연결선 44">
+            <a:extLst>
+              <a:ext uri="{FF2B5EF4-FFF2-40B4-BE49-F238E27FC236}">
+                <a16:creationId xmlns:a16="http://schemas.microsoft.com/office/drawing/2014/main" id="{B253E9DA-6C08-3765-EAF5-DD89BB6338B0}"/>
+              </a:ext>
+            </a:extLst>
+          </p:cNvPr>
+          <p:cNvCxnSpPr/>
+          <p:nvPr/>
+        </p:nvCxnSpPr>
+        <p:spPr>
+          <a:xfrm flipH="1" flipV="1">
+            <a:off x="10598646" y="3057525"/>
+            <a:ext cx="666297" cy="529467"/>
+          </a:xfrm>
+          <a:prstGeom prst="straightConnector1">
+            <a:avLst/>
+          </a:prstGeom>
+          <a:ln>
+            <a:tailEnd type="triangle"/>
+          </a:ln>
+        </p:spPr>
+        <p:style>
+          <a:lnRef idx="1">
+            <a:schemeClr val="accent1"/>
+          </a:lnRef>
+          <a:fillRef idx="0">
+            <a:schemeClr val="accent1"/>
+          </a:fillRef>
+          <a:effectRef idx="0">
+            <a:schemeClr val="accent1"/>
+          </a:effectRef>
+          <a:fontRef idx="minor">
+            <a:schemeClr val="tx1"/>
+          </a:fontRef>
+        </p:style>
+      </p:cxnSp>
+      <p:sp>
+        <p:nvSpPr>
+          <p:cNvPr id="47" name="사각형: 둥근 모서리 46">
+            <a:extLst>
+              <a:ext uri="{FF2B5EF4-FFF2-40B4-BE49-F238E27FC236}">
+                <a16:creationId xmlns:a16="http://schemas.microsoft.com/office/drawing/2014/main" id="{11217B5A-D8C7-09A1-F249-25E3F88EFC13}"/>
+              </a:ext>
+            </a:extLst>
+          </p:cNvPr>
+          <p:cNvSpPr/>
+          <p:nvPr/>
+        </p:nvSpPr>
+        <p:spPr>
+          <a:xfrm>
+            <a:off x="9994556" y="3423216"/>
+            <a:ext cx="604090" cy="392306"/>
+          </a:xfrm>
+          <a:prstGeom prst="roundRect">
+            <a:avLst/>
+          </a:prstGeom>
+        </p:spPr>
+        <p:style>
+          <a:lnRef idx="2">
+            <a:schemeClr val="accent1">
+              <a:shade val="15000"/>
+            </a:schemeClr>
+          </a:lnRef>
+          <a:fillRef idx="1">
+            <a:schemeClr val="accent1"/>
+          </a:fillRef>
+          <a:effectRef idx="0">
+            <a:schemeClr val="accent1"/>
+          </a:effectRef>
+          <a:fontRef idx="minor">
+            <a:schemeClr val="lt1"/>
+          </a:fontRef>
+        </p:style>
+        <p:txBody>
+          <a:bodyPr rtlCol="0" anchor="ctr"/>
+          <a:lstStyle/>
+          <a:p>
+            <a:pPr algn="ctr"/>
+            <a:r>
+              <a:rPr lang="ko-KR" altLang="en-US" sz="1000" dirty="0"/>
+              <a:t>수정</a:t>
+            </a:r>
+          </a:p>
+        </p:txBody>
+      </p:sp>
+      <p:sp>
+        <p:nvSpPr>
+          <p:cNvPr id="48" name="사각형: 둥근 모서리 47">
+            <a:extLst>
+              <a:ext uri="{FF2B5EF4-FFF2-40B4-BE49-F238E27FC236}">
+                <a16:creationId xmlns:a16="http://schemas.microsoft.com/office/drawing/2014/main" id="{8202A04E-1B52-AF09-F9BF-E64083709E1E}"/>
+              </a:ext>
+            </a:extLst>
+          </p:cNvPr>
+          <p:cNvSpPr/>
+          <p:nvPr/>
+        </p:nvSpPr>
+        <p:spPr>
+          <a:xfrm>
+            <a:off x="10634813" y="3423216"/>
+            <a:ext cx="539697" cy="392306"/>
+          </a:xfrm>
+          <a:prstGeom prst="roundRect">
+            <a:avLst/>
+          </a:prstGeom>
+        </p:spPr>
+        <p:style>
+          <a:lnRef idx="2">
+            <a:schemeClr val="accent1">
+              <a:shade val="15000"/>
+            </a:schemeClr>
+          </a:lnRef>
+          <a:fillRef idx="1">
+            <a:schemeClr val="accent1"/>
+          </a:fillRef>
+          <a:effectRef idx="0">
+            <a:schemeClr val="accent1"/>
+          </a:effectRef>
+          <a:fontRef idx="minor">
+            <a:schemeClr val="lt1"/>
+          </a:fontRef>
+        </p:style>
+        <p:txBody>
+          <a:bodyPr rtlCol="0" anchor="ctr"/>
+          <a:lstStyle/>
+          <a:p>
+            <a:pPr algn="ctr"/>
+            <a:r>
+              <a:rPr lang="ko-KR" altLang="en-US" sz="1000" dirty="0"/>
+              <a:t>삭제</a:t>
+            </a:r>
+          </a:p>
+        </p:txBody>
+      </p:sp>
+      <p:sp>
+        <p:nvSpPr>
+          <p:cNvPr id="49" name="사각형: 둥근 모서리 48">
+            <a:extLst>
+              <a:ext uri="{FF2B5EF4-FFF2-40B4-BE49-F238E27FC236}">
+                <a16:creationId xmlns:a16="http://schemas.microsoft.com/office/drawing/2014/main" id="{1E225C9A-5C41-035E-10AA-13EA5436F04C}"/>
+              </a:ext>
+            </a:extLst>
+          </p:cNvPr>
+          <p:cNvSpPr/>
+          <p:nvPr/>
+        </p:nvSpPr>
+        <p:spPr>
+          <a:xfrm>
+            <a:off x="8846583" y="3423216"/>
+            <a:ext cx="1111806" cy="392306"/>
+          </a:xfrm>
+          <a:prstGeom prst="roundRect">
+            <a:avLst/>
+          </a:prstGeom>
+        </p:spPr>
+        <p:style>
+          <a:lnRef idx="2">
+            <a:schemeClr val="dk1"/>
+          </a:lnRef>
+          <a:fillRef idx="1">
+            <a:schemeClr val="lt1"/>
+          </a:fillRef>
+          <a:effectRef idx="0">
+            <a:schemeClr val="dk1"/>
+          </a:effectRef>
+          <a:fontRef idx="minor">
+            <a:schemeClr val="dk1"/>
+          </a:fontRef>
+        </p:style>
+        <p:txBody>
+          <a:bodyPr rtlCol="0" anchor="ctr"/>
+          <a:lstStyle/>
+          <a:p>
+            <a:pPr algn="ctr"/>
+            <a:r>
+              <a:rPr lang="ko-KR" altLang="en-US" sz="1400" dirty="0"/>
+              <a:t>작업지시서</a:t>
+            </a:r>
+          </a:p>
+        </p:txBody>
+      </p:sp>
+      <p:sp>
+        <p:nvSpPr>
+          <p:cNvPr id="50" name="사각형: 둥근 모서리 49">
+            <a:extLst>
+              <a:ext uri="{FF2B5EF4-FFF2-40B4-BE49-F238E27FC236}">
+                <a16:creationId xmlns:a16="http://schemas.microsoft.com/office/drawing/2014/main" id="{AD11FC87-960F-DFEB-387A-359642B245EC}"/>
+              </a:ext>
+            </a:extLst>
+          </p:cNvPr>
+          <p:cNvSpPr/>
+          <p:nvPr/>
+        </p:nvSpPr>
+        <p:spPr>
+          <a:xfrm>
+            <a:off x="9987197" y="4053297"/>
+            <a:ext cx="604090" cy="392306"/>
+          </a:xfrm>
+          <a:prstGeom prst="roundRect">
+            <a:avLst/>
+          </a:prstGeom>
+        </p:spPr>
+        <p:style>
+          <a:lnRef idx="2">
+            <a:schemeClr val="accent1">
+              <a:shade val="15000"/>
+            </a:schemeClr>
+          </a:lnRef>
+          <a:fillRef idx="1">
+            <a:schemeClr val="accent1"/>
+          </a:fillRef>
+          <a:effectRef idx="0">
+            <a:schemeClr val="accent1"/>
+          </a:effectRef>
+          <a:fontRef idx="minor">
+            <a:schemeClr val="lt1"/>
+          </a:fontRef>
+        </p:style>
+        <p:txBody>
+          <a:bodyPr rtlCol="0" anchor="ctr"/>
+          <a:lstStyle/>
+          <a:p>
+            <a:pPr algn="ctr"/>
+            <a:r>
+              <a:rPr lang="ko-KR" altLang="en-US" sz="1000" dirty="0"/>
+              <a:t>수정</a:t>
+            </a:r>
+          </a:p>
+        </p:txBody>
+      </p:sp>
+      <p:sp>
+        <p:nvSpPr>
+          <p:cNvPr id="51" name="사각형: 둥근 모서리 50">
+            <a:extLst>
+              <a:ext uri="{FF2B5EF4-FFF2-40B4-BE49-F238E27FC236}">
+                <a16:creationId xmlns:a16="http://schemas.microsoft.com/office/drawing/2014/main" id="{505CC1E1-FDC4-7DDC-3CA6-11802D429735}"/>
+              </a:ext>
+            </a:extLst>
+          </p:cNvPr>
+          <p:cNvSpPr/>
+          <p:nvPr/>
+        </p:nvSpPr>
+        <p:spPr>
+          <a:xfrm>
+            <a:off x="10627454" y="4053297"/>
+            <a:ext cx="539697" cy="392306"/>
+          </a:xfrm>
+          <a:prstGeom prst="roundRect">
+            <a:avLst/>
+          </a:prstGeom>
+        </p:spPr>
+        <p:style>
+          <a:lnRef idx="2">
+            <a:schemeClr val="accent1">
+              <a:shade val="15000"/>
+            </a:schemeClr>
+          </a:lnRef>
+          <a:fillRef idx="1">
+            <a:schemeClr val="accent1"/>
+          </a:fillRef>
+          <a:effectRef idx="0">
+            <a:schemeClr val="accent1"/>
+          </a:effectRef>
+          <a:fontRef idx="minor">
+            <a:schemeClr val="lt1"/>
+          </a:fontRef>
+        </p:style>
+        <p:txBody>
+          <a:bodyPr rtlCol="0" anchor="ctr"/>
+          <a:lstStyle/>
+          <a:p>
+            <a:pPr algn="ctr"/>
+            <a:r>
+              <a:rPr lang="ko-KR" altLang="en-US" sz="1000" dirty="0"/>
+              <a:t>삭제</a:t>
+            </a:r>
+          </a:p>
+        </p:txBody>
+      </p:sp>
+      <p:sp>
+        <p:nvSpPr>
+          <p:cNvPr id="52" name="사각형: 둥근 모서리 51">
+            <a:extLst>
+              <a:ext uri="{FF2B5EF4-FFF2-40B4-BE49-F238E27FC236}">
+                <a16:creationId xmlns:a16="http://schemas.microsoft.com/office/drawing/2014/main" id="{E61945C2-FADD-6551-BCA3-C830729CEF9C}"/>
+              </a:ext>
+            </a:extLst>
+          </p:cNvPr>
+          <p:cNvSpPr/>
+          <p:nvPr/>
+        </p:nvSpPr>
+        <p:spPr>
+          <a:xfrm>
+            <a:off x="8839224" y="4053297"/>
+            <a:ext cx="1111806" cy="392306"/>
+          </a:xfrm>
+          <a:prstGeom prst="roundRect">
+            <a:avLst/>
+          </a:prstGeom>
+        </p:spPr>
+        <p:style>
+          <a:lnRef idx="2">
+            <a:schemeClr val="dk1"/>
+          </a:lnRef>
+          <a:fillRef idx="1">
+            <a:schemeClr val="lt1"/>
+          </a:fillRef>
+          <a:effectRef idx="0">
+            <a:schemeClr val="dk1"/>
+          </a:effectRef>
+          <a:fontRef idx="minor">
+            <a:schemeClr val="dk1"/>
+          </a:fontRef>
+        </p:style>
+        <p:txBody>
+          <a:bodyPr rtlCol="0" anchor="ctr"/>
+          <a:lstStyle/>
+          <a:p>
+            <a:pPr algn="ctr"/>
+            <a:r>
+              <a:rPr lang="ko-KR" altLang="en-US" sz="1400" dirty="0"/>
+              <a:t>작업지시서</a:t>
             </a:r>
           </a:p>
         </p:txBody>
@@ -8967,63 +10465,6 @@
       </p:graphicFrame>
       <p:sp>
         <p:nvSpPr>
-          <p:cNvPr id="4" name="직사각형 3">
-            <a:extLst>
-              <a:ext uri="{FF2B5EF4-FFF2-40B4-BE49-F238E27FC236}">
-                <a16:creationId xmlns:a16="http://schemas.microsoft.com/office/drawing/2014/main" id="{628BC604-0809-4A26-B35A-B5C8ADCEB22F}"/>
-              </a:ext>
-            </a:extLst>
-          </p:cNvPr>
-          <p:cNvSpPr/>
-          <p:nvPr/>
-        </p:nvSpPr>
-        <p:spPr>
-          <a:xfrm>
-            <a:off x="8549754" y="647211"/>
-            <a:ext cx="3551433" cy="1158705"/>
-          </a:xfrm>
-          <a:prstGeom prst="rect">
-            <a:avLst/>
-          </a:prstGeom>
-          <a:ln>
-            <a:solidFill>
-              <a:schemeClr val="bg1"/>
-            </a:solidFill>
-          </a:ln>
-        </p:spPr>
-        <p:style>
-          <a:lnRef idx="2">
-            <a:schemeClr val="dk1"/>
-          </a:lnRef>
-          <a:fillRef idx="1">
-            <a:schemeClr val="lt1"/>
-          </a:fillRef>
-          <a:effectRef idx="0">
-            <a:schemeClr val="dk1"/>
-          </a:effectRef>
-          <a:fontRef idx="minor">
-            <a:schemeClr val="dk1"/>
-          </a:fontRef>
-        </p:style>
-        <p:txBody>
-          <a:bodyPr rtlCol="0" anchor="ctr"/>
-          <a:lstStyle/>
-          <a:p>
-            <a:pPr algn="ctr"/>
-            <a:r>
-              <a:rPr lang="ko-KR" altLang="en-US" sz="2000"/>
-              <a:t> </a:t>
-            </a:r>
-            <a:r>
-              <a:rPr lang="en-US" altLang="ko-KR" sz="2000"/>
-              <a:t>2025.10.08</a:t>
-            </a:r>
-            <a:endParaRPr lang="en-US" altLang="ko-KR" sz="2000" dirty="0"/>
-          </a:p>
-        </p:txBody>
-      </p:sp>
-      <p:sp>
-        <p:nvSpPr>
           <p:cNvPr id="5" name="직사각형 4">
             <a:extLst>
               <a:ext uri="{FF2B5EF4-FFF2-40B4-BE49-F238E27FC236}">
@@ -9127,14 +10568,14 @@
           <p:nvPr>
             <p:extLst>
               <p:ext uri="{D42A27DB-BD31-4B8C-83A1-F6EECF244321}">
-                <p14:modId xmlns:p14="http://schemas.microsoft.com/office/powerpoint/2010/main" val="1358513627"/>
+                <p14:modId xmlns:p14="http://schemas.microsoft.com/office/powerpoint/2010/main" val="4100464364"/>
               </p:ext>
             </p:extLst>
           </p:nvPr>
         </p:nvGraphicFramePr>
         <p:xfrm>
           <a:off x="874711" y="2112460"/>
-          <a:ext cx="10292440" cy="2241393"/>
+          <a:ext cx="10292440" cy="2286822"/>
         </p:xfrm>
         <a:graphic>
           <a:graphicData uri="http://schemas.openxmlformats.org/drawingml/2006/table">
@@ -9374,24 +10815,43 @@
                       <a:pPr latinLnBrk="1"/>
                       <a:r>
                         <a:rPr lang="en-US" altLang="ko-KR" sz="1600" dirty="0"/>
-                        <a:t>2025.10.10</a:t>
+                        <a:t>2025.8.17</a:t>
                       </a:r>
                     </a:p>
                     <a:p>
                       <a:pPr latinLnBrk="1"/>
                       <a:r>
                         <a:rPr lang="en-US" altLang="ko-KR" sz="1600" dirty="0"/>
-                        <a:t>00:00</a:t>
+                        <a:t>10:00 </a:t>
                       </a:r>
                       <a:endParaRPr lang="ko-KR" altLang="en-US" sz="1600" dirty="0"/>
                     </a:p>
-                  </a:txBody>
-                  <a:tcPr/>
-                </a:tc>
-                <a:tc>
-                  <a:txBody>
-                    <a:bodyPr/>
-                    <a:lstStyle/>
+                    <a:p>
+                      <a:pPr latinLnBrk="1"/>
+                      <a:endParaRPr lang="ko-KR" altLang="en-US" sz="1600" dirty="0"/>
+                    </a:p>
+                  </a:txBody>
+                  <a:tcPr/>
+                </a:tc>
+                <a:tc>
+                  <a:txBody>
+                    <a:bodyPr/>
+                    <a:lstStyle/>
+                    <a:p>
+                      <a:pPr latinLnBrk="1"/>
+                      <a:r>
+                        <a:rPr lang="en-US" altLang="ko-KR" sz="1800" dirty="0"/>
+                        <a:t>2025.8.17</a:t>
+                      </a:r>
+                    </a:p>
+                    <a:p>
+                      <a:pPr latinLnBrk="1"/>
+                      <a:r>
+                        <a:rPr lang="en-US" altLang="ko-KR" sz="1800" dirty="0"/>
+                        <a:t>10:27 </a:t>
+                      </a:r>
+                      <a:endParaRPr lang="ko-KR" altLang="en-US" sz="1800" dirty="0"/>
+                    </a:p>
                     <a:p>
                       <a:pPr latinLnBrk="1"/>
                       <a:endParaRPr lang="ko-KR" altLang="en-US" dirty="0"/>
@@ -9405,7 +10865,33 @@
                     <a:lstStyle/>
                     <a:p>
                       <a:pPr latinLnBrk="1"/>
-                      <a:endParaRPr lang="ko-KR" altLang="en-US"/>
+                      <a:r>
+                        <a:rPr lang="en-US" altLang="ko-KR" sz="1800" dirty="0"/>
+                        <a:t>2025.8.17</a:t>
+                      </a:r>
+                    </a:p>
+                    <a:p>
+                      <a:pPr latinLnBrk="1"/>
+                      <a:r>
+                        <a:rPr lang="en-US" altLang="ko-KR" sz="1800" dirty="0"/>
+                        <a:t>10:30 </a:t>
+                      </a:r>
+                      <a:endParaRPr lang="ko-KR" altLang="en-US" sz="1800" dirty="0"/>
+                    </a:p>
+                    <a:p>
+                      <a:pPr latinLnBrk="1"/>
+                      <a:endParaRPr lang="ko-KR" altLang="en-US" dirty="0"/>
+                    </a:p>
+                  </a:txBody>
+                  <a:tcPr/>
+                </a:tc>
+                <a:tc>
+                  <a:txBody>
+                    <a:bodyPr/>
+                    <a:lstStyle/>
+                    <a:p>
+                      <a:pPr latinLnBrk="1"/>
+                      <a:endParaRPr lang="ko-KR" altLang="en-US" dirty="0"/>
                     </a:p>
                   </a:txBody>
                   <a:tcPr/>
@@ -9427,7 +10913,7 @@
                     <a:lstStyle/>
                     <a:p>
                       <a:pPr latinLnBrk="1"/>
-                      <a:endParaRPr lang="ko-KR" altLang="en-US"/>
+                      <a:endParaRPr lang="ko-KR" altLang="en-US" dirty="0"/>
                     </a:p>
                   </a:txBody>
                   <a:tcPr/>
@@ -9438,18 +10924,7 @@
                     <a:lstStyle/>
                     <a:p>
                       <a:pPr latinLnBrk="1"/>
-                      <a:endParaRPr lang="ko-KR" altLang="en-US"/>
-                    </a:p>
-                  </a:txBody>
-                  <a:tcPr/>
-                </a:tc>
-                <a:tc>
-                  <a:txBody>
-                    <a:bodyPr/>
-                    <a:lstStyle/>
-                    <a:p>
-                      <a:pPr latinLnBrk="1"/>
-                      <a:endParaRPr lang="ko-KR" altLang="en-US"/>
+                      <a:endParaRPr lang="ko-KR" altLang="en-US" dirty="0"/>
                     </a:p>
                   </a:txBody>
                   <a:tcPr/>
@@ -9873,8 +11348,8 @@
         </p:nvSpPr>
         <p:spPr>
           <a:xfrm flipV="1">
-            <a:off x="10779298" y="3600460"/>
-            <a:ext cx="157159" cy="135482"/>
+            <a:off x="10779299" y="3708995"/>
+            <a:ext cx="126336" cy="135482"/>
           </a:xfrm>
           <a:prstGeom prst="triangle">
             <a:avLst/>
@@ -9907,10 +11382,10 @@
       </p:sp>
       <p:sp>
         <p:nvSpPr>
-          <p:cNvPr id="18" name="타원 17">
-            <a:extLst>
-              <a:ext uri="{FF2B5EF4-FFF2-40B4-BE49-F238E27FC236}">
-                <a16:creationId xmlns:a16="http://schemas.microsoft.com/office/drawing/2014/main" id="{41CD7836-6343-47D7-94B9-017301E2FC8A}"/>
+          <p:cNvPr id="19" name="타원 18">
+            <a:extLst>
+              <a:ext uri="{FF2B5EF4-FFF2-40B4-BE49-F238E27FC236}">
+                <a16:creationId xmlns:a16="http://schemas.microsoft.com/office/drawing/2014/main" id="{638E9C99-6BE1-4456-AE0C-C2B6F31C0D25}"/>
               </a:ext>
             </a:extLst>
           </p:cNvPr>
@@ -9919,7 +11394,7 @@
         </p:nvSpPr>
         <p:spPr>
           <a:xfrm>
-            <a:off x="9402486" y="1114364"/>
+            <a:off x="3026565" y="3556002"/>
             <a:ext cx="244929" cy="224398"/>
           </a:xfrm>
           <a:prstGeom prst="ellipse">
@@ -9956,7 +11431,7 @@
                   <a:schemeClr val="tx1"/>
                 </a:solidFill>
               </a:rPr>
-              <a:t>1</a:t>
+              <a:t>2</a:t>
             </a:r>
             <a:endParaRPr lang="ko-KR" altLang="en-US" dirty="0">
               <a:solidFill>
@@ -9968,10 +11443,10 @@
       </p:sp>
       <p:sp>
         <p:nvSpPr>
-          <p:cNvPr id="19" name="타원 18">
-            <a:extLst>
-              <a:ext uri="{FF2B5EF4-FFF2-40B4-BE49-F238E27FC236}">
-                <a16:creationId xmlns:a16="http://schemas.microsoft.com/office/drawing/2014/main" id="{638E9C99-6BE1-4456-AE0C-C2B6F31C0D25}"/>
+          <p:cNvPr id="22" name="타원 21">
+            <a:extLst>
+              <a:ext uri="{FF2B5EF4-FFF2-40B4-BE49-F238E27FC236}">
+                <a16:creationId xmlns:a16="http://schemas.microsoft.com/office/drawing/2014/main" id="{EF40CE98-C19E-4888-86E3-89AAA692AE61}"/>
               </a:ext>
             </a:extLst>
           </p:cNvPr>
@@ -9980,7 +11455,7 @@
         </p:nvSpPr>
         <p:spPr>
           <a:xfrm>
-            <a:off x="2785748" y="3892246"/>
+            <a:off x="5745977" y="3091823"/>
             <a:ext cx="244929" cy="224398"/>
           </a:xfrm>
           <a:prstGeom prst="ellipse">
@@ -10017,7 +11492,7 @@
                   <a:schemeClr val="tx1"/>
                 </a:solidFill>
               </a:rPr>
-              <a:t>3</a:t>
+              <a:t>1</a:t>
             </a:r>
             <a:endParaRPr lang="ko-KR" altLang="en-US" dirty="0">
               <a:solidFill>
@@ -10029,10 +11504,10 @@
       </p:sp>
       <p:sp>
         <p:nvSpPr>
-          <p:cNvPr id="22" name="타원 21">
-            <a:extLst>
-              <a:ext uri="{FF2B5EF4-FFF2-40B4-BE49-F238E27FC236}">
-                <a16:creationId xmlns:a16="http://schemas.microsoft.com/office/drawing/2014/main" id="{EF40CE98-C19E-4888-86E3-89AAA692AE61}"/>
+          <p:cNvPr id="24" name="직사각형 23">
+            <a:extLst>
+              <a:ext uri="{FF2B5EF4-FFF2-40B4-BE49-F238E27FC236}">
+                <a16:creationId xmlns:a16="http://schemas.microsoft.com/office/drawing/2014/main" id="{1B916072-C2E2-C335-5116-D5775EC51623}"/>
               </a:ext>
             </a:extLst>
           </p:cNvPr>
@@ -10041,14 +11516,14 @@
         </p:nvSpPr>
         <p:spPr>
           <a:xfrm>
-            <a:off x="2825520" y="3002353"/>
-            <a:ext cx="244929" cy="224398"/>
+            <a:off x="4739955" y="3537535"/>
+            <a:ext cx="1264972" cy="396814"/>
           </a:xfrm>
-          <a:prstGeom prst="ellipse">
+          <a:prstGeom prst="rect">
             <a:avLst/>
           </a:prstGeom>
           <a:solidFill>
-            <a:srgbClr val="FFFF00"/>
+            <a:schemeClr val="bg1"/>
           </a:solidFill>
         </p:spPr>
         <p:style>
@@ -10078,9 +11553,78 @@
                   <a:schemeClr val="tx1"/>
                 </a:solidFill>
               </a:rPr>
-              <a:t>2</a:t>
+              <a:t>2025-8-17</a:t>
             </a:r>
             <a:endParaRPr lang="ko-KR" altLang="en-US" dirty="0">
+              <a:solidFill>
+                <a:schemeClr val="tx1"/>
+              </a:solidFill>
+            </a:endParaRPr>
+          </a:p>
+        </p:txBody>
+      </p:sp>
+      <p:sp>
+        <p:nvSpPr>
+          <p:cNvPr id="25" name="직사각형 24">
+            <a:extLst>
+              <a:ext uri="{FF2B5EF4-FFF2-40B4-BE49-F238E27FC236}">
+                <a16:creationId xmlns:a16="http://schemas.microsoft.com/office/drawing/2014/main" id="{648DBDD7-60D8-951F-FC37-23F3FAC7C4BA}"/>
+              </a:ext>
+            </a:extLst>
+          </p:cNvPr>
+          <p:cNvSpPr/>
+          <p:nvPr/>
+        </p:nvSpPr>
+        <p:spPr>
+          <a:xfrm>
+            <a:off x="4739955" y="3943007"/>
+            <a:ext cx="1264972" cy="396814"/>
+          </a:xfrm>
+          <a:prstGeom prst="rect">
+            <a:avLst/>
+          </a:prstGeom>
+          <a:solidFill>
+            <a:schemeClr val="bg1"/>
+          </a:solidFill>
+        </p:spPr>
+        <p:style>
+          <a:lnRef idx="2">
+            <a:schemeClr val="accent1">
+              <a:shade val="15000"/>
+            </a:schemeClr>
+          </a:lnRef>
+          <a:fillRef idx="1">
+            <a:schemeClr val="accent1"/>
+          </a:fillRef>
+          <a:effectRef idx="0">
+            <a:schemeClr val="accent1"/>
+          </a:effectRef>
+          <a:fontRef idx="minor">
+            <a:schemeClr val="lt1"/>
+          </a:fontRef>
+        </p:style>
+        <p:txBody>
+          <a:bodyPr rtlCol="0" anchor="ctr"/>
+          <a:lstStyle/>
+          <a:p>
+            <a:pPr algn="ctr"/>
+            <a:r>
+              <a:rPr lang="ko-KR" altLang="en-US" sz="1700" dirty="0">
+                <a:solidFill>
+                  <a:schemeClr val="tx1"/>
+                </a:solidFill>
+              </a:rPr>
+              <a:t>오전</a:t>
+            </a:r>
+            <a:r>
+              <a:rPr lang="en-US" altLang="ko-KR" sz="1700" dirty="0">
+                <a:solidFill>
+                  <a:schemeClr val="tx1"/>
+                </a:solidFill>
+              </a:rPr>
+              <a:t> 10:30</a:t>
+            </a:r>
+            <a:endParaRPr lang="ko-KR" altLang="en-US" sz="1700" dirty="0">
               <a:solidFill>
                 <a:schemeClr val="tx1"/>
               </a:solidFill>
@@ -10120,62 +11664,6 @@
       </p:grpSpPr>
       <p:sp>
         <p:nvSpPr>
-          <p:cNvPr id="21" name="직사각형 20">
-            <a:extLst>
-              <a:ext uri="{FF2B5EF4-FFF2-40B4-BE49-F238E27FC236}">
-                <a16:creationId xmlns:a16="http://schemas.microsoft.com/office/drawing/2014/main" id="{69DF374A-3937-4570-94F0-8415E4902F4D}"/>
-              </a:ext>
-            </a:extLst>
-          </p:cNvPr>
-          <p:cNvSpPr/>
-          <p:nvPr/>
-        </p:nvSpPr>
-        <p:spPr>
-          <a:xfrm>
-            <a:off x="8122519" y="643968"/>
-            <a:ext cx="3551433" cy="1158705"/>
-          </a:xfrm>
-          <a:prstGeom prst="rect">
-            <a:avLst/>
-          </a:prstGeom>
-          <a:ln>
-            <a:solidFill>
-              <a:schemeClr val="bg1"/>
-            </a:solidFill>
-          </a:ln>
-        </p:spPr>
-        <p:style>
-          <a:lnRef idx="2">
-            <a:schemeClr val="dk1"/>
-          </a:lnRef>
-          <a:fillRef idx="1">
-            <a:schemeClr val="lt1"/>
-          </a:fillRef>
-          <a:effectRef idx="0">
-            <a:schemeClr val="dk1"/>
-          </a:effectRef>
-          <a:fontRef idx="minor">
-            <a:schemeClr val="dk1"/>
-          </a:fontRef>
-        </p:style>
-        <p:txBody>
-          <a:bodyPr rtlCol="0" anchor="ctr"/>
-          <a:lstStyle/>
-          <a:p>
-            <a:pPr algn="ctr"/>
-            <a:r>
-              <a:rPr lang="ko-KR" altLang="en-US" sz="2000" dirty="0"/>
-              <a:t> </a:t>
-            </a:r>
-            <a:r>
-              <a:rPr lang="en-US" altLang="ko-KR" sz="2000" dirty="0"/>
-              <a:t>2025.10.08</a:t>
-            </a:r>
-          </a:p>
-        </p:txBody>
-      </p:sp>
-      <p:sp>
-        <p:nvSpPr>
           <p:cNvPr id="38" name="직사각형 37">
             <a:extLst>
               <a:ext uri="{FF2B5EF4-FFF2-40B4-BE49-F238E27FC236}">
@@ -10241,7 +11729,7 @@
           <p:nvPr>
             <p:extLst>
               <p:ext uri="{D42A27DB-BD31-4B8C-83A1-F6EECF244321}">
-                <p14:modId xmlns:p14="http://schemas.microsoft.com/office/powerpoint/2010/main" val="3068944001"/>
+                <p14:modId xmlns:p14="http://schemas.microsoft.com/office/powerpoint/2010/main" val="4090838173"/>
               </p:ext>
             </p:extLst>
           </p:nvPr>
@@ -10440,7 +11928,165 @@
                     <a:bodyPr/>
                     <a:lstStyle/>
                     <a:p>
+                      <a:pPr algn="just" latinLnBrk="1"/>
+                      <a:r>
+                        <a:rPr lang="en-US" altLang="ko-KR" sz="1200" u="sng" dirty="0"/>
+                        <a:t>.LOT-yyyyMMdd-001</a:t>
+                      </a:r>
+                      <a:endParaRPr lang="ko-KR" altLang="en-US" sz="1200" u="sng" dirty="0"/>
+                    </a:p>
+                  </a:txBody>
+                  <a:tcPr/>
+                </a:tc>
+                <a:tc>
+                  <a:txBody>
+                    <a:bodyPr/>
+                    <a:lstStyle/>
+                    <a:p>
+                      <a:pPr latinLnBrk="1"/>
+                      <a:r>
+                        <a:rPr lang="ko-KR" altLang="en-US" sz="1600" dirty="0">
+                          <a:solidFill>
+                            <a:schemeClr val="tx1"/>
+                          </a:solidFill>
+                        </a:rPr>
+                        <a:t>거래처 </a:t>
+                      </a:r>
+                      <a:r>
+                        <a:rPr lang="en-US" altLang="ko-KR" sz="1600" dirty="0">
+                          <a:solidFill>
+                            <a:schemeClr val="tx1"/>
+                          </a:solidFill>
+                        </a:rPr>
+                        <a:t>A</a:t>
+                      </a:r>
+                      <a:endParaRPr lang="ko-KR" altLang="en-US" sz="1600" dirty="0">
+                        <a:solidFill>
+                          <a:schemeClr val="tx1"/>
+                        </a:solidFill>
+                      </a:endParaRPr>
+                    </a:p>
+                  </a:txBody>
+                  <a:tcPr/>
+                </a:tc>
+                <a:tc>
+                  <a:txBody>
+                    <a:bodyPr/>
+                    <a:lstStyle/>
+                    <a:p>
+                      <a:pPr latinLnBrk="1"/>
+                      <a:r>
+                        <a:rPr lang="en-US" altLang="ko-KR" sz="1200" dirty="0"/>
+                        <a:t>AD217000</a:t>
+                      </a:r>
+                      <a:endParaRPr lang="ko-KR" altLang="en-US" sz="1200" dirty="0"/>
+                    </a:p>
+                  </a:txBody>
+                  <a:tcPr/>
+                </a:tc>
+                <a:tc>
+                  <a:txBody>
+                    <a:bodyPr/>
+                    <a:lstStyle/>
+                    <a:p>
+                      <a:pPr latinLnBrk="1"/>
+                      <a:r>
+                        <a:rPr lang="ko-KR" altLang="en-US" u="none" dirty="0"/>
+                        <a:t>품목</a:t>
+                      </a:r>
+                      <a:r>
+                        <a:rPr lang="en-US" altLang="ko-KR" u="none" dirty="0"/>
+                        <a:t>A</a:t>
+                      </a:r>
+                      <a:endParaRPr lang="ko-KR" altLang="en-US" u="none" dirty="0"/>
+                    </a:p>
+                  </a:txBody>
+                  <a:tcPr/>
+                </a:tc>
+                <a:tc>
+                  <a:txBody>
+                    <a:bodyPr/>
+                    <a:lstStyle/>
+                    <a:p>
+                      <a:pPr marL="0" marR="0" lvl="0" indent="0" algn="l" defTabSz="914400" rtl="0" eaLnBrk="1" fontAlgn="auto" latinLnBrk="1" hangingPunct="1">
+                        <a:lnSpc>
+                          <a:spcPct val="100000"/>
+                        </a:lnSpc>
+                        <a:spcBef>
+                          <a:spcPts val="0"/>
+                        </a:spcBef>
+                        <a:spcAft>
+                          <a:spcPts val="0"/>
+                        </a:spcAft>
+                        <a:buClrTx/>
+                        <a:buSzTx/>
+                        <a:buFontTx/>
+                        <a:buNone/>
+                        <a:tabLst/>
+                        <a:defRPr/>
+                      </a:pPr>
+                      <a:r>
+                        <a:rPr kumimoji="0" lang="en-US" altLang="ko-KR" sz="1600" b="0" i="0" u="none" strike="noStrike" kern="1200" cap="none" spc="0" normalizeH="0" baseline="0" noProof="0" dirty="0">
+                          <a:ln>
+                            <a:noFill/>
+                          </a:ln>
+                          <a:solidFill>
+                            <a:prstClr val="black"/>
+                          </a:solidFill>
+                          <a:effectLst/>
+                          <a:uLnTx/>
+                          <a:uFillTx/>
+                          <a:latin typeface="맑은 고딕" panose="020F0502020204030204"/>
+                          <a:ea typeface="맑은 고딕" panose="020B0503020000020004" pitchFamily="50" charset="-127"/>
+                          <a:cs typeface="+mn-cs"/>
+                        </a:rPr>
+                        <a:t>2025.10.20</a:t>
+                      </a:r>
+                      <a:r>
+                        <a:rPr kumimoji="0" lang="ko-KR" altLang="en-US" sz="1600" b="0" i="0" u="none" strike="noStrike" kern="1200" cap="none" spc="0" normalizeH="0" baseline="0" noProof="0" dirty="0">
+                          <a:ln>
+                            <a:noFill/>
+                          </a:ln>
+                          <a:solidFill>
+                            <a:prstClr val="black"/>
+                          </a:solidFill>
+                          <a:effectLst/>
+                          <a:uLnTx/>
+                          <a:uFillTx/>
+                          <a:latin typeface="맑은 고딕" panose="020F0502020204030204"/>
+                          <a:ea typeface="맑은 고딕" panose="020B0503020000020004" pitchFamily="50" charset="-127"/>
+                          <a:cs typeface="+mn-cs"/>
+                        </a:rPr>
+                        <a:t>  </a:t>
+                      </a:r>
+                      <a:endParaRPr kumimoji="0" lang="en-US" altLang="ko-KR" sz="1600" b="0" i="0" u="none" strike="noStrike" kern="1200" cap="none" spc="0" normalizeH="0" baseline="0" noProof="0" dirty="0">
+                        <a:ln>
+                          <a:noFill/>
+                        </a:ln>
+                        <a:solidFill>
+                          <a:prstClr val="black"/>
+                        </a:solidFill>
+                        <a:effectLst/>
+                        <a:uLnTx/>
+                        <a:uFillTx/>
+                        <a:latin typeface="맑은 고딕" panose="020F0502020204030204"/>
+                        <a:ea typeface="맑은 고딕" panose="020B0503020000020004" pitchFamily="50" charset="-127"/>
+                        <a:cs typeface="+mn-cs"/>
+                      </a:endParaRPr>
+                    </a:p>
+                  </a:txBody>
+                  <a:tcPr/>
+                </a:tc>
+                <a:tc>
+                  <a:txBody>
+                    <a:bodyPr/>
+                    <a:lstStyle/>
+                    <a:p>
                       <a:pPr algn="l" latinLnBrk="1"/>
+                      <a:r>
+                        <a:rPr lang="en-US" altLang="ko-KR" dirty="0"/>
+                        <a:t>10</a:t>
+                      </a:r>
                       <a:endParaRPr lang="ko-KR" altLang="en-US" dirty="0"/>
                     </a:p>
                   </a:txBody>
@@ -10451,63 +12097,11 @@
                     <a:bodyPr/>
                     <a:lstStyle/>
                     <a:p>
-                      <a:pPr algn="l" latinLnBrk="1"/>
-                      <a:endParaRPr lang="ko-KR" altLang="en-US" dirty="0"/>
-                    </a:p>
-                  </a:txBody>
-                  <a:tcPr/>
-                </a:tc>
-                <a:tc>
-                  <a:txBody>
-                    <a:bodyPr/>
-                    <a:lstStyle/>
-                    <a:p>
-                      <a:pPr algn="l" latinLnBrk="1"/>
-                      <a:endParaRPr lang="ko-KR" altLang="en-US" dirty="0"/>
-                    </a:p>
-                  </a:txBody>
-                  <a:tcPr/>
-                </a:tc>
-                <a:tc>
-                  <a:txBody>
-                    <a:bodyPr/>
-                    <a:lstStyle/>
-                    <a:p>
-                      <a:pPr algn="l" latinLnBrk="1"/>
-                      <a:endParaRPr lang="ko-KR" altLang="en-US" dirty="0"/>
-                    </a:p>
-                  </a:txBody>
-                  <a:tcPr/>
-                </a:tc>
-                <a:tc>
-                  <a:txBody>
-                    <a:bodyPr/>
-                    <a:lstStyle/>
-                    <a:p>
-                      <a:pPr algn="l" latinLnBrk="1"/>
-                      <a:endParaRPr lang="ko-KR" altLang="en-US" dirty="0"/>
-                    </a:p>
-                  </a:txBody>
-                  <a:tcPr/>
-                </a:tc>
-                <a:tc>
-                  <a:txBody>
-                    <a:bodyPr/>
-                    <a:lstStyle/>
-                    <a:p>
-                      <a:pPr algn="l" latinLnBrk="1"/>
-                      <a:endParaRPr lang="ko-KR" altLang="en-US" dirty="0"/>
-                    </a:p>
-                  </a:txBody>
-                  <a:tcPr/>
-                </a:tc>
-                <a:tc>
-                  <a:txBody>
-                    <a:bodyPr/>
-                    <a:lstStyle/>
-                    <a:p>
-                      <a:pPr algn="l" latinLnBrk="1"/>
-                      <a:endParaRPr lang="ko-KR" altLang="en-US" dirty="0"/>
+                      <a:pPr latinLnBrk="1"/>
+                      <a:r>
+                        <a:rPr lang="ko-KR" altLang="en-US" sz="1600" dirty="0"/>
+                        <a:t>방산</a:t>
+                      </a:r>
                     </a:p>
                   </a:txBody>
                   <a:tcPr/>
@@ -10535,7 +12129,185 @@
                     <a:bodyPr/>
                     <a:lstStyle/>
                     <a:p>
+                      <a:pPr latinLnBrk="1"/>
+                      <a:r>
+                        <a:rPr lang="en-US" altLang="ko-KR" sz="1200" u="sng" dirty="0"/>
+                        <a:t>LOT-yyyyMMdd-002</a:t>
+                      </a:r>
+                      <a:endParaRPr lang="ko-KR" altLang="en-US" sz="1200" dirty="0"/>
+                    </a:p>
+                  </a:txBody>
+                  <a:tcPr/>
+                </a:tc>
+                <a:tc>
+                  <a:txBody>
+                    <a:bodyPr/>
+                    <a:lstStyle/>
+                    <a:p>
+                      <a:pPr latinLnBrk="1"/>
+                      <a:r>
+                        <a:rPr lang="ko-KR" altLang="en-US" sz="1600" dirty="0">
+                          <a:solidFill>
+                            <a:schemeClr val="tx1"/>
+                          </a:solidFill>
+                        </a:rPr>
+                        <a:t>거래처 </a:t>
+                      </a:r>
+                      <a:r>
+                        <a:rPr lang="en-US" altLang="ko-KR" sz="1600" dirty="0">
+                          <a:solidFill>
+                            <a:schemeClr val="tx1"/>
+                          </a:solidFill>
+                        </a:rPr>
+                        <a:t>B</a:t>
+                      </a:r>
+                      <a:endParaRPr lang="ko-KR" altLang="en-US" sz="1600" dirty="0">
+                        <a:solidFill>
+                          <a:schemeClr val="tx1"/>
+                        </a:solidFill>
+                      </a:endParaRPr>
+                    </a:p>
+                  </a:txBody>
+                  <a:tcPr/>
+                </a:tc>
+                <a:tc>
+                  <a:txBody>
+                    <a:bodyPr/>
+                    <a:lstStyle/>
+                    <a:p>
+                      <a:pPr marL="0" marR="0" lvl="0" indent="0" algn="l" defTabSz="914400" rtl="0" eaLnBrk="1" fontAlgn="auto" latinLnBrk="1" hangingPunct="1">
+                        <a:lnSpc>
+                          <a:spcPct val="100000"/>
+                        </a:lnSpc>
+                        <a:spcBef>
+                          <a:spcPts val="0"/>
+                        </a:spcBef>
+                        <a:spcAft>
+                          <a:spcPts val="0"/>
+                        </a:spcAft>
+                        <a:buClrTx/>
+                        <a:buSzTx/>
+                        <a:buFontTx/>
+                        <a:buNone/>
+                        <a:tabLst/>
+                        <a:defRPr/>
+                      </a:pPr>
+                      <a:r>
+                        <a:rPr lang="en-US" altLang="ko-KR" sz="1200" dirty="0"/>
+                        <a:t>AD217002</a:t>
+                      </a:r>
+                      <a:endParaRPr lang="ko-KR" altLang="en-US" sz="1200" dirty="0">
+                        <a:highlight>
+                          <a:srgbClr val="FFFF00"/>
+                        </a:highlight>
+                      </a:endParaRPr>
+                    </a:p>
+                  </a:txBody>
+                  <a:tcPr/>
+                </a:tc>
+                <a:tc>
+                  <a:txBody>
+                    <a:bodyPr/>
+                    <a:lstStyle/>
+                    <a:p>
+                      <a:pPr latinLnBrk="1"/>
+                      <a:r>
+                        <a:rPr lang="ko-KR" altLang="en-US" u="none" dirty="0"/>
+                        <a:t>품목</a:t>
+                      </a:r>
+                      <a:r>
+                        <a:rPr lang="en-US" altLang="ko-KR" u="none" dirty="0"/>
+                        <a:t>B</a:t>
+                      </a:r>
+                      <a:endParaRPr lang="ko-KR" altLang="en-US" u="none" dirty="0"/>
+                    </a:p>
+                  </a:txBody>
+                  <a:tcPr/>
+                </a:tc>
+                <a:tc>
+                  <a:txBody>
+                    <a:bodyPr/>
+                    <a:lstStyle/>
+                    <a:p>
+                      <a:pPr marL="0" marR="0" lvl="0" indent="0" algn="l" defTabSz="914400" rtl="0" eaLnBrk="1" fontAlgn="auto" latinLnBrk="1" hangingPunct="1">
+                        <a:lnSpc>
+                          <a:spcPct val="100000"/>
+                        </a:lnSpc>
+                        <a:spcBef>
+                          <a:spcPts val="0"/>
+                        </a:spcBef>
+                        <a:spcAft>
+                          <a:spcPts val="0"/>
+                        </a:spcAft>
+                        <a:buClrTx/>
+                        <a:buSzTx/>
+                        <a:buFontTx/>
+                        <a:buNone/>
+                        <a:tabLst/>
+                        <a:defRPr/>
+                      </a:pPr>
+                      <a:r>
+                        <a:rPr kumimoji="0" lang="en-US" altLang="ko-KR" sz="1600" b="0" i="0" u="none" strike="noStrike" kern="1200" cap="none" spc="0" normalizeH="0" baseline="0" noProof="0" dirty="0">
+                          <a:ln>
+                            <a:noFill/>
+                          </a:ln>
+                          <a:solidFill>
+                            <a:prstClr val="black"/>
+                          </a:solidFill>
+                          <a:effectLst/>
+                          <a:uLnTx/>
+                          <a:uFillTx/>
+                          <a:latin typeface="맑은 고딕" panose="020F0502020204030204"/>
+                          <a:ea typeface="맑은 고딕" panose="020B0503020000020004" pitchFamily="50" charset="-127"/>
+                          <a:cs typeface="+mn-cs"/>
+                        </a:rPr>
+                        <a:t>2025.10.20</a:t>
+                      </a:r>
+                      <a:r>
+                        <a:rPr kumimoji="0" lang="ko-KR" altLang="en-US" sz="1600" b="0" i="0" u="none" strike="noStrike" kern="1200" cap="none" spc="0" normalizeH="0" baseline="0" noProof="0" dirty="0">
+                          <a:ln>
+                            <a:noFill/>
+                          </a:ln>
+                          <a:solidFill>
+                            <a:prstClr val="black"/>
+                          </a:solidFill>
+                          <a:effectLst/>
+                          <a:uLnTx/>
+                          <a:uFillTx/>
+                          <a:latin typeface="맑은 고딕" panose="020F0502020204030204"/>
+                          <a:ea typeface="맑은 고딕" panose="020B0503020000020004" pitchFamily="50" charset="-127"/>
+                          <a:cs typeface="+mn-cs"/>
+                        </a:rPr>
+                        <a:t>  </a:t>
+                      </a:r>
+                      <a:endParaRPr kumimoji="0" lang="en-US" altLang="ko-KR" sz="1600" b="0" i="0" u="none" strike="noStrike" kern="1200" cap="none" spc="0" normalizeH="0" baseline="0" noProof="0" dirty="0">
+                        <a:ln>
+                          <a:noFill/>
+                        </a:ln>
+                        <a:solidFill>
+                          <a:prstClr val="black"/>
+                        </a:solidFill>
+                        <a:effectLst/>
+                        <a:uLnTx/>
+                        <a:uFillTx/>
+                        <a:latin typeface="맑은 고딕" panose="020F0502020204030204"/>
+                        <a:ea typeface="맑은 고딕" panose="020B0503020000020004" pitchFamily="50" charset="-127"/>
+                        <a:cs typeface="+mn-cs"/>
+                      </a:endParaRPr>
+                    </a:p>
+                  </a:txBody>
+                  <a:tcPr/>
+                </a:tc>
+                <a:tc>
+                  <a:txBody>
+                    <a:bodyPr/>
+                    <a:lstStyle/>
+                    <a:p>
                       <a:pPr algn="l" latinLnBrk="1"/>
+                      <a:r>
+                        <a:rPr lang="en-US" altLang="ko-KR" dirty="0"/>
+                        <a:t>30</a:t>
+                      </a:r>
                       <a:endParaRPr lang="ko-KR" altLang="en-US" dirty="0"/>
                     </a:p>
                   </a:txBody>
@@ -10546,63 +12318,11 @@
                     <a:bodyPr/>
                     <a:lstStyle/>
                     <a:p>
-                      <a:pPr algn="l" latinLnBrk="1"/>
-                      <a:endParaRPr lang="ko-KR" altLang="en-US" dirty="0"/>
-                    </a:p>
-                  </a:txBody>
-                  <a:tcPr/>
-                </a:tc>
-                <a:tc>
-                  <a:txBody>
-                    <a:bodyPr/>
-                    <a:lstStyle/>
-                    <a:p>
-                      <a:pPr algn="l" latinLnBrk="1"/>
-                      <a:endParaRPr lang="ko-KR" altLang="en-US" dirty="0"/>
-                    </a:p>
-                  </a:txBody>
-                  <a:tcPr/>
-                </a:tc>
-                <a:tc>
-                  <a:txBody>
-                    <a:bodyPr/>
-                    <a:lstStyle/>
-                    <a:p>
-                      <a:pPr algn="l" latinLnBrk="1"/>
-                      <a:endParaRPr lang="ko-KR" altLang="en-US" dirty="0"/>
-                    </a:p>
-                  </a:txBody>
-                  <a:tcPr/>
-                </a:tc>
-                <a:tc>
-                  <a:txBody>
-                    <a:bodyPr/>
-                    <a:lstStyle/>
-                    <a:p>
-                      <a:pPr algn="l" latinLnBrk="1"/>
-                      <a:endParaRPr lang="ko-KR" altLang="en-US"/>
-                    </a:p>
-                  </a:txBody>
-                  <a:tcPr/>
-                </a:tc>
-                <a:tc>
-                  <a:txBody>
-                    <a:bodyPr/>
-                    <a:lstStyle/>
-                    <a:p>
-                      <a:pPr algn="l" latinLnBrk="1"/>
-                      <a:endParaRPr lang="ko-KR" altLang="en-US"/>
-                    </a:p>
-                  </a:txBody>
-                  <a:tcPr/>
-                </a:tc>
-                <a:tc>
-                  <a:txBody>
-                    <a:bodyPr/>
-                    <a:lstStyle/>
-                    <a:p>
-                      <a:pPr algn="l" latinLnBrk="1"/>
-                      <a:endParaRPr lang="ko-KR" altLang="en-US" dirty="0"/>
+                      <a:pPr latinLnBrk="1"/>
+                      <a:r>
+                        <a:rPr lang="ko-KR" altLang="en-US" sz="1600" dirty="0"/>
+                        <a:t>자동차</a:t>
+                      </a:r>
                     </a:p>
                   </a:txBody>
                   <a:tcPr/>
@@ -10630,7 +12350,217 @@
                     <a:bodyPr/>
                     <a:lstStyle/>
                     <a:p>
+                      <a:pPr latinLnBrk="1"/>
+                      <a:r>
+                        <a:rPr lang="en-US" altLang="ko-KR" sz="1200" u="sng" dirty="0"/>
+                        <a:t>LOT-yyyyMMdd-003</a:t>
+                      </a:r>
+                      <a:endParaRPr lang="ko-KR" altLang="en-US" sz="1200" dirty="0"/>
+                    </a:p>
+                  </a:txBody>
+                  <a:tcPr/>
+                </a:tc>
+                <a:tc>
+                  <a:txBody>
+                    <a:bodyPr/>
+                    <a:lstStyle/>
+                    <a:p>
+                      <a:pPr marL="0" marR="0" lvl="0" indent="0" algn="l" defTabSz="914400" rtl="0" eaLnBrk="1" fontAlgn="auto" latinLnBrk="1" hangingPunct="1">
+                        <a:lnSpc>
+                          <a:spcPct val="100000"/>
+                        </a:lnSpc>
+                        <a:spcBef>
+                          <a:spcPts val="0"/>
+                        </a:spcBef>
+                        <a:spcAft>
+                          <a:spcPts val="0"/>
+                        </a:spcAft>
+                        <a:buClrTx/>
+                        <a:buSzTx/>
+                        <a:buFontTx/>
+                        <a:buNone/>
+                        <a:tabLst/>
+                        <a:defRPr/>
+                      </a:pPr>
+                      <a:r>
+                        <a:rPr lang="ko-KR" altLang="en-US" sz="1600" dirty="0">
+                          <a:solidFill>
+                            <a:schemeClr val="tx1"/>
+                          </a:solidFill>
+                        </a:rPr>
+                        <a:t>거래처 </a:t>
+                      </a:r>
+                      <a:r>
+                        <a:rPr lang="en-US" altLang="ko-KR" sz="1600" dirty="0">
+                          <a:solidFill>
+                            <a:schemeClr val="tx1"/>
+                          </a:solidFill>
+                        </a:rPr>
+                        <a:t>C</a:t>
+                      </a:r>
+                      <a:endParaRPr lang="ko-KR" altLang="en-US" sz="1600" dirty="0">
+                        <a:solidFill>
+                          <a:schemeClr val="tx1"/>
+                        </a:solidFill>
+                      </a:endParaRPr>
+                    </a:p>
+                  </a:txBody>
+                  <a:tcPr/>
+                </a:tc>
+                <a:tc>
+                  <a:txBody>
+                    <a:bodyPr/>
+                    <a:lstStyle/>
+                    <a:p>
+                      <a:pPr marL="0" marR="0" lvl="0" indent="0" algn="l" defTabSz="914400" rtl="0" eaLnBrk="1" fontAlgn="auto" latinLnBrk="1" hangingPunct="1">
+                        <a:lnSpc>
+                          <a:spcPct val="100000"/>
+                        </a:lnSpc>
+                        <a:spcBef>
+                          <a:spcPts val="0"/>
+                        </a:spcBef>
+                        <a:spcAft>
+                          <a:spcPts val="0"/>
+                        </a:spcAft>
+                        <a:buClrTx/>
+                        <a:buSzTx/>
+                        <a:buFontTx/>
+                        <a:buNone/>
+                        <a:tabLst/>
+                        <a:defRPr/>
+                      </a:pPr>
+                      <a:r>
+                        <a:rPr lang="en-US" altLang="ko-KR" sz="1200" dirty="0"/>
+                        <a:t>AD217005</a:t>
+                      </a:r>
+                      <a:endParaRPr lang="ko-KR" altLang="en-US" sz="1200" dirty="0">
+                        <a:highlight>
+                          <a:srgbClr val="FFFF00"/>
+                        </a:highlight>
+                      </a:endParaRPr>
+                    </a:p>
+                  </a:txBody>
+                  <a:tcPr/>
+                </a:tc>
+                <a:tc>
+                  <a:txBody>
+                    <a:bodyPr/>
+                    <a:lstStyle/>
+                    <a:p>
+                      <a:pPr marL="0" marR="0" lvl="0" indent="0" algn="l" defTabSz="914400" rtl="0" eaLnBrk="1" fontAlgn="auto" latinLnBrk="1" hangingPunct="1">
+                        <a:lnSpc>
+                          <a:spcPct val="100000"/>
+                        </a:lnSpc>
+                        <a:spcBef>
+                          <a:spcPts val="0"/>
+                        </a:spcBef>
+                        <a:spcAft>
+                          <a:spcPts val="0"/>
+                        </a:spcAft>
+                        <a:buClrTx/>
+                        <a:buSzTx/>
+                        <a:buFontTx/>
+                        <a:buNone/>
+                        <a:tabLst/>
+                        <a:defRPr/>
+                      </a:pPr>
+                      <a:r>
+                        <a:rPr lang="ko-KR" altLang="en-US" u="none" dirty="0"/>
+                        <a:t>품목</a:t>
+                      </a:r>
+                      <a:r>
+                        <a:rPr lang="en-US" altLang="ko-KR" u="none" dirty="0"/>
+                        <a:t>C</a:t>
+                      </a:r>
+                      <a:endParaRPr lang="ko-KR" altLang="en-US" u="none" dirty="0"/>
+                    </a:p>
+                  </a:txBody>
+                  <a:tcPr/>
+                </a:tc>
+                <a:tc>
+                  <a:txBody>
+                    <a:bodyPr/>
+                    <a:lstStyle/>
+                    <a:p>
+                      <a:pPr marL="0" marR="0" lvl="0" indent="0" algn="l" defTabSz="914400" rtl="0" eaLnBrk="1" fontAlgn="auto" latinLnBrk="1" hangingPunct="1">
+                        <a:lnSpc>
+                          <a:spcPct val="100000"/>
+                        </a:lnSpc>
+                        <a:spcBef>
+                          <a:spcPts val="0"/>
+                        </a:spcBef>
+                        <a:spcAft>
+                          <a:spcPts val="0"/>
+                        </a:spcAft>
+                        <a:buClrTx/>
+                        <a:buSzTx/>
+                        <a:buFontTx/>
+                        <a:buNone/>
+                        <a:tabLst/>
+                        <a:defRPr/>
+                      </a:pPr>
+                      <a:r>
+                        <a:rPr kumimoji="0" lang="en-US" altLang="ko-KR" sz="1600" b="0" i="0" u="none" strike="noStrike" kern="1200" cap="none" spc="0" normalizeH="0" baseline="0" noProof="0" dirty="0">
+                          <a:ln>
+                            <a:noFill/>
+                          </a:ln>
+                          <a:solidFill>
+                            <a:prstClr val="black"/>
+                          </a:solidFill>
+                          <a:effectLst/>
+                          <a:uLnTx/>
+                          <a:uFillTx/>
+                          <a:latin typeface="맑은 고딕" panose="020F0502020204030204"/>
+                          <a:ea typeface="맑은 고딕" panose="020B0503020000020004" pitchFamily="50" charset="-127"/>
+                          <a:cs typeface="+mn-cs"/>
+                        </a:rPr>
+                        <a:t>2025.10.20</a:t>
+                      </a:r>
+                      <a:r>
+                        <a:rPr kumimoji="0" lang="ko-KR" altLang="en-US" sz="1600" b="0" i="0" u="none" strike="noStrike" kern="1200" cap="none" spc="0" normalizeH="0" baseline="0" noProof="0" dirty="0">
+                          <a:ln>
+                            <a:noFill/>
+                          </a:ln>
+                          <a:solidFill>
+                            <a:prstClr val="black"/>
+                          </a:solidFill>
+                          <a:effectLst/>
+                          <a:uLnTx/>
+                          <a:uFillTx/>
+                          <a:latin typeface="맑은 고딕" panose="020F0502020204030204"/>
+                          <a:ea typeface="맑은 고딕" panose="020B0503020000020004" pitchFamily="50" charset="-127"/>
+                          <a:cs typeface="+mn-cs"/>
+                        </a:rPr>
+                        <a:t>  </a:t>
+                      </a:r>
+                      <a:endParaRPr kumimoji="0" lang="en-US" altLang="ko-KR" sz="1600" b="0" i="0" u="none" strike="noStrike" kern="1200" cap="none" spc="0" normalizeH="0" baseline="0" noProof="0" dirty="0">
+                        <a:ln>
+                          <a:noFill/>
+                        </a:ln>
+                        <a:solidFill>
+                          <a:prstClr val="black"/>
+                        </a:solidFill>
+                        <a:effectLst/>
+                        <a:uLnTx/>
+                        <a:uFillTx/>
+                        <a:latin typeface="맑은 고딕" panose="020F0502020204030204"/>
+                        <a:ea typeface="맑은 고딕" panose="020B0503020000020004" pitchFamily="50" charset="-127"/>
+                        <a:cs typeface="+mn-cs"/>
+                      </a:endParaRPr>
+                    </a:p>
+                  </a:txBody>
+                  <a:tcPr/>
+                </a:tc>
+                <a:tc>
+                  <a:txBody>
+                    <a:bodyPr/>
+                    <a:lstStyle/>
+                    <a:p>
                       <a:pPr algn="l" latinLnBrk="1"/>
+                      <a:r>
+                        <a:rPr lang="en-US" altLang="ko-KR" dirty="0"/>
+                        <a:t>30</a:t>
+                      </a:r>
                       <a:endParaRPr lang="ko-KR" altLang="en-US" dirty="0"/>
                     </a:p>
                   </a:txBody>
@@ -10641,63 +12571,11 @@
                     <a:bodyPr/>
                     <a:lstStyle/>
                     <a:p>
-                      <a:pPr algn="l" latinLnBrk="1"/>
-                      <a:endParaRPr lang="ko-KR" altLang="en-US" dirty="0"/>
-                    </a:p>
-                  </a:txBody>
-                  <a:tcPr/>
-                </a:tc>
-                <a:tc>
-                  <a:txBody>
-                    <a:bodyPr/>
-                    <a:lstStyle/>
-                    <a:p>
-                      <a:pPr algn="l" latinLnBrk="1"/>
-                      <a:endParaRPr lang="ko-KR" altLang="en-US" dirty="0"/>
-                    </a:p>
-                  </a:txBody>
-                  <a:tcPr/>
-                </a:tc>
-                <a:tc>
-                  <a:txBody>
-                    <a:bodyPr/>
-                    <a:lstStyle/>
-                    <a:p>
-                      <a:pPr algn="l" latinLnBrk="1"/>
-                      <a:endParaRPr lang="ko-KR" altLang="en-US" dirty="0"/>
-                    </a:p>
-                  </a:txBody>
-                  <a:tcPr/>
-                </a:tc>
-                <a:tc>
-                  <a:txBody>
-                    <a:bodyPr/>
-                    <a:lstStyle/>
-                    <a:p>
-                      <a:pPr algn="l" latinLnBrk="1"/>
-                      <a:endParaRPr lang="ko-KR" altLang="en-US" dirty="0"/>
-                    </a:p>
-                  </a:txBody>
-                  <a:tcPr/>
-                </a:tc>
-                <a:tc>
-                  <a:txBody>
-                    <a:bodyPr/>
-                    <a:lstStyle/>
-                    <a:p>
-                      <a:pPr algn="l" latinLnBrk="1"/>
-                      <a:endParaRPr lang="ko-KR" altLang="en-US" dirty="0"/>
-                    </a:p>
-                  </a:txBody>
-                  <a:tcPr/>
-                </a:tc>
-                <a:tc>
-                  <a:txBody>
-                    <a:bodyPr/>
-                    <a:lstStyle/>
-                    <a:p>
-                      <a:pPr algn="l" latinLnBrk="1"/>
-                      <a:endParaRPr lang="ko-KR" altLang="en-US" dirty="0"/>
+                      <a:pPr latinLnBrk="1"/>
+                      <a:r>
+                        <a:rPr lang="ko-KR" altLang="en-US" sz="1600" dirty="0"/>
+                        <a:t>조선</a:t>
+                      </a:r>
                     </a:p>
                   </a:txBody>
                   <a:tcPr/>
@@ -11780,67 +13658,6 @@
               <a:rPr lang="ko-KR" altLang="en-US" sz="1600" dirty="0"/>
               <a:t>출고 등록</a:t>
             </a:r>
-          </a:p>
-        </p:txBody>
-      </p:sp>
-      <p:sp>
-        <p:nvSpPr>
-          <p:cNvPr id="20" name="타원 19">
-            <a:extLst>
-              <a:ext uri="{FF2B5EF4-FFF2-40B4-BE49-F238E27FC236}">
-                <a16:creationId xmlns:a16="http://schemas.microsoft.com/office/drawing/2014/main" id="{4B5874AD-CC65-4026-A177-83BC96180666}"/>
-              </a:ext>
-            </a:extLst>
-          </p:cNvPr>
-          <p:cNvSpPr/>
-          <p:nvPr/>
-        </p:nvSpPr>
-        <p:spPr>
-          <a:xfrm>
-            <a:off x="8921970" y="1098293"/>
-            <a:ext cx="244929" cy="224398"/>
-          </a:xfrm>
-          <a:prstGeom prst="ellipse">
-            <a:avLst/>
-          </a:prstGeom>
-          <a:solidFill>
-            <a:srgbClr val="FFFF00"/>
-          </a:solidFill>
-        </p:spPr>
-        <p:style>
-          <a:lnRef idx="2">
-            <a:schemeClr val="accent1">
-              <a:shade val="15000"/>
-            </a:schemeClr>
-          </a:lnRef>
-          <a:fillRef idx="1">
-            <a:schemeClr val="accent1"/>
-          </a:fillRef>
-          <a:effectRef idx="0">
-            <a:schemeClr val="accent1"/>
-          </a:effectRef>
-          <a:fontRef idx="minor">
-            <a:schemeClr val="lt1"/>
-          </a:fontRef>
-        </p:style>
-        <p:txBody>
-          <a:bodyPr rtlCol="0" anchor="ctr"/>
-          <a:lstStyle/>
-          <a:p>
-            <a:pPr algn="ctr"/>
-            <a:r>
-              <a:rPr lang="en-US" altLang="ko-KR" dirty="0">
-                <a:solidFill>
-                  <a:schemeClr val="tx1"/>
-                </a:solidFill>
-              </a:rPr>
-              <a:t>1</a:t>
-            </a:r>
-            <a:endParaRPr lang="ko-KR" altLang="en-US" dirty="0">
-              <a:solidFill>
-                <a:schemeClr val="tx1"/>
-              </a:solidFill>
-            </a:endParaRPr>
           </a:p>
         </p:txBody>
       </p:sp>
@@ -11895,7 +13712,7 @@
                   <a:schemeClr val="tx1"/>
                 </a:solidFill>
               </a:rPr>
-              <a:t>2</a:t>
+              <a:t>1</a:t>
             </a:r>
             <a:endParaRPr lang="ko-KR" altLang="en-US" dirty="0">
               <a:solidFill>
@@ -11956,7 +13773,7 @@
                   <a:schemeClr val="tx1"/>
                 </a:solidFill>
               </a:rPr>
-              <a:t>3</a:t>
+              <a:t>2</a:t>
             </a:r>
             <a:endParaRPr lang="ko-KR" altLang="en-US" dirty="0">
               <a:solidFill>
@@ -12017,7 +13834,7 @@
                   <a:schemeClr val="tx1"/>
                 </a:solidFill>
               </a:rPr>
-              <a:t>4</a:t>
+              <a:t>3</a:t>
             </a:r>
             <a:endParaRPr lang="ko-KR" altLang="en-US" dirty="0">
               <a:solidFill>
@@ -12643,62 +14460,6 @@
       </p:grpSpPr>
       <p:sp>
         <p:nvSpPr>
-          <p:cNvPr id="27" name="직사각형 26">
-            <a:extLst>
-              <a:ext uri="{FF2B5EF4-FFF2-40B4-BE49-F238E27FC236}">
-                <a16:creationId xmlns:a16="http://schemas.microsoft.com/office/drawing/2014/main" id="{3C30E353-F954-48CC-BE8C-69F2C2972A3C}"/>
-              </a:ext>
-            </a:extLst>
-          </p:cNvPr>
-          <p:cNvSpPr/>
-          <p:nvPr/>
-        </p:nvSpPr>
-        <p:spPr>
-          <a:xfrm>
-            <a:off x="8122519" y="643968"/>
-            <a:ext cx="3551433" cy="1158705"/>
-          </a:xfrm>
-          <a:prstGeom prst="rect">
-            <a:avLst/>
-          </a:prstGeom>
-          <a:ln>
-            <a:solidFill>
-              <a:schemeClr val="bg1"/>
-            </a:solidFill>
-          </a:ln>
-        </p:spPr>
-        <p:style>
-          <a:lnRef idx="2">
-            <a:schemeClr val="dk1"/>
-          </a:lnRef>
-          <a:fillRef idx="1">
-            <a:schemeClr val="lt1"/>
-          </a:fillRef>
-          <a:effectRef idx="0">
-            <a:schemeClr val="dk1"/>
-          </a:effectRef>
-          <a:fontRef idx="minor">
-            <a:schemeClr val="dk1"/>
-          </a:fontRef>
-        </p:style>
-        <p:txBody>
-          <a:bodyPr rtlCol="0" anchor="ctr"/>
-          <a:lstStyle/>
-          <a:p>
-            <a:pPr algn="ctr"/>
-            <a:r>
-              <a:rPr lang="ko-KR" altLang="en-US" sz="2000" dirty="0"/>
-              <a:t> </a:t>
-            </a:r>
-            <a:r>
-              <a:rPr lang="en-US" altLang="ko-KR" sz="2000" dirty="0"/>
-              <a:t>2025.10.08</a:t>
-            </a:r>
-          </a:p>
-        </p:txBody>
-      </p:sp>
-      <p:sp>
-        <p:nvSpPr>
           <p:cNvPr id="4" name="직사각형 3">
             <a:extLst>
               <a:ext uri="{FF2B5EF4-FFF2-40B4-BE49-F238E27FC236}">
@@ -12765,14 +14526,14 @@
           <p:nvPr>
             <p:extLst>
               <p:ext uri="{D42A27DB-BD31-4B8C-83A1-F6EECF244321}">
-                <p14:modId xmlns:p14="http://schemas.microsoft.com/office/powerpoint/2010/main" val="1543694984"/>
+                <p14:modId xmlns:p14="http://schemas.microsoft.com/office/powerpoint/2010/main" val="931134765"/>
               </p:ext>
             </p:extLst>
           </p:nvPr>
         </p:nvGraphicFramePr>
         <p:xfrm>
           <a:off x="716999" y="2116182"/>
-          <a:ext cx="10126011" cy="3675016"/>
+          <a:ext cx="10126011" cy="3794759"/>
         </p:xfrm>
         <a:graphic>
           <a:graphicData uri="http://schemas.openxmlformats.org/drawingml/2006/table">
@@ -12961,7 +14722,11 @@
                     <a:lstStyle/>
                     <a:p>
                       <a:pPr latinLnBrk="1"/>
-                      <a:endParaRPr lang="ko-KR" altLang="en-US" dirty="0"/>
+                      <a:r>
+                        <a:rPr lang="en-US" altLang="ko-KR" sz="1200" dirty="0"/>
+                        <a:t>RW-20251020-001</a:t>
+                      </a:r>
+                      <a:endParaRPr lang="ko-KR" altLang="en-US" sz="1200" dirty="0"/>
                     </a:p>
                   </a:txBody>
                   <a:tcPr/>
@@ -12972,7 +14737,27 @@
                     <a:lstStyle/>
                     <a:p>
                       <a:pPr latinLnBrk="1"/>
-                      <a:endParaRPr lang="ko-KR" altLang="en-US" dirty="0"/>
+                      <a:r>
+                        <a:rPr lang="ko-KR" altLang="en-US" sz="1600" dirty="0">
+                          <a:solidFill>
+                            <a:schemeClr val="tx1"/>
+                          </a:solidFill>
+                        </a:rPr>
+                        <a:t>거래처 </a:t>
+                      </a:r>
+                      <a:r>
+                        <a:rPr lang="en-US" altLang="ko-KR" sz="1600" dirty="0">
+                          <a:solidFill>
+                            <a:schemeClr val="tx1"/>
+                          </a:solidFill>
+                        </a:rPr>
+                        <a:t>A</a:t>
+                      </a:r>
+                      <a:endParaRPr lang="ko-KR" altLang="en-US" sz="1600" dirty="0">
+                        <a:solidFill>
+                          <a:schemeClr val="tx1"/>
+                        </a:solidFill>
+                      </a:endParaRPr>
                     </a:p>
                   </a:txBody>
                   <a:tcPr/>
@@ -12983,7 +14768,11 @@
                     <a:lstStyle/>
                     <a:p>
                       <a:pPr latinLnBrk="1"/>
-                      <a:endParaRPr lang="ko-KR" altLang="en-US" dirty="0"/>
+                      <a:r>
+                        <a:rPr lang="en-US" altLang="ko-KR" sz="1200" dirty="0"/>
+                        <a:t>AD217000</a:t>
+                      </a:r>
+                      <a:endParaRPr lang="ko-KR" altLang="en-US" sz="1200" dirty="0"/>
                     </a:p>
                   </a:txBody>
                   <a:tcPr/>
@@ -12994,7 +14783,15 @@
                     <a:lstStyle/>
                     <a:p>
                       <a:pPr latinLnBrk="1"/>
-                      <a:endParaRPr lang="ko-KR" altLang="en-US" dirty="0"/>
+                      <a:r>
+                        <a:rPr lang="ko-KR" altLang="en-US" u="sng" dirty="0"/>
+                        <a:t>품목</a:t>
+                      </a:r>
+                      <a:r>
+                        <a:rPr lang="en-US" altLang="ko-KR" u="sng" dirty="0"/>
+                        <a:t>A</a:t>
+                      </a:r>
+                      <a:endParaRPr lang="ko-KR" altLang="en-US" u="sng" dirty="0"/>
                     </a:p>
                   </a:txBody>
                   <a:tcPr/>
@@ -13051,7 +14848,10 @@
                     <a:lstStyle/>
                     <a:p>
                       <a:pPr latinLnBrk="1"/>
-                      <a:endParaRPr lang="ko-KR" altLang="en-US" dirty="0"/>
+                      <a:r>
+                        <a:rPr lang="ko-KR" altLang="en-US" sz="1600" dirty="0"/>
+                        <a:t>방산</a:t>
+                      </a:r>
                     </a:p>
                   </a:txBody>
                   <a:tcPr/>
@@ -13083,6 +14883,163 @@
                     <a:bodyPr/>
                     <a:lstStyle/>
                     <a:p>
+                      <a:pPr marL="0" marR="0" lvl="0" indent="0" algn="l" defTabSz="914400" rtl="0" eaLnBrk="1" fontAlgn="auto" latinLnBrk="1" hangingPunct="1">
+                        <a:lnSpc>
+                          <a:spcPct val="100000"/>
+                        </a:lnSpc>
+                        <a:spcBef>
+                          <a:spcPts val="0"/>
+                        </a:spcBef>
+                        <a:spcAft>
+                          <a:spcPts val="0"/>
+                        </a:spcAft>
+                        <a:buClrTx/>
+                        <a:buSzTx/>
+                        <a:buFontTx/>
+                        <a:buNone/>
+                        <a:tabLst/>
+                        <a:defRPr/>
+                      </a:pPr>
+                      <a:r>
+                        <a:rPr kumimoji="0" lang="en-US" altLang="ko-KR" sz="1200" b="0" i="0" u="none" strike="noStrike" kern="1200" cap="none" spc="0" normalizeH="0" baseline="0" noProof="0" dirty="0">
+                          <a:ln>
+                            <a:noFill/>
+                          </a:ln>
+                          <a:solidFill>
+                            <a:prstClr val="black"/>
+                          </a:solidFill>
+                          <a:effectLst/>
+                          <a:uLnTx/>
+                          <a:uFillTx/>
+                          <a:latin typeface="맑은 고딕" panose="020F0502020204030204"/>
+                          <a:ea typeface="맑은 고딕" panose="020B0503020000020004" pitchFamily="50" charset="-127"/>
+                          <a:cs typeface="+mn-cs"/>
+                        </a:rPr>
+                        <a:t>RW-20251020-002</a:t>
+                      </a:r>
+                      <a:endParaRPr kumimoji="0" lang="ko-KR" altLang="en-US" sz="1200" b="0" i="0" u="none" strike="noStrike" kern="1200" cap="none" spc="0" normalizeH="0" baseline="0" noProof="0" dirty="0">
+                        <a:ln>
+                          <a:noFill/>
+                        </a:ln>
+                        <a:solidFill>
+                          <a:prstClr val="black"/>
+                        </a:solidFill>
+                        <a:effectLst/>
+                        <a:uLnTx/>
+                        <a:uFillTx/>
+                        <a:latin typeface="맑은 고딕" panose="020F0502020204030204"/>
+                        <a:ea typeface="맑은 고딕" panose="020B0503020000020004" pitchFamily="50" charset="-127"/>
+                        <a:cs typeface="+mn-cs"/>
+                      </a:endParaRPr>
+                    </a:p>
+                  </a:txBody>
+                  <a:tcPr/>
+                </a:tc>
+                <a:tc>
+                  <a:txBody>
+                    <a:bodyPr/>
+                    <a:lstStyle/>
+                    <a:p>
+                      <a:pPr latinLnBrk="1"/>
+                      <a:r>
+                        <a:rPr lang="ko-KR" altLang="en-US" sz="1600" dirty="0">
+                          <a:solidFill>
+                            <a:schemeClr val="tx1"/>
+                          </a:solidFill>
+                        </a:rPr>
+                        <a:t>거래처 </a:t>
+                      </a:r>
+                      <a:r>
+                        <a:rPr lang="en-US" altLang="ko-KR" sz="1600" dirty="0">
+                          <a:solidFill>
+                            <a:schemeClr val="tx1"/>
+                          </a:solidFill>
+                        </a:rPr>
+                        <a:t>B</a:t>
+                      </a:r>
+                      <a:endParaRPr lang="ko-KR" altLang="en-US" sz="1600" dirty="0">
+                        <a:solidFill>
+                          <a:schemeClr val="tx1"/>
+                        </a:solidFill>
+                      </a:endParaRPr>
+                    </a:p>
+                  </a:txBody>
+                  <a:tcPr/>
+                </a:tc>
+                <a:tc>
+                  <a:txBody>
+                    <a:bodyPr/>
+                    <a:lstStyle/>
+                    <a:p>
+                      <a:pPr marL="0" marR="0" lvl="0" indent="0" algn="l" defTabSz="914400" rtl="0" eaLnBrk="1" fontAlgn="auto" latinLnBrk="1" hangingPunct="1">
+                        <a:lnSpc>
+                          <a:spcPct val="100000"/>
+                        </a:lnSpc>
+                        <a:spcBef>
+                          <a:spcPts val="0"/>
+                        </a:spcBef>
+                        <a:spcAft>
+                          <a:spcPts val="0"/>
+                        </a:spcAft>
+                        <a:buClrTx/>
+                        <a:buSzTx/>
+                        <a:buFontTx/>
+                        <a:buNone/>
+                        <a:tabLst/>
+                        <a:defRPr/>
+                      </a:pPr>
+                      <a:r>
+                        <a:rPr lang="en-US" altLang="ko-KR" sz="1200" dirty="0"/>
+                        <a:t>AD217002</a:t>
+                      </a:r>
+                      <a:endParaRPr lang="ko-KR" altLang="en-US" sz="1200" dirty="0">
+                        <a:highlight>
+                          <a:srgbClr val="FFFF00"/>
+                        </a:highlight>
+                      </a:endParaRPr>
+                    </a:p>
+                  </a:txBody>
+                  <a:tcPr/>
+                </a:tc>
+                <a:tc>
+                  <a:txBody>
+                    <a:bodyPr/>
+                    <a:lstStyle/>
+                    <a:p>
+                      <a:pPr latinLnBrk="1"/>
+                      <a:r>
+                        <a:rPr lang="ko-KR" altLang="en-US" u="sng" dirty="0"/>
+                        <a:t>품목</a:t>
+                      </a:r>
+                      <a:r>
+                        <a:rPr lang="en-US" altLang="ko-KR" u="sng" dirty="0"/>
+                        <a:t>B</a:t>
+                      </a:r>
+                      <a:endParaRPr lang="ko-KR" altLang="en-US" u="sng" dirty="0"/>
+                    </a:p>
+                  </a:txBody>
+                  <a:tcPr/>
+                </a:tc>
+                <a:tc>
+                  <a:txBody>
+                    <a:bodyPr/>
+                    <a:lstStyle/>
+                    <a:p>
+                      <a:pPr latinLnBrk="1"/>
+                      <a:r>
+                        <a:rPr lang="en-US" altLang="ko-KR" dirty="0"/>
+                        <a:t>30</a:t>
+                      </a:r>
+                      <a:endParaRPr lang="ko-KR" altLang="en-US" dirty="0"/>
+                    </a:p>
+                  </a:txBody>
+                  <a:tcPr/>
+                </a:tc>
+                <a:tc>
+                  <a:txBody>
+                    <a:bodyPr/>
+                    <a:lstStyle/>
+                    <a:p>
                       <a:pPr latinLnBrk="1"/>
                       <a:endParaRPr lang="ko-KR" altLang="en-US" dirty="0"/>
                     </a:p>
@@ -13095,7 +15052,10 @@
                     <a:lstStyle/>
                     <a:p>
                       <a:pPr latinLnBrk="1"/>
-                      <a:endParaRPr lang="ko-KR" altLang="en-US" dirty="0"/>
+                      <a:r>
+                        <a:rPr lang="ko-KR" altLang="en-US" sz="1600" dirty="0"/>
+                        <a:t>자동차</a:t>
+                      </a:r>
                     </a:p>
                   </a:txBody>
                   <a:tcPr/>
@@ -13106,62 +15066,7 @@
                     <a:lstStyle/>
                     <a:p>
                       <a:pPr latinLnBrk="1"/>
-                      <a:endParaRPr lang="ko-KR" altLang="en-US" dirty="0"/>
-                    </a:p>
-                  </a:txBody>
-                  <a:tcPr/>
-                </a:tc>
-                <a:tc>
-                  <a:txBody>
-                    <a:bodyPr/>
-                    <a:lstStyle/>
-                    <a:p>
-                      <a:pPr latinLnBrk="1"/>
-                      <a:endParaRPr lang="ko-KR" altLang="en-US" dirty="0"/>
-                    </a:p>
-                  </a:txBody>
-                  <a:tcPr/>
-                </a:tc>
-                <a:tc>
-                  <a:txBody>
-                    <a:bodyPr/>
-                    <a:lstStyle/>
-                    <a:p>
-                      <a:pPr latinLnBrk="1"/>
-                      <a:endParaRPr lang="ko-KR" altLang="en-US" dirty="0"/>
-                    </a:p>
-                  </a:txBody>
-                  <a:tcPr/>
-                </a:tc>
-                <a:tc>
-                  <a:txBody>
-                    <a:bodyPr/>
-                    <a:lstStyle/>
-                    <a:p>
-                      <a:pPr latinLnBrk="1"/>
-                      <a:endParaRPr lang="ko-KR" altLang="en-US" dirty="0"/>
-                    </a:p>
-                  </a:txBody>
-                  <a:tcPr/>
-                </a:tc>
-                <a:tc>
-                  <a:txBody>
-                    <a:bodyPr/>
-                    <a:lstStyle/>
-                    <a:p>
-                      <a:pPr latinLnBrk="1"/>
-                      <a:endParaRPr lang="ko-KR" altLang="en-US"/>
-                    </a:p>
-                  </a:txBody>
-                  <a:tcPr/>
-                </a:tc>
-                <a:tc>
-                  <a:txBody>
-                    <a:bodyPr/>
-                    <a:lstStyle/>
-                    <a:p>
-                      <a:pPr latinLnBrk="1"/>
-                      <a:endParaRPr lang="ko-KR" altLang="en-US">
+                      <a:endParaRPr lang="ko-KR" altLang="en-US" dirty="0">
                         <a:highlight>
                           <a:srgbClr val="FFFF00"/>
                         </a:highlight>
@@ -13182,6 +15087,195 @@
                     <a:bodyPr/>
                     <a:lstStyle/>
                     <a:p>
+                      <a:pPr marL="0" marR="0" lvl="0" indent="0" algn="l" defTabSz="914400" rtl="0" eaLnBrk="1" fontAlgn="auto" latinLnBrk="1" hangingPunct="1">
+                        <a:lnSpc>
+                          <a:spcPct val="100000"/>
+                        </a:lnSpc>
+                        <a:spcBef>
+                          <a:spcPts val="0"/>
+                        </a:spcBef>
+                        <a:spcAft>
+                          <a:spcPts val="0"/>
+                        </a:spcAft>
+                        <a:buClrTx/>
+                        <a:buSzTx/>
+                        <a:buFontTx/>
+                        <a:buNone/>
+                        <a:tabLst/>
+                        <a:defRPr/>
+                      </a:pPr>
+                      <a:r>
+                        <a:rPr kumimoji="0" lang="en-US" altLang="ko-KR" sz="1200" b="0" i="0" u="none" strike="noStrike" kern="1200" cap="none" spc="0" normalizeH="0" baseline="0" noProof="0" dirty="0">
+                          <a:ln>
+                            <a:noFill/>
+                          </a:ln>
+                          <a:solidFill>
+                            <a:prstClr val="black"/>
+                          </a:solidFill>
+                          <a:effectLst/>
+                          <a:uLnTx/>
+                          <a:uFillTx/>
+                          <a:latin typeface="맑은 고딕" panose="020F0502020204030204"/>
+                          <a:ea typeface="맑은 고딕" panose="020B0503020000020004" pitchFamily="50" charset="-127"/>
+                          <a:cs typeface="+mn-cs"/>
+                        </a:rPr>
+                        <a:t>RW-20251020-003</a:t>
+                      </a:r>
+                      <a:endParaRPr kumimoji="0" lang="ko-KR" altLang="en-US" sz="1200" b="0" i="0" u="none" strike="noStrike" kern="1200" cap="none" spc="0" normalizeH="0" baseline="0" noProof="0" dirty="0">
+                        <a:ln>
+                          <a:noFill/>
+                        </a:ln>
+                        <a:solidFill>
+                          <a:prstClr val="black"/>
+                        </a:solidFill>
+                        <a:effectLst/>
+                        <a:uLnTx/>
+                        <a:uFillTx/>
+                        <a:latin typeface="맑은 고딕" panose="020F0502020204030204"/>
+                        <a:ea typeface="맑은 고딕" panose="020B0503020000020004" pitchFamily="50" charset="-127"/>
+                        <a:cs typeface="+mn-cs"/>
+                      </a:endParaRPr>
+                    </a:p>
+                  </a:txBody>
+                  <a:tcPr/>
+                </a:tc>
+                <a:tc>
+                  <a:txBody>
+                    <a:bodyPr/>
+                    <a:lstStyle/>
+                    <a:p>
+                      <a:pPr marL="0" marR="0" lvl="0" indent="0" algn="l" defTabSz="914400" rtl="0" eaLnBrk="1" fontAlgn="auto" latinLnBrk="1" hangingPunct="1">
+                        <a:lnSpc>
+                          <a:spcPct val="100000"/>
+                        </a:lnSpc>
+                        <a:spcBef>
+                          <a:spcPts val="0"/>
+                        </a:spcBef>
+                        <a:spcAft>
+                          <a:spcPts val="0"/>
+                        </a:spcAft>
+                        <a:buClrTx/>
+                        <a:buSzTx/>
+                        <a:buFontTx/>
+                        <a:buNone/>
+                        <a:tabLst/>
+                        <a:defRPr/>
+                      </a:pPr>
+                      <a:r>
+                        <a:rPr lang="ko-KR" altLang="en-US" sz="1600" dirty="0">
+                          <a:solidFill>
+                            <a:schemeClr val="tx1"/>
+                          </a:solidFill>
+                        </a:rPr>
+                        <a:t>거래처 </a:t>
+                      </a:r>
+                      <a:r>
+                        <a:rPr lang="en-US" altLang="ko-KR" sz="1600" dirty="0">
+                          <a:solidFill>
+                            <a:schemeClr val="tx1"/>
+                          </a:solidFill>
+                        </a:rPr>
+                        <a:t>C</a:t>
+                      </a:r>
+                      <a:endParaRPr lang="ko-KR" altLang="en-US" sz="1600" dirty="0">
+                        <a:solidFill>
+                          <a:schemeClr val="tx1"/>
+                        </a:solidFill>
+                      </a:endParaRPr>
+                    </a:p>
+                  </a:txBody>
+                  <a:tcPr/>
+                </a:tc>
+                <a:tc>
+                  <a:txBody>
+                    <a:bodyPr/>
+                    <a:lstStyle/>
+                    <a:p>
+                      <a:pPr marL="0" marR="0" lvl="0" indent="0" algn="l" defTabSz="914400" rtl="0" eaLnBrk="1" fontAlgn="auto" latinLnBrk="1" hangingPunct="1">
+                        <a:lnSpc>
+                          <a:spcPct val="100000"/>
+                        </a:lnSpc>
+                        <a:spcBef>
+                          <a:spcPts val="0"/>
+                        </a:spcBef>
+                        <a:spcAft>
+                          <a:spcPts val="0"/>
+                        </a:spcAft>
+                        <a:buClrTx/>
+                        <a:buSzTx/>
+                        <a:buFontTx/>
+                        <a:buNone/>
+                        <a:tabLst/>
+                        <a:defRPr/>
+                      </a:pPr>
+                      <a:r>
+                        <a:rPr lang="en-US" altLang="ko-KR" sz="1200" dirty="0"/>
+                        <a:t>AD217005</a:t>
+                      </a:r>
+                      <a:endParaRPr lang="ko-KR" altLang="en-US" sz="1200" dirty="0">
+                        <a:highlight>
+                          <a:srgbClr val="FFFF00"/>
+                        </a:highlight>
+                      </a:endParaRPr>
+                    </a:p>
+                  </a:txBody>
+                  <a:tcPr/>
+                </a:tc>
+                <a:tc>
+                  <a:txBody>
+                    <a:bodyPr/>
+                    <a:lstStyle/>
+                    <a:p>
+                      <a:pPr marL="0" marR="0" lvl="0" indent="0" algn="l" defTabSz="914400" rtl="0" eaLnBrk="1" fontAlgn="auto" latinLnBrk="1" hangingPunct="1">
+                        <a:lnSpc>
+                          <a:spcPct val="100000"/>
+                        </a:lnSpc>
+                        <a:spcBef>
+                          <a:spcPts val="0"/>
+                        </a:spcBef>
+                        <a:spcAft>
+                          <a:spcPts val="0"/>
+                        </a:spcAft>
+                        <a:buClrTx/>
+                        <a:buSzTx/>
+                        <a:buFontTx/>
+                        <a:buNone/>
+                        <a:tabLst/>
+                        <a:defRPr/>
+                      </a:pPr>
+                      <a:r>
+                        <a:rPr lang="ko-KR" altLang="en-US" u="sng" dirty="0"/>
+                        <a:t>품목</a:t>
+                      </a:r>
+                      <a:r>
+                        <a:rPr lang="en-US" altLang="ko-KR" u="sng" dirty="0"/>
+                        <a:t>C</a:t>
+                      </a:r>
+                      <a:endParaRPr lang="ko-KR" altLang="en-US" u="sng" dirty="0"/>
+                    </a:p>
+                  </a:txBody>
+                  <a:tcPr/>
+                </a:tc>
+                <a:tc>
+                  <a:txBody>
+                    <a:bodyPr/>
+                    <a:lstStyle/>
+                    <a:p>
+                      <a:pPr latinLnBrk="1"/>
+                      <a:r>
+                        <a:rPr lang="en-US" altLang="ko-KR" dirty="0"/>
+                        <a:t>30</a:t>
+                      </a:r>
+                      <a:endParaRPr lang="ko-KR" altLang="en-US" dirty="0"/>
+                    </a:p>
+                  </a:txBody>
+                  <a:tcPr/>
+                </a:tc>
+                <a:tc>
+                  <a:txBody>
+                    <a:bodyPr/>
+                    <a:lstStyle/>
+                    <a:p>
                       <a:pPr latinLnBrk="1"/>
                       <a:endParaRPr lang="ko-KR" altLang="en-US" dirty="0"/>
                     </a:p>
@@ -13194,62 +15288,10 @@
                     <a:lstStyle/>
                     <a:p>
                       <a:pPr latinLnBrk="1"/>
-                      <a:endParaRPr lang="ko-KR" altLang="en-US" dirty="0"/>
-                    </a:p>
-                  </a:txBody>
-                  <a:tcPr/>
-                </a:tc>
-                <a:tc>
-                  <a:txBody>
-                    <a:bodyPr/>
-                    <a:lstStyle/>
-                    <a:p>
-                      <a:pPr latinLnBrk="1"/>
-                      <a:endParaRPr lang="ko-KR" altLang="en-US" dirty="0"/>
-                    </a:p>
-                  </a:txBody>
-                  <a:tcPr/>
-                </a:tc>
-                <a:tc>
-                  <a:txBody>
-                    <a:bodyPr/>
-                    <a:lstStyle/>
-                    <a:p>
-                      <a:pPr latinLnBrk="1"/>
-                      <a:endParaRPr lang="ko-KR" altLang="en-US" dirty="0"/>
-                    </a:p>
-                  </a:txBody>
-                  <a:tcPr/>
-                </a:tc>
-                <a:tc>
-                  <a:txBody>
-                    <a:bodyPr/>
-                    <a:lstStyle/>
-                    <a:p>
-                      <a:pPr latinLnBrk="1"/>
-                      <a:endParaRPr lang="ko-KR" altLang="en-US" dirty="0"/>
-                    </a:p>
-                  </a:txBody>
-                  <a:tcPr/>
-                </a:tc>
-                <a:tc>
-                  <a:txBody>
-                    <a:bodyPr/>
-                    <a:lstStyle/>
-                    <a:p>
-                      <a:pPr latinLnBrk="1"/>
-                      <a:endParaRPr lang="ko-KR" altLang="en-US" dirty="0"/>
-                    </a:p>
-                  </a:txBody>
-                  <a:tcPr/>
-                </a:tc>
-                <a:tc>
-                  <a:txBody>
-                    <a:bodyPr/>
-                    <a:lstStyle/>
-                    <a:p>
-                      <a:pPr latinLnBrk="1"/>
-                      <a:endParaRPr lang="ko-KR" altLang="en-US" dirty="0"/>
+                      <a:r>
+                        <a:rPr lang="ko-KR" altLang="en-US" sz="1600" dirty="0"/>
+                        <a:t>조선</a:t>
+                      </a:r>
                     </a:p>
                   </a:txBody>
                   <a:tcPr/>
@@ -14440,67 +16482,6 @@
               <a:rPr lang="ko-KR" altLang="en-US" sz="1600" dirty="0"/>
               <a:t>출하증</a:t>
             </a:r>
-          </a:p>
-        </p:txBody>
-      </p:sp>
-      <p:sp>
-        <p:nvSpPr>
-          <p:cNvPr id="24" name="타원 23">
-            <a:extLst>
-              <a:ext uri="{FF2B5EF4-FFF2-40B4-BE49-F238E27FC236}">
-                <a16:creationId xmlns:a16="http://schemas.microsoft.com/office/drawing/2014/main" id="{AD6EBF81-B497-465F-B41C-E92A87EFA2A7}"/>
-              </a:ext>
-            </a:extLst>
-          </p:cNvPr>
-          <p:cNvSpPr/>
-          <p:nvPr/>
-        </p:nvSpPr>
-        <p:spPr>
-          <a:xfrm>
-            <a:off x="9075912" y="1114364"/>
-            <a:ext cx="244929" cy="224398"/>
-          </a:xfrm>
-          <a:prstGeom prst="ellipse">
-            <a:avLst/>
-          </a:prstGeom>
-          <a:solidFill>
-            <a:srgbClr val="FFFF00"/>
-          </a:solidFill>
-        </p:spPr>
-        <p:style>
-          <a:lnRef idx="2">
-            <a:schemeClr val="accent1">
-              <a:shade val="15000"/>
-            </a:schemeClr>
-          </a:lnRef>
-          <a:fillRef idx="1">
-            <a:schemeClr val="accent1"/>
-          </a:fillRef>
-          <a:effectRef idx="0">
-            <a:schemeClr val="accent1"/>
-          </a:effectRef>
-          <a:fontRef idx="minor">
-            <a:schemeClr val="lt1"/>
-          </a:fontRef>
-        </p:style>
-        <p:txBody>
-          <a:bodyPr rtlCol="0" anchor="ctr"/>
-          <a:lstStyle/>
-          <a:p>
-            <a:pPr algn="ctr"/>
-            <a:r>
-              <a:rPr lang="en-US" altLang="ko-KR" dirty="0">
-                <a:solidFill>
-                  <a:schemeClr val="tx1"/>
-                </a:solidFill>
-              </a:rPr>
-              <a:t>1</a:t>
-            </a:r>
-            <a:endParaRPr lang="ko-KR" altLang="en-US" dirty="0">
-              <a:solidFill>
-                <a:schemeClr val="tx1"/>
-              </a:solidFill>
-            </a:endParaRPr>
           </a:p>
         </p:txBody>
       </p:sp>
@@ -14555,7 +16536,7 @@
                   <a:schemeClr val="tx1"/>
                 </a:solidFill>
               </a:rPr>
-              <a:t>2</a:t>
+              <a:t>1</a:t>
             </a:r>
             <a:endParaRPr lang="ko-KR" altLang="en-US" dirty="0">
               <a:solidFill>
@@ -14616,7 +16597,7 @@
                   <a:schemeClr val="tx1"/>
                 </a:solidFill>
               </a:rPr>
-              <a:t>3</a:t>
+              <a:t>2</a:t>
             </a:r>
             <a:endParaRPr lang="ko-KR" altLang="en-US" dirty="0">
               <a:solidFill>
@@ -14640,7 +16621,7 @@
         </p:nvSpPr>
         <p:spPr>
           <a:xfrm>
-            <a:off x="9349829" y="2970203"/>
+            <a:off x="9378879" y="2451718"/>
             <a:ext cx="244929" cy="224398"/>
           </a:xfrm>
           <a:prstGeom prst="ellipse">
@@ -14677,7 +16658,7 @@
                   <a:schemeClr val="tx1"/>
                 </a:solidFill>
               </a:rPr>
-              <a:t>4</a:t>
+              <a:t>5</a:t>
             </a:r>
             <a:endParaRPr lang="ko-KR" altLang="en-US" dirty="0">
               <a:solidFill>
@@ -14701,7 +16682,7 @@
         </p:nvSpPr>
         <p:spPr>
           <a:xfrm>
-            <a:off x="10005338" y="2924906"/>
+            <a:off x="10039010" y="2501372"/>
             <a:ext cx="244929" cy="224398"/>
           </a:xfrm>
           <a:prstGeom prst="ellipse">
@@ -14738,7 +16719,7 @@
                   <a:schemeClr val="tx1"/>
                 </a:solidFill>
               </a:rPr>
-              <a:t>5</a:t>
+              <a:t>6</a:t>
             </a:r>
             <a:endParaRPr lang="ko-KR" altLang="en-US" dirty="0">
               <a:solidFill>
@@ -14762,7 +16743,7 @@
         </p:nvSpPr>
         <p:spPr>
           <a:xfrm>
-            <a:off x="10523176" y="2920897"/>
+            <a:off x="10552226" y="2504900"/>
             <a:ext cx="244929" cy="224398"/>
           </a:xfrm>
           <a:prstGeom prst="ellipse">
@@ -14799,13 +16780,747 @@
                   <a:schemeClr val="tx1"/>
                 </a:solidFill>
               </a:rPr>
-              <a:t>6</a:t>
+              <a:t>7</a:t>
             </a:r>
             <a:endParaRPr lang="ko-KR" altLang="en-US" dirty="0">
               <a:solidFill>
                 <a:schemeClr val="tx1"/>
               </a:solidFill>
             </a:endParaRPr>
+          </a:p>
+        </p:txBody>
+      </p:sp>
+      <p:sp>
+        <p:nvSpPr>
+          <p:cNvPr id="2" name="직사각형 1">
+            <a:extLst>
+              <a:ext uri="{FF2B5EF4-FFF2-40B4-BE49-F238E27FC236}">
+                <a16:creationId xmlns:a16="http://schemas.microsoft.com/office/drawing/2014/main" id="{31B5BCE2-9CB0-8FC5-6609-025DC756C2E3}"/>
+              </a:ext>
+            </a:extLst>
+          </p:cNvPr>
+          <p:cNvSpPr/>
+          <p:nvPr/>
+        </p:nvSpPr>
+        <p:spPr>
+          <a:xfrm>
+            <a:off x="5847997" y="2607213"/>
+            <a:ext cx="1221839" cy="429396"/>
+          </a:xfrm>
+          <a:prstGeom prst="rect">
+            <a:avLst/>
+          </a:prstGeom>
+          <a:solidFill>
+            <a:schemeClr val="bg1"/>
+          </a:solidFill>
+        </p:spPr>
+        <p:style>
+          <a:lnRef idx="2">
+            <a:schemeClr val="accent1">
+              <a:shade val="15000"/>
+            </a:schemeClr>
+          </a:lnRef>
+          <a:fillRef idx="1">
+            <a:schemeClr val="accent1"/>
+          </a:fillRef>
+          <a:effectRef idx="0">
+            <a:schemeClr val="accent1"/>
+          </a:effectRef>
+          <a:fontRef idx="minor">
+            <a:schemeClr val="lt1"/>
+          </a:fontRef>
+        </p:style>
+        <p:txBody>
+          <a:bodyPr rtlCol="0" anchor="ctr"/>
+          <a:lstStyle/>
+          <a:p>
+            <a:pPr algn="ctr"/>
+            <a:r>
+              <a:rPr lang="en-US" altLang="ko-KR" dirty="0">
+                <a:solidFill>
+                  <a:schemeClr val="tx1"/>
+                </a:solidFill>
+              </a:rPr>
+              <a:t>10</a:t>
+            </a:r>
+            <a:endParaRPr lang="ko-KR" altLang="en-US" dirty="0">
+              <a:solidFill>
+                <a:schemeClr val="tx1"/>
+              </a:solidFill>
+            </a:endParaRPr>
+          </a:p>
+        </p:txBody>
+      </p:sp>
+      <p:sp>
+        <p:nvSpPr>
+          <p:cNvPr id="3" name="직사각형 2">
+            <a:extLst>
+              <a:ext uri="{FF2B5EF4-FFF2-40B4-BE49-F238E27FC236}">
+                <a16:creationId xmlns:a16="http://schemas.microsoft.com/office/drawing/2014/main" id="{772BF191-A1CB-AB1D-27FC-2BEE55B7AD24}"/>
+              </a:ext>
+            </a:extLst>
+          </p:cNvPr>
+          <p:cNvSpPr/>
+          <p:nvPr/>
+        </p:nvSpPr>
+        <p:spPr>
+          <a:xfrm>
+            <a:off x="7099619" y="2594012"/>
+            <a:ext cx="1281403" cy="432523"/>
+          </a:xfrm>
+          <a:prstGeom prst="rect">
+            <a:avLst/>
+          </a:prstGeom>
+          <a:solidFill>
+            <a:schemeClr val="bg1"/>
+          </a:solidFill>
+        </p:spPr>
+        <p:style>
+          <a:lnRef idx="2">
+            <a:schemeClr val="accent1">
+              <a:shade val="15000"/>
+            </a:schemeClr>
+          </a:lnRef>
+          <a:fillRef idx="1">
+            <a:schemeClr val="accent1"/>
+          </a:fillRef>
+          <a:effectRef idx="0">
+            <a:schemeClr val="accent1"/>
+          </a:effectRef>
+          <a:fontRef idx="minor">
+            <a:schemeClr val="lt1"/>
+          </a:fontRef>
+        </p:style>
+        <p:txBody>
+          <a:bodyPr rtlCol="0" anchor="ctr"/>
+          <a:lstStyle/>
+          <a:p>
+            <a:r>
+              <a:rPr lang="en-US" altLang="ko-KR" sz="1000" dirty="0">
+                <a:solidFill>
+                  <a:schemeClr val="tx1"/>
+                </a:solidFill>
+              </a:rPr>
+              <a:t>2025.10.22</a:t>
+            </a:r>
+            <a:r>
+              <a:rPr lang="ko-KR" altLang="en-US" sz="1000" dirty="0">
+                <a:solidFill>
+                  <a:schemeClr val="tx1"/>
+                </a:solidFill>
+              </a:rPr>
+              <a:t>  </a:t>
+            </a:r>
+            <a:endParaRPr lang="en-US" altLang="ko-KR" sz="1000" dirty="0">
+              <a:solidFill>
+                <a:schemeClr val="tx1"/>
+              </a:solidFill>
+            </a:endParaRPr>
+          </a:p>
+        </p:txBody>
+      </p:sp>
+      <p:pic>
+        <p:nvPicPr>
+          <p:cNvPr id="6" name="그림 5">
+            <a:extLst>
+              <a:ext uri="{FF2B5EF4-FFF2-40B4-BE49-F238E27FC236}">
+                <a16:creationId xmlns:a16="http://schemas.microsoft.com/office/drawing/2014/main" id="{239DE5E1-DBD9-E664-23FC-C11E74CE773B}"/>
+              </a:ext>
+            </a:extLst>
+          </p:cNvPr>
+          <p:cNvPicPr>
+            <a:picLocks noChangeAspect="1"/>
+          </p:cNvPicPr>
+          <p:nvPr/>
+        </p:nvPicPr>
+        <p:blipFill>
+          <a:blip r:embed="rId6"/>
+          <a:stretch>
+            <a:fillRect/>
+          </a:stretch>
+        </p:blipFill>
+        <p:spPr>
+          <a:xfrm>
+            <a:off x="7096249" y="3026535"/>
+            <a:ext cx="1905098" cy="2101958"/>
+          </a:xfrm>
+          <a:prstGeom prst="rect">
+            <a:avLst/>
+          </a:prstGeom>
+        </p:spPr>
+      </p:pic>
+      <p:pic>
+        <p:nvPicPr>
+          <p:cNvPr id="7" name="그래픽 6" descr="월 단위 달력">
+            <a:extLst>
+              <a:ext uri="{FF2B5EF4-FFF2-40B4-BE49-F238E27FC236}">
+                <a16:creationId xmlns:a16="http://schemas.microsoft.com/office/drawing/2014/main" id="{C56FC167-F76E-3D3A-D669-FD2D889A22C0}"/>
+              </a:ext>
+            </a:extLst>
+          </p:cNvPr>
+          <p:cNvPicPr>
+            <a:picLocks noChangeAspect="1"/>
+          </p:cNvPicPr>
+          <p:nvPr/>
+        </p:nvPicPr>
+        <p:blipFill>
+          <a:blip r:embed="rId7">
+            <a:extLst>
+              <a:ext uri="{96DAC541-7B7A-43D3-8B79-37D633B846F1}">
+                <asvg:svgBlip xmlns:asvg="http://schemas.microsoft.com/office/drawing/2016/SVG/main" r:embed="rId8"/>
+              </a:ext>
+            </a:extLst>
+          </a:blip>
+          <a:stretch>
+            <a:fillRect/>
+          </a:stretch>
+        </p:blipFill>
+        <p:spPr>
+          <a:xfrm>
+            <a:off x="7802469" y="2690699"/>
+            <a:ext cx="244511" cy="244511"/>
+          </a:xfrm>
+          <a:prstGeom prst="rect">
+            <a:avLst/>
+          </a:prstGeom>
+        </p:spPr>
+      </p:pic>
+      <p:sp>
+        <p:nvSpPr>
+          <p:cNvPr id="32" name="타원 31">
+            <a:extLst>
+              <a:ext uri="{FF2B5EF4-FFF2-40B4-BE49-F238E27FC236}">
+                <a16:creationId xmlns:a16="http://schemas.microsoft.com/office/drawing/2014/main" id="{CA062394-DD8E-7F95-D272-9CD4D54C444E}"/>
+              </a:ext>
+            </a:extLst>
+          </p:cNvPr>
+          <p:cNvSpPr/>
+          <p:nvPr/>
+        </p:nvSpPr>
+        <p:spPr>
+          <a:xfrm>
+            <a:off x="6703568" y="2709712"/>
+            <a:ext cx="244929" cy="224398"/>
+          </a:xfrm>
+          <a:prstGeom prst="ellipse">
+            <a:avLst/>
+          </a:prstGeom>
+          <a:solidFill>
+            <a:srgbClr val="FFFF00"/>
+          </a:solidFill>
+        </p:spPr>
+        <p:style>
+          <a:lnRef idx="2">
+            <a:schemeClr val="accent1">
+              <a:shade val="15000"/>
+            </a:schemeClr>
+          </a:lnRef>
+          <a:fillRef idx="1">
+            <a:schemeClr val="accent1"/>
+          </a:fillRef>
+          <a:effectRef idx="0">
+            <a:schemeClr val="accent1"/>
+          </a:effectRef>
+          <a:fontRef idx="minor">
+            <a:schemeClr val="lt1"/>
+          </a:fontRef>
+        </p:style>
+        <p:txBody>
+          <a:bodyPr rtlCol="0" anchor="ctr"/>
+          <a:lstStyle/>
+          <a:p>
+            <a:pPr algn="ctr"/>
+            <a:r>
+              <a:rPr lang="en-US" altLang="ko-KR" dirty="0">
+                <a:solidFill>
+                  <a:schemeClr val="tx1"/>
+                </a:solidFill>
+              </a:rPr>
+              <a:t>3</a:t>
+            </a:r>
+            <a:endParaRPr lang="ko-KR" altLang="en-US" dirty="0">
+              <a:solidFill>
+                <a:schemeClr val="tx1"/>
+              </a:solidFill>
+            </a:endParaRPr>
+          </a:p>
+        </p:txBody>
+      </p:sp>
+      <p:sp>
+        <p:nvSpPr>
+          <p:cNvPr id="33" name="타원 32">
+            <a:extLst>
+              <a:ext uri="{FF2B5EF4-FFF2-40B4-BE49-F238E27FC236}">
+                <a16:creationId xmlns:a16="http://schemas.microsoft.com/office/drawing/2014/main" id="{5FED16CD-EE0B-60C7-1146-D53834BEA620}"/>
+              </a:ext>
+            </a:extLst>
+          </p:cNvPr>
+          <p:cNvSpPr/>
+          <p:nvPr/>
+        </p:nvSpPr>
+        <p:spPr>
+          <a:xfrm>
+            <a:off x="8029552" y="2703505"/>
+            <a:ext cx="244929" cy="224398"/>
+          </a:xfrm>
+          <a:prstGeom prst="ellipse">
+            <a:avLst/>
+          </a:prstGeom>
+          <a:solidFill>
+            <a:srgbClr val="FFFF00"/>
+          </a:solidFill>
+        </p:spPr>
+        <p:style>
+          <a:lnRef idx="2">
+            <a:schemeClr val="accent1">
+              <a:shade val="15000"/>
+            </a:schemeClr>
+          </a:lnRef>
+          <a:fillRef idx="1">
+            <a:schemeClr val="accent1"/>
+          </a:fillRef>
+          <a:effectRef idx="0">
+            <a:schemeClr val="accent1"/>
+          </a:effectRef>
+          <a:fontRef idx="minor">
+            <a:schemeClr val="lt1"/>
+          </a:fontRef>
+        </p:style>
+        <p:txBody>
+          <a:bodyPr rtlCol="0" anchor="ctr"/>
+          <a:lstStyle/>
+          <a:p>
+            <a:pPr algn="ctr"/>
+            <a:r>
+              <a:rPr lang="en-US" altLang="ko-KR" dirty="0">
+                <a:solidFill>
+                  <a:schemeClr val="tx1"/>
+                </a:solidFill>
+              </a:rPr>
+              <a:t>4</a:t>
+            </a:r>
+            <a:endParaRPr lang="ko-KR" altLang="en-US" dirty="0">
+              <a:solidFill>
+                <a:schemeClr val="tx1"/>
+              </a:solidFill>
+            </a:endParaRPr>
+          </a:p>
+        </p:txBody>
+      </p:sp>
+      <p:sp>
+        <p:nvSpPr>
+          <p:cNvPr id="35" name="사각형: 둥근 모서리 34">
+            <a:extLst>
+              <a:ext uri="{FF2B5EF4-FFF2-40B4-BE49-F238E27FC236}">
+                <a16:creationId xmlns:a16="http://schemas.microsoft.com/office/drawing/2014/main" id="{4D74D848-6579-E476-3DB0-CEE16FCDCA93}"/>
+              </a:ext>
+            </a:extLst>
+          </p:cNvPr>
+          <p:cNvSpPr/>
+          <p:nvPr/>
+        </p:nvSpPr>
+        <p:spPr>
+          <a:xfrm>
+            <a:off x="10878042" y="3674762"/>
+            <a:ext cx="604090" cy="392306"/>
+          </a:xfrm>
+          <a:prstGeom prst="roundRect">
+            <a:avLst/>
+          </a:prstGeom>
+        </p:spPr>
+        <p:style>
+          <a:lnRef idx="2">
+            <a:schemeClr val="accent1">
+              <a:shade val="15000"/>
+            </a:schemeClr>
+          </a:lnRef>
+          <a:fillRef idx="1">
+            <a:schemeClr val="accent1"/>
+          </a:fillRef>
+          <a:effectRef idx="0">
+            <a:schemeClr val="accent1"/>
+          </a:effectRef>
+          <a:fontRef idx="minor">
+            <a:schemeClr val="lt1"/>
+          </a:fontRef>
+        </p:style>
+        <p:txBody>
+          <a:bodyPr rtlCol="0" anchor="ctr"/>
+          <a:lstStyle/>
+          <a:p>
+            <a:pPr algn="ctr"/>
+            <a:r>
+              <a:rPr lang="ko-KR" altLang="en-US" sz="1000" dirty="0"/>
+              <a:t>완료</a:t>
+            </a:r>
+          </a:p>
+        </p:txBody>
+      </p:sp>
+      <p:cxnSp>
+        <p:nvCxnSpPr>
+          <p:cNvPr id="36" name="직선 화살표 연결선 35">
+            <a:extLst>
+              <a:ext uri="{FF2B5EF4-FFF2-40B4-BE49-F238E27FC236}">
+                <a16:creationId xmlns:a16="http://schemas.microsoft.com/office/drawing/2014/main" id="{8AC72AC6-7459-3997-F0BB-362C6A81D2F0}"/>
+              </a:ext>
+            </a:extLst>
+          </p:cNvPr>
+          <p:cNvCxnSpPr/>
+          <p:nvPr/>
+        </p:nvCxnSpPr>
+        <p:spPr>
+          <a:xfrm>
+            <a:off x="10211745" y="3145295"/>
+            <a:ext cx="666297" cy="529467"/>
+          </a:xfrm>
+          <a:prstGeom prst="straightConnector1">
+            <a:avLst/>
+          </a:prstGeom>
+          <a:ln>
+            <a:tailEnd type="triangle"/>
+          </a:ln>
+        </p:spPr>
+        <p:style>
+          <a:lnRef idx="1">
+            <a:schemeClr val="accent1"/>
+          </a:lnRef>
+          <a:fillRef idx="0">
+            <a:schemeClr val="accent1"/>
+          </a:fillRef>
+          <a:effectRef idx="0">
+            <a:schemeClr val="accent1"/>
+          </a:effectRef>
+          <a:fontRef idx="minor">
+            <a:schemeClr val="tx1"/>
+          </a:fontRef>
+        </p:style>
+      </p:cxnSp>
+      <p:cxnSp>
+        <p:nvCxnSpPr>
+          <p:cNvPr id="37" name="직선 화살표 연결선 36">
+            <a:extLst>
+              <a:ext uri="{FF2B5EF4-FFF2-40B4-BE49-F238E27FC236}">
+                <a16:creationId xmlns:a16="http://schemas.microsoft.com/office/drawing/2014/main" id="{3D93767C-2DDA-9434-D786-850ED723884B}"/>
+              </a:ext>
+            </a:extLst>
+          </p:cNvPr>
+          <p:cNvCxnSpPr/>
+          <p:nvPr/>
+        </p:nvCxnSpPr>
+        <p:spPr>
+          <a:xfrm flipH="1" flipV="1">
+            <a:off x="10211745" y="3145295"/>
+            <a:ext cx="666297" cy="529467"/>
+          </a:xfrm>
+          <a:prstGeom prst="straightConnector1">
+            <a:avLst/>
+          </a:prstGeom>
+          <a:ln>
+            <a:tailEnd type="triangle"/>
+          </a:ln>
+        </p:spPr>
+        <p:style>
+          <a:lnRef idx="1">
+            <a:schemeClr val="accent1"/>
+          </a:lnRef>
+          <a:fillRef idx="0">
+            <a:schemeClr val="accent1"/>
+          </a:fillRef>
+          <a:effectRef idx="0">
+            <a:schemeClr val="accent1"/>
+          </a:effectRef>
+          <a:fontRef idx="minor">
+            <a:schemeClr val="tx1"/>
+          </a:fontRef>
+        </p:style>
+      </p:cxnSp>
+      <p:sp>
+        <p:nvSpPr>
+          <p:cNvPr id="38" name="사각형: 둥근 모서리 37">
+            <a:extLst>
+              <a:ext uri="{FF2B5EF4-FFF2-40B4-BE49-F238E27FC236}">
+                <a16:creationId xmlns:a16="http://schemas.microsoft.com/office/drawing/2014/main" id="{1314A13D-40B4-E0ED-7144-6544F0D5DCEB}"/>
+              </a:ext>
+            </a:extLst>
+          </p:cNvPr>
+          <p:cNvSpPr/>
+          <p:nvPr/>
+        </p:nvSpPr>
+        <p:spPr>
+          <a:xfrm>
+            <a:off x="9932075" y="3638728"/>
+            <a:ext cx="458801" cy="182880"/>
+          </a:xfrm>
+          <a:prstGeom prst="roundRect">
+            <a:avLst/>
+          </a:prstGeom>
+        </p:spPr>
+        <p:style>
+          <a:lnRef idx="2">
+            <a:schemeClr val="accent1">
+              <a:shade val="15000"/>
+            </a:schemeClr>
+          </a:lnRef>
+          <a:fillRef idx="1">
+            <a:schemeClr val="accent1"/>
+          </a:fillRef>
+          <a:effectRef idx="0">
+            <a:schemeClr val="accent1"/>
+          </a:effectRef>
+          <a:fontRef idx="minor">
+            <a:schemeClr val="lt1"/>
+          </a:fontRef>
+        </p:style>
+        <p:txBody>
+          <a:bodyPr rtlCol="0" anchor="ctr"/>
+          <a:lstStyle/>
+          <a:p>
+            <a:pPr algn="ctr"/>
+            <a:r>
+              <a:rPr lang="ko-KR" altLang="en-US" sz="1000" dirty="0"/>
+              <a:t>수정</a:t>
+            </a:r>
+          </a:p>
+        </p:txBody>
+      </p:sp>
+      <p:sp>
+        <p:nvSpPr>
+          <p:cNvPr id="39" name="사각형: 둥근 모서리 38">
+            <a:extLst>
+              <a:ext uri="{FF2B5EF4-FFF2-40B4-BE49-F238E27FC236}">
+                <a16:creationId xmlns:a16="http://schemas.microsoft.com/office/drawing/2014/main" id="{ED340C28-3CA1-D54F-AE13-C0D79AC24D8C}"/>
+              </a:ext>
+            </a:extLst>
+          </p:cNvPr>
+          <p:cNvSpPr/>
+          <p:nvPr/>
+        </p:nvSpPr>
+        <p:spPr>
+          <a:xfrm>
+            <a:off x="10403478" y="3638728"/>
+            <a:ext cx="458801" cy="182880"/>
+          </a:xfrm>
+          <a:prstGeom prst="roundRect">
+            <a:avLst/>
+          </a:prstGeom>
+        </p:spPr>
+        <p:style>
+          <a:lnRef idx="2">
+            <a:schemeClr val="accent1">
+              <a:shade val="15000"/>
+            </a:schemeClr>
+          </a:lnRef>
+          <a:fillRef idx="1">
+            <a:schemeClr val="accent1"/>
+          </a:fillRef>
+          <a:effectRef idx="0">
+            <a:schemeClr val="accent1"/>
+          </a:effectRef>
+          <a:fontRef idx="minor">
+            <a:schemeClr val="lt1"/>
+          </a:fontRef>
+        </p:style>
+        <p:txBody>
+          <a:bodyPr rtlCol="0" anchor="ctr"/>
+          <a:lstStyle/>
+          <a:p>
+            <a:pPr algn="ctr"/>
+            <a:r>
+              <a:rPr lang="ko-KR" altLang="en-US" sz="1000" dirty="0"/>
+              <a:t>삭제</a:t>
+            </a:r>
+          </a:p>
+        </p:txBody>
+      </p:sp>
+      <p:sp>
+        <p:nvSpPr>
+          <p:cNvPr id="40" name="사각형: 둥근 모서리 39">
+            <a:extLst>
+              <a:ext uri="{FF2B5EF4-FFF2-40B4-BE49-F238E27FC236}">
+                <a16:creationId xmlns:a16="http://schemas.microsoft.com/office/drawing/2014/main" id="{A27F8FDF-3D9E-85F8-D019-EEB18179B36E}"/>
+              </a:ext>
+            </a:extLst>
+          </p:cNvPr>
+          <p:cNvSpPr/>
+          <p:nvPr/>
+        </p:nvSpPr>
+        <p:spPr>
+          <a:xfrm>
+            <a:off x="9059154" y="3589421"/>
+            <a:ext cx="860319" cy="281493"/>
+          </a:xfrm>
+          <a:prstGeom prst="roundRect">
+            <a:avLst/>
+          </a:prstGeom>
+        </p:spPr>
+        <p:style>
+          <a:lnRef idx="2">
+            <a:schemeClr val="dk1"/>
+          </a:lnRef>
+          <a:fillRef idx="1">
+            <a:schemeClr val="lt1"/>
+          </a:fillRef>
+          <a:effectRef idx="0">
+            <a:schemeClr val="dk1"/>
+          </a:effectRef>
+          <a:fontRef idx="minor">
+            <a:schemeClr val="dk1"/>
+          </a:fontRef>
+        </p:style>
+        <p:txBody>
+          <a:bodyPr rtlCol="0" anchor="ctr"/>
+          <a:lstStyle/>
+          <a:p>
+            <a:pPr algn="ctr"/>
+            <a:r>
+              <a:rPr lang="ko-KR" altLang="en-US" sz="1600" dirty="0"/>
+              <a:t>출하증</a:t>
+            </a:r>
+          </a:p>
+        </p:txBody>
+      </p:sp>
+      <p:sp>
+        <p:nvSpPr>
+          <p:cNvPr id="41" name="사각형: 둥근 모서리 40">
+            <a:extLst>
+              <a:ext uri="{FF2B5EF4-FFF2-40B4-BE49-F238E27FC236}">
+                <a16:creationId xmlns:a16="http://schemas.microsoft.com/office/drawing/2014/main" id="{4076E606-4AD2-7E21-55C2-CDD17E7FFB74}"/>
+              </a:ext>
+            </a:extLst>
+          </p:cNvPr>
+          <p:cNvSpPr/>
+          <p:nvPr/>
+        </p:nvSpPr>
+        <p:spPr>
+          <a:xfrm>
+            <a:off x="9932075" y="3166262"/>
+            <a:ext cx="458801" cy="182880"/>
+          </a:xfrm>
+          <a:prstGeom prst="roundRect">
+            <a:avLst/>
+          </a:prstGeom>
+        </p:spPr>
+        <p:style>
+          <a:lnRef idx="2">
+            <a:schemeClr val="accent1">
+              <a:shade val="15000"/>
+            </a:schemeClr>
+          </a:lnRef>
+          <a:fillRef idx="1">
+            <a:schemeClr val="accent1"/>
+          </a:fillRef>
+          <a:effectRef idx="0">
+            <a:schemeClr val="accent1"/>
+          </a:effectRef>
+          <a:fontRef idx="minor">
+            <a:schemeClr val="lt1"/>
+          </a:fontRef>
+        </p:style>
+        <p:txBody>
+          <a:bodyPr rtlCol="0" anchor="ctr"/>
+          <a:lstStyle/>
+          <a:p>
+            <a:pPr algn="ctr"/>
+            <a:r>
+              <a:rPr lang="ko-KR" altLang="en-US" sz="1000" dirty="0"/>
+              <a:t>수정</a:t>
+            </a:r>
+          </a:p>
+        </p:txBody>
+      </p:sp>
+      <p:sp>
+        <p:nvSpPr>
+          <p:cNvPr id="42" name="사각형: 둥근 모서리 41">
+            <a:extLst>
+              <a:ext uri="{FF2B5EF4-FFF2-40B4-BE49-F238E27FC236}">
+                <a16:creationId xmlns:a16="http://schemas.microsoft.com/office/drawing/2014/main" id="{6B842E8F-BFDF-62FA-3AEA-7BC54BF091E2}"/>
+              </a:ext>
+            </a:extLst>
+          </p:cNvPr>
+          <p:cNvSpPr/>
+          <p:nvPr/>
+        </p:nvSpPr>
+        <p:spPr>
+          <a:xfrm>
+            <a:off x="10403478" y="3166262"/>
+            <a:ext cx="458801" cy="182880"/>
+          </a:xfrm>
+          <a:prstGeom prst="roundRect">
+            <a:avLst/>
+          </a:prstGeom>
+        </p:spPr>
+        <p:style>
+          <a:lnRef idx="2">
+            <a:schemeClr val="accent1">
+              <a:shade val="15000"/>
+            </a:schemeClr>
+          </a:lnRef>
+          <a:fillRef idx="1">
+            <a:schemeClr val="accent1"/>
+          </a:fillRef>
+          <a:effectRef idx="0">
+            <a:schemeClr val="accent1"/>
+          </a:effectRef>
+          <a:fontRef idx="minor">
+            <a:schemeClr val="lt1"/>
+          </a:fontRef>
+        </p:style>
+        <p:txBody>
+          <a:bodyPr rtlCol="0" anchor="ctr"/>
+          <a:lstStyle/>
+          <a:p>
+            <a:pPr algn="ctr"/>
+            <a:r>
+              <a:rPr lang="ko-KR" altLang="en-US" sz="1000" dirty="0"/>
+              <a:t>삭제</a:t>
+            </a:r>
+          </a:p>
+        </p:txBody>
+      </p:sp>
+      <p:sp>
+        <p:nvSpPr>
+          <p:cNvPr id="43" name="사각형: 둥근 모서리 42">
+            <a:extLst>
+              <a:ext uri="{FF2B5EF4-FFF2-40B4-BE49-F238E27FC236}">
+                <a16:creationId xmlns:a16="http://schemas.microsoft.com/office/drawing/2014/main" id="{51A245E2-866D-081E-9EC1-DAEB75B28139}"/>
+              </a:ext>
+            </a:extLst>
+          </p:cNvPr>
+          <p:cNvSpPr/>
+          <p:nvPr/>
+        </p:nvSpPr>
+        <p:spPr>
+          <a:xfrm>
+            <a:off x="9059154" y="3116955"/>
+            <a:ext cx="860319" cy="281493"/>
+          </a:xfrm>
+          <a:prstGeom prst="roundRect">
+            <a:avLst/>
+          </a:prstGeom>
+        </p:spPr>
+        <p:style>
+          <a:lnRef idx="2">
+            <a:schemeClr val="dk1"/>
+          </a:lnRef>
+          <a:fillRef idx="1">
+            <a:schemeClr val="lt1"/>
+          </a:fillRef>
+          <a:effectRef idx="0">
+            <a:schemeClr val="dk1"/>
+          </a:effectRef>
+          <a:fontRef idx="minor">
+            <a:schemeClr val="dk1"/>
+          </a:fontRef>
+        </p:style>
+        <p:txBody>
+          <a:bodyPr rtlCol="0" anchor="ctr"/>
+          <a:lstStyle/>
+          <a:p>
+            <a:pPr algn="ctr"/>
+            <a:r>
+              <a:rPr lang="ko-KR" altLang="en-US" sz="1600" dirty="0"/>
+              <a:t>출하증</a:t>
+            </a:r>
           </a:p>
         </p:txBody>
       </p:sp>
@@ -14841,62 +17556,6 @@
       </p:grpSpPr>
       <p:sp>
         <p:nvSpPr>
-          <p:cNvPr id="39" name="직사각형 38">
-            <a:extLst>
-              <a:ext uri="{FF2B5EF4-FFF2-40B4-BE49-F238E27FC236}">
-                <a16:creationId xmlns:a16="http://schemas.microsoft.com/office/drawing/2014/main" id="{06B3DD12-ED83-4A27-BEBA-87620058CAA7}"/>
-              </a:ext>
-            </a:extLst>
-          </p:cNvPr>
-          <p:cNvSpPr/>
-          <p:nvPr/>
-        </p:nvSpPr>
-        <p:spPr>
-          <a:xfrm>
-            <a:off x="6379444" y="602659"/>
-            <a:ext cx="3551433" cy="1158705"/>
-          </a:xfrm>
-          <a:prstGeom prst="rect">
-            <a:avLst/>
-          </a:prstGeom>
-          <a:ln>
-            <a:solidFill>
-              <a:schemeClr val="bg1"/>
-            </a:solidFill>
-          </a:ln>
-        </p:spPr>
-        <p:style>
-          <a:lnRef idx="2">
-            <a:schemeClr val="dk1"/>
-          </a:lnRef>
-          <a:fillRef idx="1">
-            <a:schemeClr val="lt1"/>
-          </a:fillRef>
-          <a:effectRef idx="0">
-            <a:schemeClr val="dk1"/>
-          </a:effectRef>
-          <a:fontRef idx="minor">
-            <a:schemeClr val="dk1"/>
-          </a:fontRef>
-        </p:style>
-        <p:txBody>
-          <a:bodyPr rtlCol="0" anchor="ctr"/>
-          <a:lstStyle/>
-          <a:p>
-            <a:pPr algn="ctr"/>
-            <a:r>
-              <a:rPr lang="ko-KR" altLang="en-US" sz="2000" dirty="0"/>
-              <a:t> </a:t>
-            </a:r>
-            <a:r>
-              <a:rPr lang="en-US" altLang="ko-KR" sz="2000" dirty="0"/>
-              <a:t>2025.10.08</a:t>
-            </a:r>
-          </a:p>
-        </p:txBody>
-      </p:sp>
-      <p:sp>
-        <p:nvSpPr>
           <p:cNvPr id="4" name="직사각형 3">
             <a:extLst>
               <a:ext uri="{FF2B5EF4-FFF2-40B4-BE49-F238E27FC236}">
@@ -14964,7 +17623,7 @@
         <p:spPr>
           <a:xfrm>
             <a:off x="728708" y="1500052"/>
-            <a:ext cx="8315280" cy="0"/>
+            <a:ext cx="10562148" cy="0"/>
           </a:xfrm>
           <a:prstGeom prst="line">
             <a:avLst/>
@@ -14999,8 +17658,8 @@
         </p:nvSpPr>
         <p:spPr>
           <a:xfrm>
-            <a:off x="9281030" y="868294"/>
-            <a:ext cx="1777496" cy="1402610"/>
+            <a:off x="855929" y="4172704"/>
+            <a:ext cx="2451814" cy="2370487"/>
           </a:xfrm>
           <a:prstGeom prst="roundRect">
             <a:avLst/>
@@ -15046,8 +17705,8 @@
         </p:nvSpPr>
         <p:spPr>
           <a:xfrm>
-            <a:off x="728708" y="1779300"/>
-            <a:ext cx="1341228" cy="351980"/>
+            <a:off x="943392" y="3563062"/>
+            <a:ext cx="2364351" cy="460297"/>
           </a:xfrm>
           <a:prstGeom prst="roundRect">
             <a:avLst/>
@@ -15098,14 +17757,14 @@
           <p:nvPr>
             <p:extLst>
               <p:ext uri="{D42A27DB-BD31-4B8C-83A1-F6EECF244321}">
-                <p14:modId xmlns:p14="http://schemas.microsoft.com/office/powerpoint/2010/main" val="4114486654"/>
+                <p14:modId xmlns:p14="http://schemas.microsoft.com/office/powerpoint/2010/main" val="4275018106"/>
               </p:ext>
             </p:extLst>
           </p:nvPr>
         </p:nvGraphicFramePr>
         <p:xfrm>
-          <a:off x="728709" y="2410528"/>
-          <a:ext cx="10329813" cy="1753737"/>
+          <a:off x="943392" y="1629963"/>
+          <a:ext cx="10115128" cy="1848296"/>
         </p:xfrm>
         <a:graphic>
           <a:graphicData uri="http://schemas.openxmlformats.org/drawingml/2006/table">
@@ -15114,77 +17773,70 @@
                 <a:tableStyleId>{5C22544A-7EE6-4342-B048-85BDC9FD1C3A}</a:tableStyleId>
               </a:tblPr>
               <a:tblGrid>
-                <a:gridCol w="1147757">
+                <a:gridCol w="1264391">
                   <a:extLst>
                     <a:ext uri="{9D8B030D-6E8A-4147-A177-3AD203B41FA5}">
                       <a16:colId xmlns:a16="http://schemas.microsoft.com/office/drawing/2014/main" val="3643003596"/>
                     </a:ext>
                   </a:extLst>
                 </a:gridCol>
-                <a:gridCol w="1147757">
+                <a:gridCol w="1264391">
                   <a:extLst>
                     <a:ext uri="{9D8B030D-6E8A-4147-A177-3AD203B41FA5}">
                       <a16:colId xmlns:a16="http://schemas.microsoft.com/office/drawing/2014/main" val="2803670904"/>
                     </a:ext>
                   </a:extLst>
                 </a:gridCol>
-                <a:gridCol w="1147757">
+                <a:gridCol w="1264391">
                   <a:extLst>
                     <a:ext uri="{9D8B030D-6E8A-4147-A177-3AD203B41FA5}">
                       <a16:colId xmlns:a16="http://schemas.microsoft.com/office/drawing/2014/main" val="866423827"/>
                     </a:ext>
                   </a:extLst>
                 </a:gridCol>
-                <a:gridCol w="1147757">
+                <a:gridCol w="1264391">
                   <a:extLst>
                     <a:ext uri="{9D8B030D-6E8A-4147-A177-3AD203B41FA5}">
                       <a16:colId xmlns:a16="http://schemas.microsoft.com/office/drawing/2014/main" val="3504629430"/>
                     </a:ext>
                   </a:extLst>
                 </a:gridCol>
-                <a:gridCol w="1147757">
+                <a:gridCol w="1264391">
                   <a:extLst>
                     <a:ext uri="{9D8B030D-6E8A-4147-A177-3AD203B41FA5}">
                       <a16:colId xmlns:a16="http://schemas.microsoft.com/office/drawing/2014/main" val="3934948328"/>
                     </a:ext>
                   </a:extLst>
                 </a:gridCol>
-                <a:gridCol w="1147757">
+                <a:gridCol w="1264391">
                   <a:extLst>
                     <a:ext uri="{9D8B030D-6E8A-4147-A177-3AD203B41FA5}">
                       <a16:colId xmlns:a16="http://schemas.microsoft.com/office/drawing/2014/main" val="1258318483"/>
                     </a:ext>
                   </a:extLst>
                 </a:gridCol>
-                <a:gridCol w="1147757">
+                <a:gridCol w="1264391">
                   <a:extLst>
                     <a:ext uri="{9D8B030D-6E8A-4147-A177-3AD203B41FA5}">
                       <a16:colId xmlns:a16="http://schemas.microsoft.com/office/drawing/2014/main" val="2479193674"/>
                     </a:ext>
                   </a:extLst>
                 </a:gridCol>
-                <a:gridCol w="1147757">
+                <a:gridCol w="1264391">
                   <a:extLst>
                     <a:ext uri="{9D8B030D-6E8A-4147-A177-3AD203B41FA5}">
                       <a16:colId xmlns:a16="http://schemas.microsoft.com/office/drawing/2014/main" val="3768190408"/>
                     </a:ext>
                   </a:extLst>
                 </a:gridCol>
-                <a:gridCol w="1147757">
-                  <a:extLst>
-                    <a:ext uri="{9D8B030D-6E8A-4147-A177-3AD203B41FA5}">
-                      <a16:colId xmlns:a16="http://schemas.microsoft.com/office/drawing/2014/main" val="3942964747"/>
-                    </a:ext>
-                  </a:extLst>
-                </a:gridCol>
               </a:tblGrid>
-              <a:tr h="554798">
-                <a:tc>
-                  <a:txBody>
-                    <a:bodyPr/>
-                    <a:lstStyle/>
-                    <a:p>
-                      <a:pPr latinLnBrk="1"/>
+              <a:tr h="649357">
+                <a:tc>
+                  <a:txBody>
+                    <a:bodyPr/>
+                    <a:lstStyle/>
+                    <a:p>
+                      <a:pPr algn="ctr" latinLnBrk="1"/>
                       <a:r>
                         <a:rPr lang="ko-KR" altLang="en-US" sz="1400" dirty="0"/>
                         <a:t>거래처명</a:t>
@@ -15198,7 +17850,7 @@
                     <a:bodyPr/>
                     <a:lstStyle/>
                     <a:p>
-                      <a:pPr latinLnBrk="1"/>
+                      <a:pPr algn="ctr" latinLnBrk="1"/>
                       <a:r>
                         <a:rPr lang="ko-KR" altLang="en-US" sz="1400" dirty="0"/>
                         <a:t>품목명</a:t>
@@ -15212,7 +17864,7 @@
                     <a:bodyPr/>
                     <a:lstStyle/>
                     <a:p>
-                      <a:pPr latinLnBrk="1"/>
+                      <a:pPr algn="ctr" latinLnBrk="1"/>
                       <a:r>
                         <a:rPr lang="ko-KR" altLang="en-US" sz="1400" dirty="0"/>
                         <a:t>품목번호</a:t>
@@ -15226,7 +17878,7 @@
                     <a:bodyPr/>
                     <a:lstStyle/>
                     <a:p>
-                      <a:pPr latinLnBrk="1"/>
+                      <a:pPr algn="ctr" latinLnBrk="1"/>
                       <a:r>
                         <a:rPr lang="ko-KR" altLang="en-US" sz="1400" dirty="0"/>
                         <a:t>분류</a:t>
@@ -15240,21 +17892,34 @@
                     <a:bodyPr/>
                     <a:lstStyle/>
                     <a:p>
-                      <a:pPr latinLnBrk="1"/>
+                      <a:pPr algn="ctr" latinLnBrk="1"/>
                       <a:r>
                         <a:rPr lang="ko-KR" altLang="en-US" sz="1400" dirty="0"/>
                         <a:t>품목 단가</a:t>
                       </a:r>
-                    </a:p>
-                  </a:txBody>
-                  <a:tcPr/>
-                </a:tc>
-                <a:tc>
-                  <a:txBody>
-                    <a:bodyPr/>
-                    <a:lstStyle/>
-                    <a:p>
-                      <a:pPr latinLnBrk="1"/>
+                      <a:r>
+                        <a:rPr lang="en-US" altLang="ko-KR" sz="1400" dirty="0"/>
+                        <a:t>(</a:t>
+                      </a:r>
+                      <a:r>
+                        <a:rPr lang="ko-KR" altLang="en-US" sz="1400" dirty="0"/>
+                        <a:t>원</a:t>
+                      </a:r>
+                      <a:r>
+                        <a:rPr lang="en-US" altLang="ko-KR" sz="1400" dirty="0"/>
+                        <a:t>)</a:t>
+                      </a:r>
+                      <a:endParaRPr lang="ko-KR" altLang="en-US" sz="1400" dirty="0"/>
+                    </a:p>
+                  </a:txBody>
+                  <a:tcPr/>
+                </a:tc>
+                <a:tc>
+                  <a:txBody>
+                    <a:bodyPr/>
+                    <a:lstStyle/>
+                    <a:p>
+                      <a:pPr algn="ctr" latinLnBrk="1"/>
                       <a:r>
                         <a:rPr lang="ko-KR" altLang="en-US" sz="1400" dirty="0"/>
                         <a:t>색상</a:t>
@@ -15268,7 +17933,7 @@
                     <a:bodyPr/>
                     <a:lstStyle/>
                     <a:p>
-                      <a:pPr latinLnBrk="1"/>
+                      <a:pPr algn="ctr" latinLnBrk="1"/>
                       <a:r>
                         <a:rPr lang="ko-KR" altLang="en-US" sz="1400" dirty="0"/>
                         <a:t>도장 방식</a:t>
@@ -15282,24 +17947,10 @@
                     <a:bodyPr/>
                     <a:lstStyle/>
                     <a:p>
-                      <a:pPr latinLnBrk="1"/>
+                      <a:pPr algn="ctr" latinLnBrk="1"/>
                       <a:r>
                         <a:rPr lang="ko-KR" altLang="en-US" sz="1400" dirty="0"/>
                         <a:t>비고</a:t>
-                      </a:r>
-                    </a:p>
-                  </a:txBody>
-                  <a:tcPr/>
-                </a:tc>
-                <a:tc>
-                  <a:txBody>
-                    <a:bodyPr/>
-                    <a:lstStyle/>
-                    <a:p>
-                      <a:pPr latinLnBrk="1"/>
-                      <a:r>
-                        <a:rPr lang="ko-KR" altLang="en-US" sz="1400" dirty="0"/>
-                        <a:t>라우팅 정보</a:t>
                       </a:r>
                     </a:p>
                   </a:txBody>
@@ -15318,7 +17969,27 @@
                     <a:lstStyle/>
                     <a:p>
                       <a:pPr latinLnBrk="1"/>
-                      <a:endParaRPr lang="ko-KR" altLang="en-US" sz="1400"/>
+                      <a:r>
+                        <a:rPr lang="ko-KR" altLang="en-US" sz="1600" dirty="0">
+                          <a:solidFill>
+                            <a:schemeClr val="tx1"/>
+                          </a:solidFill>
+                        </a:rPr>
+                        <a:t>거래처 </a:t>
+                      </a:r>
+                      <a:r>
+                        <a:rPr lang="en-US" altLang="ko-KR" sz="1600" dirty="0">
+                          <a:solidFill>
+                            <a:schemeClr val="tx1"/>
+                          </a:solidFill>
+                        </a:rPr>
+                        <a:t>A</a:t>
+                      </a:r>
+                      <a:endParaRPr lang="ko-KR" altLang="en-US" sz="1600" dirty="0">
+                        <a:solidFill>
+                          <a:schemeClr val="tx1"/>
+                        </a:solidFill>
+                      </a:endParaRPr>
                     </a:p>
                   </a:txBody>
                   <a:tcPr/>
@@ -15329,7 +18000,11 @@
                     <a:lstStyle/>
                     <a:p>
                       <a:pPr latinLnBrk="1"/>
-                      <a:endParaRPr lang="ko-KR" altLang="en-US" sz="1400" dirty="0"/>
+                      <a:r>
+                        <a:rPr lang="en-US" altLang="ko-KR" sz="1600" dirty="0"/>
+                        <a:t>AD217000</a:t>
+                      </a:r>
+                      <a:endParaRPr lang="ko-KR" altLang="en-US" sz="1600" dirty="0"/>
                     </a:p>
                   </a:txBody>
                   <a:tcPr/>
@@ -15340,7 +18015,15 @@
                     <a:lstStyle/>
                     <a:p>
                       <a:pPr latinLnBrk="1"/>
-                      <a:endParaRPr lang="ko-KR" altLang="en-US" sz="1400" dirty="0"/>
+                      <a:r>
+                        <a:rPr lang="ko-KR" altLang="en-US" sz="1600" u="sng" dirty="0"/>
+                        <a:t>품목</a:t>
+                      </a:r>
+                      <a:r>
+                        <a:rPr lang="en-US" altLang="ko-KR" sz="1600" u="sng" dirty="0"/>
+                        <a:t>A</a:t>
+                      </a:r>
+                      <a:endParaRPr lang="ko-KR" altLang="en-US" sz="1600" u="sng" dirty="0"/>
                     </a:p>
                   </a:txBody>
                   <a:tcPr/>
@@ -15351,7 +18034,10 @@
                     <a:lstStyle/>
                     <a:p>
                       <a:pPr latinLnBrk="1"/>
-                      <a:endParaRPr lang="ko-KR" altLang="en-US" sz="1400"/>
+                      <a:r>
+                        <a:rPr lang="ko-KR" altLang="en-US" sz="1600" dirty="0"/>
+                        <a:t>방산</a:t>
+                      </a:r>
                     </a:p>
                   </a:txBody>
                   <a:tcPr/>
@@ -15362,7 +18048,11 @@
                     <a:lstStyle/>
                     <a:p>
                       <a:pPr latinLnBrk="1"/>
-                      <a:endParaRPr lang="ko-KR" altLang="en-US" sz="1400" dirty="0"/>
+                      <a:r>
+                        <a:rPr lang="en-US" altLang="ko-KR" sz="1600" dirty="0"/>
+                        <a:t>100,000</a:t>
+                      </a:r>
+                      <a:endParaRPr lang="ko-KR" altLang="en-US" sz="1600" dirty="0"/>
                     </a:p>
                   </a:txBody>
                   <a:tcPr/>
@@ -15373,7 +18063,10 @@
                     <a:lstStyle/>
                     <a:p>
                       <a:pPr latinLnBrk="1"/>
-                      <a:endParaRPr lang="ko-KR" altLang="en-US" sz="1400" dirty="0"/>
+                      <a:r>
+                        <a:rPr lang="ko-KR" altLang="en-US" sz="1600" dirty="0"/>
+                        <a:t>흰색</a:t>
+                      </a:r>
                     </a:p>
                   </a:txBody>
                   <a:tcPr/>
@@ -15384,7 +18077,10 @@
                     <a:lstStyle/>
                     <a:p>
                       <a:pPr latinLnBrk="1"/>
-                      <a:endParaRPr lang="ko-KR" altLang="en-US" sz="1400" dirty="0"/>
+                      <a:r>
+                        <a:rPr lang="ko-KR" altLang="en-US" sz="1600" dirty="0"/>
+                        <a:t>액체</a:t>
+                      </a:r>
                     </a:p>
                   </a:txBody>
                   <a:tcPr/>
@@ -15395,18 +18091,7 @@
                     <a:lstStyle/>
                     <a:p>
                       <a:pPr latinLnBrk="1"/>
-                      <a:endParaRPr lang="ko-KR" altLang="en-US" sz="1400" dirty="0"/>
-                    </a:p>
-                  </a:txBody>
-                  <a:tcPr/>
-                </a:tc>
-                <a:tc>
-                  <a:txBody>
-                    <a:bodyPr/>
-                    <a:lstStyle/>
-                    <a:p>
-                      <a:pPr latinLnBrk="1"/>
-                      <a:endParaRPr lang="ko-KR" altLang="en-US" sz="1400" dirty="0"/>
+                      <a:endParaRPr lang="ko-KR" altLang="en-US" sz="1600" dirty="0"/>
                     </a:p>
                   </a:txBody>
                   <a:tcPr/>
@@ -15435,7 +18120,7 @@
         </p:nvSpPr>
         <p:spPr>
           <a:xfrm>
-            <a:off x="9586955" y="4303889"/>
+            <a:off x="9586953" y="1018915"/>
             <a:ext cx="1471567" cy="351970"/>
           </a:xfrm>
           <a:prstGeom prst="roundRect">
@@ -15468,12 +18153,630 @@
           </a:p>
         </p:txBody>
       </p:sp>
+      <p:graphicFrame>
+        <p:nvGraphicFramePr>
+          <p:cNvPr id="5" name="표 4">
+            <a:extLst>
+              <a:ext uri="{FF2B5EF4-FFF2-40B4-BE49-F238E27FC236}">
+                <a16:creationId xmlns:a16="http://schemas.microsoft.com/office/drawing/2014/main" id="{ECBF6938-F4A5-B880-C69E-D5D6B613C2FF}"/>
+              </a:ext>
+            </a:extLst>
+          </p:cNvPr>
+          <p:cNvGraphicFramePr>
+            <a:graphicFrameLocks noGrp="1"/>
+          </p:cNvGraphicFramePr>
+          <p:nvPr>
+            <p:extLst>
+              <p:ext uri="{D42A27DB-BD31-4B8C-83A1-F6EECF244321}">
+                <p14:modId xmlns:p14="http://schemas.microsoft.com/office/powerpoint/2010/main" val="1700690533"/>
+              </p:ext>
+            </p:extLst>
+          </p:nvPr>
+        </p:nvGraphicFramePr>
+        <p:xfrm>
+          <a:off x="3394016" y="3540090"/>
+          <a:ext cx="7664504" cy="2926080"/>
+        </p:xfrm>
+        <a:graphic>
+          <a:graphicData uri="http://schemas.openxmlformats.org/drawingml/2006/table">
+            <a:tbl>
+              <a:tblPr firstRow="1" bandRow="1">
+                <a:tableStyleId>{5C22544A-7EE6-4342-B048-85BDC9FD1C3A}</a:tableStyleId>
+              </a:tblPr>
+              <a:tblGrid>
+                <a:gridCol w="1916126">
+                  <a:extLst>
+                    <a:ext uri="{9D8B030D-6E8A-4147-A177-3AD203B41FA5}">
+                      <a16:colId xmlns:a16="http://schemas.microsoft.com/office/drawing/2014/main" val="1851976695"/>
+                    </a:ext>
+                  </a:extLst>
+                </a:gridCol>
+                <a:gridCol w="1916126">
+                  <a:extLst>
+                    <a:ext uri="{9D8B030D-6E8A-4147-A177-3AD203B41FA5}">
+                      <a16:colId xmlns:a16="http://schemas.microsoft.com/office/drawing/2014/main" val="1115281591"/>
+                    </a:ext>
+                  </a:extLst>
+                </a:gridCol>
+                <a:gridCol w="1916126">
+                  <a:extLst>
+                    <a:ext uri="{9D8B030D-6E8A-4147-A177-3AD203B41FA5}">
+                      <a16:colId xmlns:a16="http://schemas.microsoft.com/office/drawing/2014/main" val="556734727"/>
+                    </a:ext>
+                  </a:extLst>
+                </a:gridCol>
+                <a:gridCol w="1916126">
+                  <a:extLst>
+                    <a:ext uri="{9D8B030D-6E8A-4147-A177-3AD203B41FA5}">
+                      <a16:colId xmlns:a16="http://schemas.microsoft.com/office/drawing/2014/main" val="3994146896"/>
+                    </a:ext>
+                  </a:extLst>
+                </a:gridCol>
+              </a:tblGrid>
+              <a:tr h="262173">
+                <a:tc>
+                  <a:txBody>
+                    <a:bodyPr/>
+                    <a:lstStyle/>
+                    <a:p>
+                      <a:pPr algn="ctr" latinLnBrk="1"/>
+                      <a:r>
+                        <a:rPr lang="ko-KR" altLang="en-US" dirty="0"/>
+                        <a:t>순서</a:t>
+                      </a:r>
+                    </a:p>
+                  </a:txBody>
+                  <a:tcPr/>
+                </a:tc>
+                <a:tc>
+                  <a:txBody>
+                    <a:bodyPr/>
+                    <a:lstStyle/>
+                    <a:p>
+                      <a:pPr algn="ctr" latinLnBrk="1"/>
+                      <a:r>
+                        <a:rPr lang="ko-KR" altLang="en-US" dirty="0"/>
+                        <a:t>공정명</a:t>
+                      </a:r>
+                    </a:p>
+                  </a:txBody>
+                  <a:tcPr/>
+                </a:tc>
+                <a:tc>
+                  <a:txBody>
+                    <a:bodyPr/>
+                    <a:lstStyle/>
+                    <a:p>
+                      <a:pPr algn="ctr" latinLnBrk="1"/>
+                      <a:r>
+                        <a:rPr lang="ko-KR" altLang="en-US" dirty="0"/>
+                        <a:t>공정시간</a:t>
+                      </a:r>
+                    </a:p>
+                  </a:txBody>
+                  <a:tcPr/>
+                </a:tc>
+                <a:tc>
+                  <a:txBody>
+                    <a:bodyPr/>
+                    <a:lstStyle/>
+                    <a:p>
+                      <a:pPr algn="ctr" latinLnBrk="1"/>
+                      <a:r>
+                        <a:rPr lang="ko-KR" altLang="en-US" dirty="0"/>
+                        <a:t>비고</a:t>
+                      </a:r>
+                    </a:p>
+                  </a:txBody>
+                  <a:tcPr/>
+                </a:tc>
+                <a:extLst>
+                  <a:ext uri="{0D108BD9-81ED-4DB2-BD59-A6C34878D82A}">
+                    <a16:rowId xmlns:a16="http://schemas.microsoft.com/office/drawing/2014/main" val="840560485"/>
+                  </a:ext>
+                </a:extLst>
+              </a:tr>
+              <a:tr h="236806">
+                <a:tc>
+                  <a:txBody>
+                    <a:bodyPr/>
+                    <a:lstStyle/>
+                    <a:p>
+                      <a:pPr algn="ctr" latinLnBrk="1"/>
+                      <a:r>
+                        <a:rPr lang="en-US" altLang="ko-KR" dirty="0"/>
+                        <a:t>1</a:t>
+                      </a:r>
+                      <a:endParaRPr lang="ko-KR" altLang="en-US" dirty="0"/>
+                    </a:p>
+                  </a:txBody>
+                  <a:tcPr/>
+                </a:tc>
+                <a:tc>
+                  <a:txBody>
+                    <a:bodyPr/>
+                    <a:lstStyle/>
+                    <a:p>
+                      <a:pPr algn="ctr" latinLnBrk="1"/>
+                      <a:r>
+                        <a:rPr lang="ko-KR" altLang="en-US" dirty="0"/>
+                        <a:t>입고</a:t>
+                      </a:r>
+                      <a:r>
+                        <a:rPr lang="en-US" altLang="ko-KR" dirty="0"/>
+                        <a:t>/</a:t>
+                      </a:r>
+                      <a:r>
+                        <a:rPr lang="ko-KR" altLang="en-US" dirty="0"/>
+                        <a:t>수입검사</a:t>
+                      </a:r>
+                    </a:p>
+                  </a:txBody>
+                  <a:tcPr/>
+                </a:tc>
+                <a:tc>
+                  <a:txBody>
+                    <a:bodyPr/>
+                    <a:lstStyle/>
+                    <a:p>
+                      <a:pPr algn="ctr" latinLnBrk="1"/>
+                      <a:r>
+                        <a:rPr lang="en-US" altLang="ko-KR" dirty="0"/>
+                        <a:t>0.1h</a:t>
+                      </a:r>
+                      <a:endParaRPr lang="ko-KR" altLang="en-US" dirty="0"/>
+                    </a:p>
+                  </a:txBody>
+                  <a:tcPr/>
+                </a:tc>
+                <a:tc>
+                  <a:txBody>
+                    <a:bodyPr/>
+                    <a:lstStyle/>
+                    <a:p>
+                      <a:pPr algn="ctr" latinLnBrk="1"/>
+                      <a:endParaRPr lang="ko-KR" altLang="en-US" dirty="0"/>
+                    </a:p>
+                  </a:txBody>
+                  <a:tcPr/>
+                </a:tc>
+                <a:extLst>
+                  <a:ext uri="{0D108BD9-81ED-4DB2-BD59-A6C34878D82A}">
+                    <a16:rowId xmlns:a16="http://schemas.microsoft.com/office/drawing/2014/main" val="1892596642"/>
+                  </a:ext>
+                </a:extLst>
+              </a:tr>
+              <a:tr h="204981">
+                <a:tc>
+                  <a:txBody>
+                    <a:bodyPr/>
+                    <a:lstStyle/>
+                    <a:p>
+                      <a:pPr algn="ctr" latinLnBrk="1"/>
+                      <a:r>
+                        <a:rPr lang="en-US" altLang="ko-KR" dirty="0"/>
+                        <a:t>2</a:t>
+                      </a:r>
+                      <a:endParaRPr lang="ko-KR" altLang="en-US" dirty="0"/>
+                    </a:p>
+                  </a:txBody>
+                  <a:tcPr/>
+                </a:tc>
+                <a:tc>
+                  <a:txBody>
+                    <a:bodyPr/>
+                    <a:lstStyle/>
+                    <a:p>
+                      <a:pPr algn="ctr" latinLnBrk="1"/>
+                      <a:r>
+                        <a:rPr lang="ko-KR" altLang="en-US" dirty="0"/>
+                        <a:t>이물질</a:t>
+                      </a:r>
+                      <a:r>
+                        <a:rPr lang="en-US" altLang="ko-KR" dirty="0"/>
+                        <a:t> </a:t>
+                      </a:r>
+                      <a:r>
+                        <a:rPr lang="ko-KR" altLang="en-US" dirty="0"/>
+                        <a:t>제거</a:t>
+                      </a:r>
+                    </a:p>
+                  </a:txBody>
+                  <a:tcPr/>
+                </a:tc>
+                <a:tc>
+                  <a:txBody>
+                    <a:bodyPr/>
+                    <a:lstStyle/>
+                    <a:p>
+                      <a:pPr algn="ctr" latinLnBrk="1"/>
+                      <a:r>
+                        <a:rPr lang="en-US" altLang="ko-KR" dirty="0"/>
+                        <a:t>0.2h</a:t>
+                      </a:r>
+                      <a:endParaRPr lang="ko-KR" altLang="en-US" dirty="0"/>
+                    </a:p>
+                  </a:txBody>
+                  <a:tcPr/>
+                </a:tc>
+                <a:tc>
+                  <a:txBody>
+                    <a:bodyPr/>
+                    <a:lstStyle/>
+                    <a:p>
+                      <a:pPr algn="ctr" latinLnBrk="1"/>
+                      <a:endParaRPr lang="ko-KR" altLang="en-US" dirty="0"/>
+                    </a:p>
+                  </a:txBody>
+                  <a:tcPr/>
+                </a:tc>
+                <a:extLst>
+                  <a:ext uri="{0D108BD9-81ED-4DB2-BD59-A6C34878D82A}">
+                    <a16:rowId xmlns:a16="http://schemas.microsoft.com/office/drawing/2014/main" val="1276024268"/>
+                  </a:ext>
+                </a:extLst>
+              </a:tr>
+              <a:tr h="204981">
+                <a:tc>
+                  <a:txBody>
+                    <a:bodyPr/>
+                    <a:lstStyle/>
+                    <a:p>
+                      <a:pPr algn="ctr" latinLnBrk="1"/>
+                      <a:r>
+                        <a:rPr lang="en-US" altLang="ko-KR" dirty="0"/>
+                        <a:t>3</a:t>
+                      </a:r>
+                      <a:endParaRPr lang="ko-KR" altLang="en-US" dirty="0"/>
+                    </a:p>
+                  </a:txBody>
+                  <a:tcPr/>
+                </a:tc>
+                <a:tc>
+                  <a:txBody>
+                    <a:bodyPr/>
+                    <a:lstStyle/>
+                    <a:p>
+                      <a:pPr algn="ctr" latinLnBrk="1"/>
+                      <a:r>
+                        <a:rPr lang="ko-KR" altLang="en-US" dirty="0" err="1"/>
+                        <a:t>마스킹</a:t>
+                      </a:r>
+                      <a:endParaRPr lang="ko-KR" altLang="en-US" dirty="0"/>
+                    </a:p>
+                  </a:txBody>
+                  <a:tcPr/>
+                </a:tc>
+                <a:tc>
+                  <a:txBody>
+                    <a:bodyPr/>
+                    <a:lstStyle/>
+                    <a:p>
+                      <a:pPr algn="ctr" latinLnBrk="1"/>
+                      <a:r>
+                        <a:rPr lang="en-US" altLang="ko-KR" dirty="0"/>
+                        <a:t>0.5h</a:t>
+                      </a:r>
+                      <a:endParaRPr lang="ko-KR" altLang="en-US" dirty="0"/>
+                    </a:p>
+                  </a:txBody>
+                  <a:tcPr/>
+                </a:tc>
+                <a:tc>
+                  <a:txBody>
+                    <a:bodyPr/>
+                    <a:lstStyle/>
+                    <a:p>
+                      <a:pPr algn="ctr" latinLnBrk="1"/>
+                      <a:endParaRPr lang="ko-KR" altLang="en-US" dirty="0"/>
+                    </a:p>
+                  </a:txBody>
+                  <a:tcPr/>
+                </a:tc>
+                <a:extLst>
+                  <a:ext uri="{0D108BD9-81ED-4DB2-BD59-A6C34878D82A}">
+                    <a16:rowId xmlns:a16="http://schemas.microsoft.com/office/drawing/2014/main" val="3343974570"/>
+                  </a:ext>
+                </a:extLst>
+              </a:tr>
+              <a:tr h="236806">
+                <a:tc>
+                  <a:txBody>
+                    <a:bodyPr/>
+                    <a:lstStyle/>
+                    <a:p>
+                      <a:pPr algn="ctr" latinLnBrk="1"/>
+                      <a:r>
+                        <a:rPr lang="en-US" altLang="ko-KR" dirty="0"/>
+                        <a:t>4</a:t>
+                      </a:r>
+                      <a:endParaRPr lang="ko-KR" altLang="en-US" dirty="0"/>
+                    </a:p>
+                  </a:txBody>
+                  <a:tcPr/>
+                </a:tc>
+                <a:tc>
+                  <a:txBody>
+                    <a:bodyPr/>
+                    <a:lstStyle/>
+                    <a:p>
+                      <a:pPr algn="ctr" latinLnBrk="1"/>
+                      <a:r>
+                        <a:rPr lang="en-US" altLang="ko-KR" dirty="0"/>
+                        <a:t>Loading/</a:t>
+                      </a:r>
+                      <a:r>
+                        <a:rPr lang="ko-KR" altLang="en-US" dirty="0"/>
+                        <a:t>도장</a:t>
+                      </a:r>
+                    </a:p>
+                  </a:txBody>
+                  <a:tcPr/>
+                </a:tc>
+                <a:tc>
+                  <a:txBody>
+                    <a:bodyPr/>
+                    <a:lstStyle/>
+                    <a:p>
+                      <a:pPr algn="ctr" latinLnBrk="1"/>
+                      <a:r>
+                        <a:rPr lang="en-US" altLang="ko-KR" dirty="0"/>
+                        <a:t>1h</a:t>
+                      </a:r>
+                      <a:endParaRPr lang="ko-KR" altLang="en-US" dirty="0"/>
+                    </a:p>
+                  </a:txBody>
+                  <a:tcPr/>
+                </a:tc>
+                <a:tc>
+                  <a:txBody>
+                    <a:bodyPr/>
+                    <a:lstStyle/>
+                    <a:p>
+                      <a:pPr algn="ctr" latinLnBrk="1"/>
+                      <a:endParaRPr lang="ko-KR" altLang="en-US" dirty="0"/>
+                    </a:p>
+                  </a:txBody>
+                  <a:tcPr/>
+                </a:tc>
+                <a:extLst>
+                  <a:ext uri="{0D108BD9-81ED-4DB2-BD59-A6C34878D82A}">
+                    <a16:rowId xmlns:a16="http://schemas.microsoft.com/office/drawing/2014/main" val="4281218082"/>
+                  </a:ext>
+                </a:extLst>
+              </a:tr>
+              <a:tr h="236806">
+                <a:tc>
+                  <a:txBody>
+                    <a:bodyPr/>
+                    <a:lstStyle/>
+                    <a:p>
+                      <a:pPr algn="ctr" latinLnBrk="1"/>
+                      <a:r>
+                        <a:rPr lang="en-US" altLang="ko-KR" dirty="0"/>
+                        <a:t>5</a:t>
+                      </a:r>
+                      <a:endParaRPr lang="ko-KR" altLang="en-US" dirty="0"/>
+                    </a:p>
+                  </a:txBody>
+                  <a:tcPr/>
+                </a:tc>
+                <a:tc>
+                  <a:txBody>
+                    <a:bodyPr/>
+                    <a:lstStyle/>
+                    <a:p>
+                      <a:pPr algn="ctr" latinLnBrk="1"/>
+                      <a:r>
+                        <a:rPr lang="ko-KR" altLang="en-US" dirty="0"/>
+                        <a:t>건조</a:t>
+                      </a:r>
+                    </a:p>
+                  </a:txBody>
+                  <a:tcPr/>
+                </a:tc>
+                <a:tc>
+                  <a:txBody>
+                    <a:bodyPr/>
+                    <a:lstStyle/>
+                    <a:p>
+                      <a:pPr algn="ctr" latinLnBrk="1"/>
+                      <a:r>
+                        <a:rPr lang="en-US" altLang="ko-KR" dirty="0"/>
+                        <a:t>0.1h</a:t>
+                      </a:r>
+                      <a:endParaRPr lang="ko-KR" altLang="en-US" dirty="0"/>
+                    </a:p>
+                  </a:txBody>
+                  <a:tcPr/>
+                </a:tc>
+                <a:tc>
+                  <a:txBody>
+                    <a:bodyPr/>
+                    <a:lstStyle/>
+                    <a:p>
+                      <a:pPr algn="ctr" latinLnBrk="1"/>
+                      <a:endParaRPr lang="ko-KR" altLang="en-US" dirty="0"/>
+                    </a:p>
+                  </a:txBody>
+                  <a:tcPr/>
+                </a:tc>
+                <a:extLst>
+                  <a:ext uri="{0D108BD9-81ED-4DB2-BD59-A6C34878D82A}">
+                    <a16:rowId xmlns:a16="http://schemas.microsoft.com/office/drawing/2014/main" val="1262895996"/>
+                  </a:ext>
+                </a:extLst>
+              </a:tr>
+              <a:tr h="228938">
+                <a:tc>
+                  <a:txBody>
+                    <a:bodyPr/>
+                    <a:lstStyle/>
+                    <a:p>
+                      <a:pPr algn="ctr" latinLnBrk="1"/>
+                      <a:r>
+                        <a:rPr lang="en-US" altLang="ko-KR" dirty="0"/>
+                        <a:t>6</a:t>
+                      </a:r>
+                      <a:endParaRPr lang="ko-KR" altLang="en-US" dirty="0"/>
+                    </a:p>
+                  </a:txBody>
+                  <a:tcPr/>
+                </a:tc>
+                <a:tc>
+                  <a:txBody>
+                    <a:bodyPr/>
+                    <a:lstStyle/>
+                    <a:p>
+                      <a:pPr algn="ctr" latinLnBrk="1"/>
+                      <a:r>
+                        <a:rPr lang="ko-KR" altLang="en-US" dirty="0" err="1"/>
+                        <a:t>마스킹</a:t>
+                      </a:r>
+                      <a:r>
+                        <a:rPr lang="ko-KR" altLang="en-US" dirty="0"/>
+                        <a:t> 제거</a:t>
+                      </a:r>
+                    </a:p>
+                  </a:txBody>
+                  <a:tcPr/>
+                </a:tc>
+                <a:tc>
+                  <a:txBody>
+                    <a:bodyPr/>
+                    <a:lstStyle/>
+                    <a:p>
+                      <a:pPr marL="0" marR="0" lvl="0" indent="0" algn="ctr" defTabSz="914400" rtl="0" eaLnBrk="1" fontAlgn="auto" latinLnBrk="1" hangingPunct="1">
+                        <a:lnSpc>
+                          <a:spcPct val="100000"/>
+                        </a:lnSpc>
+                        <a:spcBef>
+                          <a:spcPts val="0"/>
+                        </a:spcBef>
+                        <a:spcAft>
+                          <a:spcPts val="0"/>
+                        </a:spcAft>
+                        <a:buClrTx/>
+                        <a:buSzTx/>
+                        <a:buFontTx/>
+                        <a:buNone/>
+                        <a:tabLst/>
+                        <a:defRPr/>
+                      </a:pPr>
+                      <a:r>
+                        <a:rPr lang="en-US" altLang="ko-KR" dirty="0"/>
+                        <a:t>0.2h</a:t>
+                      </a:r>
+                      <a:endParaRPr lang="ko-KR" altLang="en-US" dirty="0"/>
+                    </a:p>
+                  </a:txBody>
+                  <a:tcPr/>
+                </a:tc>
+                <a:tc>
+                  <a:txBody>
+                    <a:bodyPr/>
+                    <a:lstStyle/>
+                    <a:p>
+                      <a:pPr algn="ctr" latinLnBrk="1"/>
+                      <a:endParaRPr lang="ko-KR" altLang="en-US" dirty="0"/>
+                    </a:p>
+                  </a:txBody>
+                  <a:tcPr/>
+                </a:tc>
+                <a:extLst>
+                  <a:ext uri="{0D108BD9-81ED-4DB2-BD59-A6C34878D82A}">
+                    <a16:rowId xmlns:a16="http://schemas.microsoft.com/office/drawing/2014/main" val="738816912"/>
+                  </a:ext>
+                </a:extLst>
+              </a:tr>
+              <a:tr h="236806">
+                <a:tc>
+                  <a:txBody>
+                    <a:bodyPr/>
+                    <a:lstStyle/>
+                    <a:p>
+                      <a:pPr algn="ctr" latinLnBrk="1"/>
+                      <a:r>
+                        <a:rPr lang="en-US" altLang="ko-KR" dirty="0"/>
+                        <a:t>7</a:t>
+                      </a:r>
+                      <a:endParaRPr lang="ko-KR" altLang="en-US" dirty="0"/>
+                    </a:p>
+                  </a:txBody>
+                  <a:tcPr/>
+                </a:tc>
+                <a:tc>
+                  <a:txBody>
+                    <a:bodyPr/>
+                    <a:lstStyle/>
+                    <a:p>
+                      <a:pPr algn="ctr" latinLnBrk="1"/>
+                      <a:r>
+                        <a:rPr lang="ko-KR" altLang="en-US" dirty="0"/>
+                        <a:t>포장</a:t>
+                      </a:r>
+                    </a:p>
+                  </a:txBody>
+                  <a:tcPr/>
+                </a:tc>
+                <a:tc>
+                  <a:txBody>
+                    <a:bodyPr/>
+                    <a:lstStyle/>
+                    <a:p>
+                      <a:pPr marL="0" marR="0" lvl="0" indent="0" algn="ctr" defTabSz="914400" rtl="0" eaLnBrk="1" fontAlgn="auto" latinLnBrk="1" hangingPunct="1">
+                        <a:lnSpc>
+                          <a:spcPct val="100000"/>
+                        </a:lnSpc>
+                        <a:spcBef>
+                          <a:spcPts val="0"/>
+                        </a:spcBef>
+                        <a:spcAft>
+                          <a:spcPts val="0"/>
+                        </a:spcAft>
+                        <a:buClrTx/>
+                        <a:buSzTx/>
+                        <a:buFontTx/>
+                        <a:buNone/>
+                        <a:tabLst/>
+                        <a:defRPr/>
+                      </a:pPr>
+                      <a:r>
+                        <a:rPr lang="en-US" altLang="ko-KR" dirty="0"/>
+                        <a:t>1h</a:t>
+                      </a:r>
+                      <a:endParaRPr lang="ko-KR" altLang="en-US" dirty="0"/>
+                    </a:p>
+                  </a:txBody>
+                  <a:tcPr/>
+                </a:tc>
+                <a:tc>
+                  <a:txBody>
+                    <a:bodyPr/>
+                    <a:lstStyle/>
+                    <a:p>
+                      <a:pPr algn="ctr" latinLnBrk="1"/>
+                      <a:endParaRPr lang="ko-KR" altLang="en-US" dirty="0"/>
+                    </a:p>
+                  </a:txBody>
+                  <a:tcPr/>
+                </a:tc>
+                <a:extLst>
+                  <a:ext uri="{0D108BD9-81ED-4DB2-BD59-A6C34878D82A}">
+                    <a16:rowId xmlns:a16="http://schemas.microsoft.com/office/drawing/2014/main" val="3792292462"/>
+                  </a:ext>
+                </a:extLst>
+              </a:tr>
+            </a:tbl>
+          </a:graphicData>
+        </a:graphic>
+      </p:graphicFrame>
       <p:sp>
         <p:nvSpPr>
-          <p:cNvPr id="11" name="타원 10">
-            <a:extLst>
-              <a:ext uri="{FF2B5EF4-FFF2-40B4-BE49-F238E27FC236}">
-                <a16:creationId xmlns:a16="http://schemas.microsoft.com/office/drawing/2014/main" id="{115E23FA-2725-4507-BCF6-F31FD2D6B804}"/>
+          <p:cNvPr id="8" name="타원 7">
+            <a:extLst>
+              <a:ext uri="{FF2B5EF4-FFF2-40B4-BE49-F238E27FC236}">
+                <a16:creationId xmlns:a16="http://schemas.microsoft.com/office/drawing/2014/main" id="{C8496266-565B-D4B4-A69C-6CEBAC29D5D0}"/>
               </a:ext>
             </a:extLst>
           </p:cNvPr>
@@ -15482,7 +18785,7 @@
         </p:nvSpPr>
         <p:spPr>
           <a:xfrm>
-            <a:off x="7230790" y="1065377"/>
+            <a:off x="10661610" y="1076690"/>
             <a:ext cx="244929" cy="224398"/>
           </a:xfrm>
           <a:prstGeom prst="ellipse">
@@ -15520,67 +18823,6 @@
                 </a:solidFill>
               </a:rPr>
               <a:t>1</a:t>
-            </a:r>
-            <a:endParaRPr lang="ko-KR" altLang="en-US" dirty="0">
-              <a:solidFill>
-                <a:schemeClr val="tx1"/>
-              </a:solidFill>
-            </a:endParaRPr>
-          </a:p>
-        </p:txBody>
-      </p:sp>
-      <p:sp>
-        <p:nvSpPr>
-          <p:cNvPr id="13" name="타원 12">
-            <a:extLst>
-              <a:ext uri="{FF2B5EF4-FFF2-40B4-BE49-F238E27FC236}">
-                <a16:creationId xmlns:a16="http://schemas.microsoft.com/office/drawing/2014/main" id="{DE6E2EAF-9072-45DF-AF13-51A29BFED743}"/>
-              </a:ext>
-            </a:extLst>
-          </p:cNvPr>
-          <p:cNvSpPr/>
-          <p:nvPr/>
-        </p:nvSpPr>
-        <p:spPr>
-          <a:xfrm>
-            <a:off x="9309362" y="4367675"/>
-            <a:ext cx="244929" cy="224398"/>
-          </a:xfrm>
-          <a:prstGeom prst="ellipse">
-            <a:avLst/>
-          </a:prstGeom>
-          <a:solidFill>
-            <a:srgbClr val="FFFF00"/>
-          </a:solidFill>
-        </p:spPr>
-        <p:style>
-          <a:lnRef idx="2">
-            <a:schemeClr val="accent1">
-              <a:shade val="15000"/>
-            </a:schemeClr>
-          </a:lnRef>
-          <a:fillRef idx="1">
-            <a:schemeClr val="accent1"/>
-          </a:fillRef>
-          <a:effectRef idx="0">
-            <a:schemeClr val="accent1"/>
-          </a:effectRef>
-          <a:fontRef idx="minor">
-            <a:schemeClr val="lt1"/>
-          </a:fontRef>
-        </p:style>
-        <p:txBody>
-          <a:bodyPr rtlCol="0" anchor="ctr"/>
-          <a:lstStyle/>
-          <a:p>
-            <a:pPr algn="ctr"/>
-            <a:r>
-              <a:rPr lang="en-US" altLang="ko-KR" dirty="0">
-                <a:solidFill>
-                  <a:schemeClr val="tx1"/>
-                </a:solidFill>
-              </a:rPr>
-              <a:t>2</a:t>
             </a:r>
             <a:endParaRPr lang="ko-KR" altLang="en-US" dirty="0">
               <a:solidFill>

--- a/화면설계서/수주대상 품목 입출고 관리 페이지(수정중).pptx
+++ b/화면설계서/수주대상 품목 입출고 관리 페이지(수정중).pptx
@@ -10301,8 +10301,8 @@
         </p:nvSpPr>
         <p:spPr>
           <a:xfrm>
-            <a:off x="386644" y="1567399"/>
-            <a:ext cx="1761062" cy="681292"/>
+            <a:off x="386643" y="1567399"/>
+            <a:ext cx="3326615" cy="681292"/>
           </a:xfrm>
           <a:prstGeom prst="rect">
             <a:avLst/>
@@ -10333,9 +10333,10 @@
           <a:p>
             <a:pPr algn="ctr"/>
             <a:r>
-              <a:rPr lang="ko-KR" altLang="en-US" sz="2000" dirty="0"/>
-              <a:t>품목명</a:t>
+              <a:rPr lang="en-US" altLang="ko-KR" sz="2000" dirty="0"/>
+              <a:t>LOT-yyyyMMdd-001</a:t>
             </a:r>
+            <a:endParaRPr lang="ko-KR" altLang="en-US" sz="2000" dirty="0"/>
           </a:p>
         </p:txBody>
       </p:sp>
@@ -10354,13 +10355,13 @@
           <p:nvPr>
             <p:extLst>
               <p:ext uri="{D42A27DB-BD31-4B8C-83A1-F6EECF244321}">
-                <p14:modId xmlns:p14="http://schemas.microsoft.com/office/powerpoint/2010/main" val="1744425769"/>
+                <p14:modId xmlns:p14="http://schemas.microsoft.com/office/powerpoint/2010/main" val="1085017190"/>
               </p:ext>
             </p:extLst>
           </p:nvPr>
         </p:nvGraphicFramePr>
         <p:xfrm>
-          <a:off x="2182203" y="3998875"/>
+          <a:off x="2180315" y="4681551"/>
           <a:ext cx="1160093" cy="1463040"/>
         </p:xfrm>
         <a:graphic>
@@ -10405,7 +10406,7 @@
                       <a:pPr latinLnBrk="1"/>
                       <a:r>
                         <a:rPr lang="ko-KR" altLang="en-US" dirty="0"/>
-                        <a:t>진행 중</a:t>
+                        <a:t>대기</a:t>
                       </a:r>
                     </a:p>
                   </a:txBody>
@@ -10426,7 +10427,7 @@
                       <a:pPr latinLnBrk="1"/>
                       <a:r>
                         <a:rPr lang="ko-KR" altLang="en-US" dirty="0"/>
-                        <a:t>진행 전</a:t>
+                        <a:t>진행 중</a:t>
                       </a:r>
                     </a:p>
                   </a:txBody>
@@ -10568,14 +10569,14 @@
           <p:nvPr>
             <p:extLst>
               <p:ext uri="{D42A27DB-BD31-4B8C-83A1-F6EECF244321}">
-                <p14:modId xmlns:p14="http://schemas.microsoft.com/office/powerpoint/2010/main" val="4100464364"/>
+                <p14:modId xmlns:p14="http://schemas.microsoft.com/office/powerpoint/2010/main" val="3309453018"/>
               </p:ext>
             </p:extLst>
           </p:nvPr>
         </p:nvGraphicFramePr>
         <p:xfrm>
           <a:off x="874711" y="2112460"/>
-          <a:ext cx="10292440" cy="2286822"/>
+          <a:ext cx="10292440" cy="2926902"/>
         </p:xfrm>
         <a:graphic>
           <a:graphicData uri="http://schemas.openxmlformats.org/drawingml/2006/table">
@@ -10648,7 +10649,10 @@
                     <a:lstStyle/>
                     <a:p>
                       <a:pPr latinLnBrk="1"/>
-                      <a:endParaRPr lang="ko-KR" altLang="en-US" dirty="0"/>
+                      <a:r>
+                        <a:rPr lang="ko-KR" altLang="en-US" dirty="0"/>
+                        <a:t>공정명</a:t>
+                      </a:r>
                     </a:p>
                   </a:txBody>
                   <a:tcPr/>
@@ -10792,7 +10796,7 @@
                   </a:ext>
                 </a:extLst>
               </a:tr>
-              <a:tr h="868971">
+              <a:tr h="457200">
                 <a:tc>
                   <a:txBody>
                     <a:bodyPr/>
@@ -10800,35 +10804,9 @@
                     <a:p>
                       <a:pPr latinLnBrk="1"/>
                       <a:r>
-                        <a:rPr lang="ko-KR" altLang="en-US" dirty="0"/>
-                        <a:t>공정 시작시간</a:t>
-                      </a:r>
-                    </a:p>
-                  </a:txBody>
-                  <a:tcPr/>
-                </a:tc>
-                <a:tc>
-                  <a:txBody>
-                    <a:bodyPr/>
-                    <a:lstStyle/>
-                    <a:p>
-                      <a:pPr latinLnBrk="1"/>
-                      <a:r>
-                        <a:rPr lang="en-US" altLang="ko-KR" sz="1600" dirty="0"/>
-                        <a:t>2025.8.17</a:t>
-                      </a:r>
-                    </a:p>
-                    <a:p>
-                      <a:pPr latinLnBrk="1"/>
-                      <a:r>
-                        <a:rPr lang="en-US" altLang="ko-KR" sz="1600" dirty="0"/>
-                        <a:t>10:00 </a:t>
-                      </a:r>
-                      <a:endParaRPr lang="ko-KR" altLang="en-US" sz="1600" dirty="0"/>
-                    </a:p>
-                    <a:p>
-                      <a:pPr latinLnBrk="1"/>
-                      <a:endParaRPr lang="ko-KR" altLang="en-US" sz="1600" dirty="0"/>
+                        <a:rPr lang="ko-KR" altLang="en-US" sz="1800" dirty="0"/>
+                        <a:t>시작시간</a:t>
+                      </a:r>
                     </a:p>
                   </a:txBody>
                   <a:tcPr/>
@@ -10848,13 +10826,9 @@
                       <a:pPr latinLnBrk="1"/>
                       <a:r>
                         <a:rPr lang="en-US" altLang="ko-KR" sz="1800" dirty="0"/>
-                        <a:t>10:27 </a:t>
+                        <a:t>10:00 </a:t>
                       </a:r>
                       <a:endParaRPr lang="ko-KR" altLang="en-US" sz="1800" dirty="0"/>
-                    </a:p>
-                    <a:p>
-                      <a:pPr latinLnBrk="1"/>
-                      <a:endParaRPr lang="ko-KR" altLang="en-US" dirty="0"/>
                     </a:p>
                   </a:txBody>
                   <a:tcPr/>
@@ -10874,13 +10848,13 @@
                       <a:pPr latinLnBrk="1"/>
                       <a:r>
                         <a:rPr lang="en-US" altLang="ko-KR" sz="1800" dirty="0"/>
-                        <a:t>10:30 </a:t>
+                        <a:t>11:00</a:t>
                       </a:r>
                       <a:endParaRPr lang="ko-KR" altLang="en-US" sz="1800" dirty="0"/>
                     </a:p>
                     <a:p>
                       <a:pPr latinLnBrk="1"/>
-                      <a:endParaRPr lang="ko-KR" altLang="en-US" dirty="0"/>
+                      <a:endParaRPr lang="ko-KR" altLang="en-US" sz="1800" dirty="0"/>
                     </a:p>
                   </a:txBody>
                   <a:tcPr/>
@@ -10891,29 +10865,22 @@
                     <a:lstStyle/>
                     <a:p>
                       <a:pPr latinLnBrk="1"/>
-                      <a:endParaRPr lang="ko-KR" altLang="en-US" dirty="0"/>
-                    </a:p>
-                  </a:txBody>
-                  <a:tcPr/>
-                </a:tc>
-                <a:tc>
-                  <a:txBody>
-                    <a:bodyPr/>
-                    <a:lstStyle/>
+                      <a:r>
+                        <a:rPr lang="en-US" altLang="ko-KR" sz="1800" dirty="0"/>
+                        <a:t>2025.8.17</a:t>
+                      </a:r>
+                    </a:p>
                     <a:p>
                       <a:pPr latinLnBrk="1"/>
-                      <a:endParaRPr lang="ko-KR" altLang="en-US"/>
-                    </a:p>
-                  </a:txBody>
-                  <a:tcPr/>
-                </a:tc>
-                <a:tc>
-                  <a:txBody>
-                    <a:bodyPr/>
-                    <a:lstStyle/>
+                      <a:r>
+                        <a:rPr lang="en-US" altLang="ko-KR" sz="1800" dirty="0"/>
+                        <a:t>12:00</a:t>
+                      </a:r>
+                      <a:endParaRPr lang="ko-KR" altLang="en-US" sz="1800" dirty="0"/>
+                    </a:p>
                     <a:p>
                       <a:pPr latinLnBrk="1"/>
-                      <a:endParaRPr lang="ko-KR" altLang="en-US" dirty="0"/>
+                      <a:endParaRPr lang="ko-KR" altLang="en-US" sz="1800" dirty="0"/>
                     </a:p>
                   </a:txBody>
                   <a:tcPr/>
@@ -10924,7 +10891,40 @@
                     <a:lstStyle/>
                     <a:p>
                       <a:pPr latinLnBrk="1"/>
-                      <a:endParaRPr lang="ko-KR" altLang="en-US" dirty="0"/>
+                      <a:endParaRPr lang="ko-KR" altLang="en-US" sz="1800" dirty="0"/>
+                    </a:p>
+                  </a:txBody>
+                  <a:tcPr/>
+                </a:tc>
+                <a:tc>
+                  <a:txBody>
+                    <a:bodyPr/>
+                    <a:lstStyle/>
+                    <a:p>
+                      <a:pPr latinLnBrk="1"/>
+                      <a:endParaRPr lang="ko-KR" altLang="en-US" sz="1800" dirty="0"/>
+                    </a:p>
+                  </a:txBody>
+                  <a:tcPr/>
+                </a:tc>
+                <a:tc>
+                  <a:txBody>
+                    <a:bodyPr/>
+                    <a:lstStyle/>
+                    <a:p>
+                      <a:pPr latinLnBrk="1"/>
+                      <a:endParaRPr lang="ko-KR" altLang="en-US" sz="1800" dirty="0"/>
+                    </a:p>
+                  </a:txBody>
+                  <a:tcPr/>
+                </a:tc>
+                <a:tc>
+                  <a:txBody>
+                    <a:bodyPr/>
+                    <a:lstStyle/>
+                    <a:p>
+                      <a:pPr latinLnBrk="1"/>
+                      <a:endParaRPr lang="ko-KR" altLang="en-US" sz="1800" dirty="0"/>
                     </a:p>
                   </a:txBody>
                   <a:tcPr/>
@@ -10935,6 +10935,152 @@
                   </a:ext>
                 </a:extLst>
               </a:tr>
+              <a:tr h="457200">
+                <a:tc>
+                  <a:txBody>
+                    <a:bodyPr/>
+                    <a:lstStyle/>
+                    <a:p>
+                      <a:pPr latinLnBrk="1"/>
+                      <a:r>
+                        <a:rPr lang="ko-KR" altLang="en-US" sz="1800" dirty="0"/>
+                        <a:t>공정 시간</a:t>
+                      </a:r>
+                    </a:p>
+                  </a:txBody>
+                  <a:tcPr/>
+                </a:tc>
+                <a:tc>
+                  <a:txBody>
+                    <a:bodyPr/>
+                    <a:lstStyle/>
+                    <a:p>
+                      <a:pPr latinLnBrk="1"/>
+                      <a:r>
+                        <a:rPr lang="en-US" altLang="ko-KR" sz="1800" dirty="0"/>
+                        <a:t>0.5h</a:t>
+                      </a:r>
+                      <a:endParaRPr lang="ko-KR" altLang="en-US" sz="1800" dirty="0"/>
+                    </a:p>
+                  </a:txBody>
+                  <a:tcPr/>
+                </a:tc>
+                <a:tc>
+                  <a:txBody>
+                    <a:bodyPr/>
+                    <a:lstStyle/>
+                    <a:p>
+                      <a:pPr marL="0" marR="0" lvl="0" indent="0" algn="l" defTabSz="914400" rtl="0" eaLnBrk="1" fontAlgn="auto" latinLnBrk="1" hangingPunct="1">
+                        <a:lnSpc>
+                          <a:spcPct val="100000"/>
+                        </a:lnSpc>
+                        <a:spcBef>
+                          <a:spcPts val="0"/>
+                        </a:spcBef>
+                        <a:spcAft>
+                          <a:spcPts val="0"/>
+                        </a:spcAft>
+                        <a:buClrTx/>
+                        <a:buSzTx/>
+                        <a:buFontTx/>
+                        <a:buNone/>
+                        <a:tabLst/>
+                        <a:defRPr/>
+                      </a:pPr>
+                      <a:r>
+                        <a:rPr lang="en-US" altLang="ko-KR" sz="1800" dirty="0"/>
+                        <a:t>1h</a:t>
+                      </a:r>
+                      <a:endParaRPr lang="ko-KR" altLang="en-US" sz="1800" dirty="0"/>
+                    </a:p>
+                    <a:p>
+                      <a:pPr latinLnBrk="1"/>
+                      <a:endParaRPr lang="ko-KR" altLang="en-US" sz="1800" dirty="0"/>
+                    </a:p>
+                  </a:txBody>
+                  <a:tcPr/>
+                </a:tc>
+                <a:tc>
+                  <a:txBody>
+                    <a:bodyPr/>
+                    <a:lstStyle/>
+                    <a:p>
+                      <a:pPr latinLnBrk="1"/>
+                      <a:r>
+                        <a:rPr lang="en-US" altLang="ko-KR" sz="1800" dirty="0"/>
+                        <a:t>4h</a:t>
+                      </a:r>
+                      <a:endParaRPr lang="ko-KR" altLang="en-US" sz="1800" dirty="0"/>
+                    </a:p>
+                  </a:txBody>
+                  <a:tcPr/>
+                </a:tc>
+                <a:tc>
+                  <a:txBody>
+                    <a:bodyPr/>
+                    <a:lstStyle/>
+                    <a:p>
+                      <a:pPr latinLnBrk="1"/>
+                      <a:r>
+                        <a:rPr lang="en-US" altLang="ko-KR" sz="1800" dirty="0"/>
+                        <a:t>0.2h</a:t>
+                      </a:r>
+                      <a:endParaRPr lang="ko-KR" altLang="en-US" sz="1800" dirty="0"/>
+                    </a:p>
+                  </a:txBody>
+                  <a:tcPr/>
+                </a:tc>
+                <a:tc>
+                  <a:txBody>
+                    <a:bodyPr/>
+                    <a:lstStyle/>
+                    <a:p>
+                      <a:pPr latinLnBrk="1"/>
+                      <a:r>
+                        <a:rPr lang="en-US" altLang="ko-KR" sz="1800" dirty="0"/>
+                        <a:t>0.1h</a:t>
+                      </a:r>
+                      <a:endParaRPr lang="ko-KR" altLang="en-US" sz="1800" dirty="0"/>
+                    </a:p>
+                  </a:txBody>
+                  <a:tcPr/>
+                </a:tc>
+                <a:tc>
+                  <a:txBody>
+                    <a:bodyPr/>
+                    <a:lstStyle/>
+                    <a:p>
+                      <a:pPr latinLnBrk="1"/>
+                      <a:r>
+                        <a:rPr lang="en-US" altLang="ko-KR" sz="1800" dirty="0"/>
+                        <a:t>0.1h</a:t>
+                      </a:r>
+                      <a:endParaRPr lang="ko-KR" altLang="en-US" sz="1800" dirty="0"/>
+                    </a:p>
+                  </a:txBody>
+                  <a:tcPr/>
+                </a:tc>
+                <a:tc>
+                  <a:txBody>
+                    <a:bodyPr/>
+                    <a:lstStyle/>
+                    <a:p>
+                      <a:pPr latinLnBrk="1"/>
+                      <a:r>
+                        <a:rPr lang="en-US" altLang="ko-KR" sz="1800" dirty="0"/>
+                        <a:t>1h</a:t>
+                      </a:r>
+                      <a:endParaRPr lang="ko-KR" altLang="en-US" sz="1800" dirty="0"/>
+                    </a:p>
+                  </a:txBody>
+                  <a:tcPr/>
+                </a:tc>
+                <a:extLst>
+                  <a:ext uri="{0D108BD9-81ED-4DB2-BD59-A6C34878D82A}">
+                    <a16:rowId xmlns:a16="http://schemas.microsoft.com/office/drawing/2014/main" val="337249984"/>
+                  </a:ext>
+                </a:extLst>
+              </a:tr>
               <a:tr h="868971">
                 <a:tc>
                   <a:txBody>
@@ -10943,7 +11089,7 @@
                     <a:p>
                       <a:pPr latinLnBrk="1"/>
                       <a:r>
-                        <a:rPr lang="ko-KR" altLang="en-US" dirty="0"/>
+                        <a:rPr lang="ko-KR" altLang="en-US" sz="1800" dirty="0"/>
                         <a:t>공정 진행현황</a:t>
                       </a:r>
                     </a:p>
@@ -10957,7 +11103,7 @@
                     <a:p>
                       <a:pPr latinLnBrk="1"/>
                       <a:r>
-                        <a:rPr lang="ko-KR" altLang="en-US" dirty="0"/>
+                        <a:rPr lang="ko-KR" altLang="en-US" sz="1800" dirty="0"/>
                         <a:t>완료</a:t>
                       </a:r>
                     </a:p>
@@ -10971,7 +11117,21 @@
                     <a:p>
                       <a:pPr latinLnBrk="1"/>
                       <a:r>
-                        <a:rPr lang="ko-KR" altLang="en-US" dirty="0"/>
+                        <a:rPr lang="ko-KR" altLang="en-US" sz="1800" dirty="0"/>
+                        <a:t>완료</a:t>
+                      </a:r>
+                    </a:p>
+                  </a:txBody>
+                  <a:tcPr/>
+                </a:tc>
+                <a:tc>
+                  <a:txBody>
+                    <a:bodyPr/>
+                    <a:lstStyle/>
+                    <a:p>
+                      <a:pPr latinLnBrk="1"/>
+                      <a:r>
+                        <a:rPr lang="ko-KR" altLang="en-US" sz="1800" dirty="0"/>
                         <a:t>진행 중</a:t>
                       </a:r>
                     </a:p>
@@ -10985,8 +11145,8 @@
                     <a:p>
                       <a:pPr latinLnBrk="1"/>
                       <a:r>
-                        <a:rPr lang="ko-KR" altLang="en-US" dirty="0"/>
-                        <a:t>진행 전</a:t>
+                        <a:rPr lang="ko-KR" altLang="en-US" sz="1800" dirty="0"/>
+                        <a:t>대기</a:t>
                       </a:r>
                     </a:p>
                   </a:txBody>
@@ -10999,8 +11159,8 @@
                     <a:p>
                       <a:pPr latinLnBrk="1"/>
                       <a:r>
-                        <a:rPr lang="ko-KR" altLang="en-US" dirty="0"/>
-                        <a:t>진행 전</a:t>
+                        <a:rPr lang="ko-KR" altLang="en-US" sz="1800" dirty="0"/>
+                        <a:t>대기</a:t>
                       </a:r>
                     </a:p>
                   </a:txBody>
@@ -11013,8 +11173,8 @@
                     <a:p>
                       <a:pPr latinLnBrk="1"/>
                       <a:r>
-                        <a:rPr lang="ko-KR" altLang="en-US" dirty="0"/>
-                        <a:t>진행 전</a:t>
+                        <a:rPr lang="ko-KR" altLang="en-US" sz="1800" dirty="0"/>
+                        <a:t>대기</a:t>
                       </a:r>
                     </a:p>
                   </a:txBody>
@@ -11027,22 +11187,8 @@
                     <a:p>
                       <a:pPr latinLnBrk="1"/>
                       <a:r>
-                        <a:rPr lang="ko-KR" altLang="en-US" dirty="0"/>
-                        <a:t>진행 전</a:t>
-                      </a:r>
-                    </a:p>
-                  </a:txBody>
-                  <a:tcPr/>
-                </a:tc>
-                <a:tc>
-                  <a:txBody>
-                    <a:bodyPr/>
-                    <a:lstStyle/>
-                    <a:p>
-                      <a:pPr latinLnBrk="1"/>
-                      <a:r>
-                        <a:rPr lang="ko-KR" altLang="en-US" dirty="0"/>
-                        <a:t>진행 전</a:t>
+                        <a:rPr lang="ko-KR" altLang="en-US" sz="1800" dirty="0"/>
+                        <a:t>대기</a:t>
                       </a:r>
                     </a:p>
                   </a:txBody>
@@ -11072,7 +11218,7 @@
         </p:nvSpPr>
         <p:spPr>
           <a:xfrm flipV="1">
-            <a:off x="2790826" y="3600460"/>
+            <a:off x="2760362" y="4281739"/>
             <a:ext cx="157159" cy="135482"/>
           </a:xfrm>
           <a:prstGeom prst="triangle">
@@ -11118,7 +11264,7 @@
         </p:nvSpPr>
         <p:spPr>
           <a:xfrm flipV="1">
-            <a:off x="4243388" y="3600460"/>
+            <a:off x="3924095" y="4281739"/>
             <a:ext cx="157159" cy="135482"/>
           </a:xfrm>
           <a:prstGeom prst="triangle">
@@ -11164,7 +11310,7 @@
         </p:nvSpPr>
         <p:spPr>
           <a:xfrm flipV="1">
-            <a:off x="5617370" y="3600460"/>
+            <a:off x="5606536" y="4273919"/>
             <a:ext cx="157159" cy="135482"/>
           </a:xfrm>
           <a:prstGeom prst="triangle">
@@ -11210,7 +11356,7 @@
         </p:nvSpPr>
         <p:spPr>
           <a:xfrm flipV="1">
-            <a:off x="6939698" y="3600460"/>
+            <a:off x="6584289" y="4281739"/>
             <a:ext cx="157159" cy="135482"/>
           </a:xfrm>
           <a:prstGeom prst="triangle">
@@ -11256,7 +11402,7 @@
         </p:nvSpPr>
         <p:spPr>
           <a:xfrm flipV="1">
-            <a:off x="8183446" y="3600460"/>
+            <a:off x="7864129" y="4281739"/>
             <a:ext cx="157159" cy="135482"/>
           </a:xfrm>
           <a:prstGeom prst="triangle">
@@ -11302,7 +11448,7 @@
         </p:nvSpPr>
         <p:spPr>
           <a:xfrm flipV="1">
-            <a:off x="9518139" y="3600460"/>
+            <a:off x="9158329" y="4281739"/>
             <a:ext cx="157159" cy="135482"/>
           </a:xfrm>
           <a:prstGeom prst="triangle">
@@ -11348,7 +11494,7 @@
         </p:nvSpPr>
         <p:spPr>
           <a:xfrm flipV="1">
-            <a:off x="10779299" y="3708995"/>
+            <a:off x="10466316" y="4281739"/>
             <a:ext cx="126336" cy="135482"/>
           </a:xfrm>
           <a:prstGeom prst="triangle">
@@ -11394,7 +11540,7 @@
         </p:nvSpPr>
         <p:spPr>
           <a:xfrm>
-            <a:off x="3026565" y="3556002"/>
+            <a:off x="3007780" y="4277172"/>
             <a:ext cx="244929" cy="224398"/>
           </a:xfrm>
           <a:prstGeom prst="ellipse">
@@ -11431,200 +11577,9 @@
                   <a:schemeClr val="tx1"/>
                 </a:solidFill>
               </a:rPr>
-              <a:t>2</a:t>
-            </a:r>
-            <a:endParaRPr lang="ko-KR" altLang="en-US" dirty="0">
-              <a:solidFill>
-                <a:schemeClr val="tx1"/>
-              </a:solidFill>
-            </a:endParaRPr>
-          </a:p>
-        </p:txBody>
-      </p:sp>
-      <p:sp>
-        <p:nvSpPr>
-          <p:cNvPr id="22" name="타원 21">
-            <a:extLst>
-              <a:ext uri="{FF2B5EF4-FFF2-40B4-BE49-F238E27FC236}">
-                <a16:creationId xmlns:a16="http://schemas.microsoft.com/office/drawing/2014/main" id="{EF40CE98-C19E-4888-86E3-89AAA692AE61}"/>
-              </a:ext>
-            </a:extLst>
-          </p:cNvPr>
-          <p:cNvSpPr/>
-          <p:nvPr/>
-        </p:nvSpPr>
-        <p:spPr>
-          <a:xfrm>
-            <a:off x="5745977" y="3091823"/>
-            <a:ext cx="244929" cy="224398"/>
-          </a:xfrm>
-          <a:prstGeom prst="ellipse">
-            <a:avLst/>
-          </a:prstGeom>
-          <a:solidFill>
-            <a:srgbClr val="FFFF00"/>
-          </a:solidFill>
-        </p:spPr>
-        <p:style>
-          <a:lnRef idx="2">
-            <a:schemeClr val="accent1">
-              <a:shade val="15000"/>
-            </a:schemeClr>
-          </a:lnRef>
-          <a:fillRef idx="1">
-            <a:schemeClr val="accent1"/>
-          </a:fillRef>
-          <a:effectRef idx="0">
-            <a:schemeClr val="accent1"/>
-          </a:effectRef>
-          <a:fontRef idx="minor">
-            <a:schemeClr val="lt1"/>
-          </a:fontRef>
-        </p:style>
-        <p:txBody>
-          <a:bodyPr rtlCol="0" anchor="ctr"/>
-          <a:lstStyle/>
-          <a:p>
-            <a:pPr algn="ctr"/>
-            <a:r>
-              <a:rPr lang="en-US" altLang="ko-KR" dirty="0">
-                <a:solidFill>
-                  <a:schemeClr val="tx1"/>
-                </a:solidFill>
-              </a:rPr>
               <a:t>1</a:t>
             </a:r>
             <a:endParaRPr lang="ko-KR" altLang="en-US" dirty="0">
-              <a:solidFill>
-                <a:schemeClr val="tx1"/>
-              </a:solidFill>
-            </a:endParaRPr>
-          </a:p>
-        </p:txBody>
-      </p:sp>
-      <p:sp>
-        <p:nvSpPr>
-          <p:cNvPr id="24" name="직사각형 23">
-            <a:extLst>
-              <a:ext uri="{FF2B5EF4-FFF2-40B4-BE49-F238E27FC236}">
-                <a16:creationId xmlns:a16="http://schemas.microsoft.com/office/drawing/2014/main" id="{1B916072-C2E2-C335-5116-D5775EC51623}"/>
-              </a:ext>
-            </a:extLst>
-          </p:cNvPr>
-          <p:cNvSpPr/>
-          <p:nvPr/>
-        </p:nvSpPr>
-        <p:spPr>
-          <a:xfrm>
-            <a:off x="4739955" y="3537535"/>
-            <a:ext cx="1264972" cy="396814"/>
-          </a:xfrm>
-          <a:prstGeom prst="rect">
-            <a:avLst/>
-          </a:prstGeom>
-          <a:solidFill>
-            <a:schemeClr val="bg1"/>
-          </a:solidFill>
-        </p:spPr>
-        <p:style>
-          <a:lnRef idx="2">
-            <a:schemeClr val="accent1">
-              <a:shade val="15000"/>
-            </a:schemeClr>
-          </a:lnRef>
-          <a:fillRef idx="1">
-            <a:schemeClr val="accent1"/>
-          </a:fillRef>
-          <a:effectRef idx="0">
-            <a:schemeClr val="accent1"/>
-          </a:effectRef>
-          <a:fontRef idx="minor">
-            <a:schemeClr val="lt1"/>
-          </a:fontRef>
-        </p:style>
-        <p:txBody>
-          <a:bodyPr rtlCol="0" anchor="ctr"/>
-          <a:lstStyle/>
-          <a:p>
-            <a:pPr algn="ctr"/>
-            <a:r>
-              <a:rPr lang="en-US" altLang="ko-KR" dirty="0">
-                <a:solidFill>
-                  <a:schemeClr val="tx1"/>
-                </a:solidFill>
-              </a:rPr>
-              <a:t>2025-8-17</a:t>
-            </a:r>
-            <a:endParaRPr lang="ko-KR" altLang="en-US" dirty="0">
-              <a:solidFill>
-                <a:schemeClr val="tx1"/>
-              </a:solidFill>
-            </a:endParaRPr>
-          </a:p>
-        </p:txBody>
-      </p:sp>
-      <p:sp>
-        <p:nvSpPr>
-          <p:cNvPr id="25" name="직사각형 24">
-            <a:extLst>
-              <a:ext uri="{FF2B5EF4-FFF2-40B4-BE49-F238E27FC236}">
-                <a16:creationId xmlns:a16="http://schemas.microsoft.com/office/drawing/2014/main" id="{648DBDD7-60D8-951F-FC37-23F3FAC7C4BA}"/>
-              </a:ext>
-            </a:extLst>
-          </p:cNvPr>
-          <p:cNvSpPr/>
-          <p:nvPr/>
-        </p:nvSpPr>
-        <p:spPr>
-          <a:xfrm>
-            <a:off x="4739955" y="3943007"/>
-            <a:ext cx="1264972" cy="396814"/>
-          </a:xfrm>
-          <a:prstGeom prst="rect">
-            <a:avLst/>
-          </a:prstGeom>
-          <a:solidFill>
-            <a:schemeClr val="bg1"/>
-          </a:solidFill>
-        </p:spPr>
-        <p:style>
-          <a:lnRef idx="2">
-            <a:schemeClr val="accent1">
-              <a:shade val="15000"/>
-            </a:schemeClr>
-          </a:lnRef>
-          <a:fillRef idx="1">
-            <a:schemeClr val="accent1"/>
-          </a:fillRef>
-          <a:effectRef idx="0">
-            <a:schemeClr val="accent1"/>
-          </a:effectRef>
-          <a:fontRef idx="minor">
-            <a:schemeClr val="lt1"/>
-          </a:fontRef>
-        </p:style>
-        <p:txBody>
-          <a:bodyPr rtlCol="0" anchor="ctr"/>
-          <a:lstStyle/>
-          <a:p>
-            <a:pPr algn="ctr"/>
-            <a:r>
-              <a:rPr lang="ko-KR" altLang="en-US" sz="1700" dirty="0">
-                <a:solidFill>
-                  <a:schemeClr val="tx1"/>
-                </a:solidFill>
-              </a:rPr>
-              <a:t>오전</a:t>
-            </a:r>
-            <a:r>
-              <a:rPr lang="en-US" altLang="ko-KR" sz="1700" dirty="0">
-                <a:solidFill>
-                  <a:schemeClr val="tx1"/>
-                </a:solidFill>
-              </a:rPr>
-              <a:t> 10:30</a:t>
-            </a:r>
-            <a:endParaRPr lang="ko-KR" altLang="en-US" sz="1700" dirty="0">
               <a:solidFill>
                 <a:schemeClr val="tx1"/>
               </a:solidFill>
@@ -18168,7 +18123,7 @@
           <p:nvPr>
             <p:extLst>
               <p:ext uri="{D42A27DB-BD31-4B8C-83A1-F6EECF244321}">
-                <p14:modId xmlns:p14="http://schemas.microsoft.com/office/powerpoint/2010/main" val="1700690533"/>
+                <p14:modId xmlns:p14="http://schemas.microsoft.com/office/powerpoint/2010/main" val="580956975"/>
               </p:ext>
             </p:extLst>
           </p:nvPr>
@@ -18689,7 +18644,7 @@
                   </a:ext>
                 </a:extLst>
               </a:tr>
-              <a:tr h="236806">
+              <a:tr h="0">
                 <a:tc>
                   <a:txBody>
                     <a:bodyPr/>

--- a/화면설계서/수주대상 품목 입출고 관리 페이지(수정중).pptx
+++ b/화면설계서/수주대상 품목 입출고 관리 페이지(수정중).pptx
@@ -6119,7 +6119,7 @@
           <p:nvPr>
             <p:extLst>
               <p:ext uri="{D42A27DB-BD31-4B8C-83A1-F6EECF244321}">
-                <p14:modId xmlns:p14="http://schemas.microsoft.com/office/powerpoint/2010/main" val="1065339526"/>
+                <p14:modId xmlns:p14="http://schemas.microsoft.com/office/powerpoint/2010/main" val="548179027"/>
               </p:ext>
             </p:extLst>
           </p:nvPr>
@@ -6372,14 +6372,14 @@
                         <a:defRPr/>
                       </a:pPr>
                       <a:r>
-                        <a:rPr lang="ko-KR" altLang="en-US" b="0" u="sng" dirty="0"/>
+                        <a:rPr lang="ko-KR" altLang="en-US" b="0" u="none" dirty="0"/>
                         <a:t>품목</a:t>
                       </a:r>
                       <a:r>
-                        <a:rPr lang="en-US" altLang="ko-KR" b="0" u="sng" dirty="0"/>
+                        <a:rPr lang="en-US" altLang="ko-KR" b="0" u="none" dirty="0"/>
                         <a:t>A</a:t>
                       </a:r>
-                      <a:endParaRPr lang="ko-KR" altLang="en-US" b="0" u="sng" dirty="0"/>
+                      <a:endParaRPr lang="ko-KR" altLang="en-US" b="0" u="none" dirty="0"/>
                     </a:p>
                   </a:txBody>
                   <a:tcPr>
@@ -7949,7 +7949,7 @@
           <p:nvPr>
             <p:extLst>
               <p:ext uri="{D42A27DB-BD31-4B8C-83A1-F6EECF244321}">
-                <p14:modId xmlns:p14="http://schemas.microsoft.com/office/powerpoint/2010/main" val="221376588"/>
+                <p14:modId xmlns:p14="http://schemas.microsoft.com/office/powerpoint/2010/main" val="716987918"/>
               </p:ext>
             </p:extLst>
           </p:nvPr>
@@ -8232,14 +8232,14 @@
                     <a:p>
                       <a:pPr latinLnBrk="1"/>
                       <a:r>
-                        <a:rPr lang="ko-KR" altLang="en-US" u="sng" dirty="0"/>
+                        <a:rPr lang="ko-KR" altLang="en-US" u="none" dirty="0"/>
                         <a:t>품목</a:t>
                       </a:r>
                       <a:r>
-                        <a:rPr lang="en-US" altLang="ko-KR" u="sng" dirty="0"/>
+                        <a:rPr lang="en-US" altLang="ko-KR" u="none" dirty="0"/>
                         <a:t>A</a:t>
                       </a:r>
-                      <a:endParaRPr lang="ko-KR" altLang="en-US" u="sng" dirty="0"/>
+                      <a:endParaRPr lang="ko-KR" altLang="en-US" u="none" dirty="0"/>
                     </a:p>
                   </a:txBody>
                   <a:tcPr/>
@@ -8424,14 +8424,14 @@
                     <a:p>
                       <a:pPr latinLnBrk="1"/>
                       <a:r>
-                        <a:rPr lang="ko-KR" altLang="en-US" u="sng" dirty="0"/>
+                        <a:rPr lang="ko-KR" altLang="en-US" u="none" dirty="0"/>
                         <a:t>품목</a:t>
                       </a:r>
                       <a:r>
-                        <a:rPr lang="en-US" altLang="ko-KR" u="sng" dirty="0"/>
+                        <a:rPr lang="en-US" altLang="ko-KR" u="none" dirty="0"/>
                         <a:t>B</a:t>
                       </a:r>
-                      <a:endParaRPr lang="ko-KR" altLang="en-US" u="sng" dirty="0"/>
+                      <a:endParaRPr lang="ko-KR" altLang="en-US" u="none" dirty="0"/>
                     </a:p>
                   </a:txBody>
                   <a:tcPr/>
@@ -8625,14 +8625,14 @@
                         <a:defRPr/>
                       </a:pPr>
                       <a:r>
-                        <a:rPr lang="ko-KR" altLang="en-US" u="sng" dirty="0"/>
+                        <a:rPr lang="ko-KR" altLang="en-US" u="none" dirty="0"/>
                         <a:t>품목</a:t>
                       </a:r>
                       <a:r>
-                        <a:rPr lang="en-US" altLang="ko-KR" u="sng" dirty="0"/>
+                        <a:rPr lang="en-US" altLang="ko-KR" u="none" dirty="0"/>
                         <a:t>C</a:t>
                       </a:r>
-                      <a:endParaRPr lang="ko-KR" altLang="en-US" u="sng" dirty="0"/>
+                      <a:endParaRPr lang="ko-KR" altLang="en-US" u="none" dirty="0"/>
                     </a:p>
                   </a:txBody>
                   <a:tcPr/>
@@ -11684,7 +11684,7 @@
           <p:nvPr>
             <p:extLst>
               <p:ext uri="{D42A27DB-BD31-4B8C-83A1-F6EECF244321}">
-                <p14:modId xmlns:p14="http://schemas.microsoft.com/office/powerpoint/2010/main" val="4090838173"/>
+                <p14:modId xmlns:p14="http://schemas.microsoft.com/office/powerpoint/2010/main" val="711992493"/>
               </p:ext>
             </p:extLst>
           </p:nvPr>
@@ -11885,10 +11885,10 @@
                     <a:p>
                       <a:pPr algn="just" latinLnBrk="1"/>
                       <a:r>
-                        <a:rPr lang="en-US" altLang="ko-KR" sz="1200" u="sng" dirty="0"/>
+                        <a:rPr lang="en-US" altLang="ko-KR" sz="1200" u="none" dirty="0"/>
                         <a:t>.LOT-yyyyMMdd-001</a:t>
                       </a:r>
-                      <a:endParaRPr lang="ko-KR" altLang="en-US" sz="1200" u="sng" dirty="0"/>
+                      <a:endParaRPr lang="ko-KR" altLang="en-US" sz="1200" u="none" dirty="0"/>
                     </a:p>
                   </a:txBody>
                   <a:tcPr/>
@@ -12086,10 +12086,10 @@
                     <a:p>
                       <a:pPr latinLnBrk="1"/>
                       <a:r>
-                        <a:rPr lang="en-US" altLang="ko-KR" sz="1200" u="sng" dirty="0"/>
+                        <a:rPr lang="en-US" altLang="ko-KR" sz="1200" u="none" dirty="0"/>
                         <a:t>LOT-yyyyMMdd-002</a:t>
                       </a:r>
-                      <a:endParaRPr lang="ko-KR" altLang="en-US" sz="1200" dirty="0"/>
+                      <a:endParaRPr lang="ko-KR" altLang="en-US" sz="1200" u="none" dirty="0"/>
                     </a:p>
                   </a:txBody>
                   <a:tcPr/>
@@ -12307,10 +12307,10 @@
                     <a:p>
                       <a:pPr latinLnBrk="1"/>
                       <a:r>
-                        <a:rPr lang="en-US" altLang="ko-KR" sz="1200" u="sng" dirty="0"/>
+                        <a:rPr lang="en-US" altLang="ko-KR" sz="1200" u="none" dirty="0"/>
                         <a:t>LOT-yyyyMMdd-003</a:t>
                       </a:r>
-                      <a:endParaRPr lang="ko-KR" altLang="en-US" sz="1200" dirty="0"/>
+                      <a:endParaRPr lang="ko-KR" altLang="en-US" sz="1200" u="none" dirty="0"/>
                     </a:p>
                   </a:txBody>
                   <a:tcPr/>
@@ -14481,7 +14481,7 @@
           <p:nvPr>
             <p:extLst>
               <p:ext uri="{D42A27DB-BD31-4B8C-83A1-F6EECF244321}">
-                <p14:modId xmlns:p14="http://schemas.microsoft.com/office/powerpoint/2010/main" val="931134765"/>
+                <p14:modId xmlns:p14="http://schemas.microsoft.com/office/powerpoint/2010/main" val="4031962124"/>
               </p:ext>
             </p:extLst>
           </p:nvPr>
@@ -14739,14 +14739,14 @@
                     <a:p>
                       <a:pPr latinLnBrk="1"/>
                       <a:r>
-                        <a:rPr lang="ko-KR" altLang="en-US" u="sng" dirty="0"/>
+                        <a:rPr lang="ko-KR" altLang="en-US" u="none" dirty="0"/>
                         <a:t>품목</a:t>
                       </a:r>
                       <a:r>
-                        <a:rPr lang="en-US" altLang="ko-KR" u="sng" dirty="0"/>
+                        <a:rPr lang="en-US" altLang="ko-KR" u="none" dirty="0"/>
                         <a:t>A</a:t>
                       </a:r>
-                      <a:endParaRPr lang="ko-KR" altLang="en-US" u="sng" dirty="0"/>
+                      <a:endParaRPr lang="ko-KR" altLang="en-US" u="none" dirty="0"/>
                     </a:p>
                   </a:txBody>
                   <a:tcPr/>
@@ -14963,14 +14963,14 @@
                     <a:p>
                       <a:pPr latinLnBrk="1"/>
                       <a:r>
-                        <a:rPr lang="ko-KR" altLang="en-US" u="sng" dirty="0"/>
+                        <a:rPr lang="ko-KR" altLang="en-US" u="none" dirty="0"/>
                         <a:t>품목</a:t>
                       </a:r>
                       <a:r>
-                        <a:rPr lang="en-US" altLang="ko-KR" u="sng" dirty="0"/>
+                        <a:rPr lang="en-US" altLang="ko-KR" u="none" dirty="0"/>
                         <a:t>B</a:t>
                       </a:r>
-                      <a:endParaRPr lang="ko-KR" altLang="en-US" u="sng" dirty="0"/>
+                      <a:endParaRPr lang="ko-KR" altLang="en-US" u="none" dirty="0"/>
                     </a:p>
                   </a:txBody>
                   <a:tcPr/>
@@ -15199,14 +15199,14 @@
                         <a:defRPr/>
                       </a:pPr>
                       <a:r>
-                        <a:rPr lang="ko-KR" altLang="en-US" u="sng" dirty="0"/>
+                        <a:rPr lang="ko-KR" altLang="en-US" u="none" dirty="0"/>
                         <a:t>품목</a:t>
                       </a:r>
                       <a:r>
-                        <a:rPr lang="en-US" altLang="ko-KR" u="sng" dirty="0"/>
+                        <a:rPr lang="en-US" altLang="ko-KR" u="none" dirty="0"/>
                         <a:t>C</a:t>
                       </a:r>
-                      <a:endParaRPr lang="ko-KR" altLang="en-US" u="sng" dirty="0"/>
+                      <a:endParaRPr lang="ko-KR" altLang="en-US" u="none" dirty="0"/>
                     </a:p>
                   </a:txBody>
                   <a:tcPr/>
@@ -17712,7 +17712,7 @@
           <p:nvPr>
             <p:extLst>
               <p:ext uri="{D42A27DB-BD31-4B8C-83A1-F6EECF244321}">
-                <p14:modId xmlns:p14="http://schemas.microsoft.com/office/powerpoint/2010/main" val="4275018106"/>
+                <p14:modId xmlns:p14="http://schemas.microsoft.com/office/powerpoint/2010/main" val="804151856"/>
               </p:ext>
             </p:extLst>
           </p:nvPr>
@@ -17971,14 +17971,14 @@
                     <a:p>
                       <a:pPr latinLnBrk="1"/>
                       <a:r>
-                        <a:rPr lang="ko-KR" altLang="en-US" sz="1600" u="sng" dirty="0"/>
+                        <a:rPr lang="ko-KR" altLang="en-US" sz="1600" u="none" dirty="0"/>
                         <a:t>품목</a:t>
                       </a:r>
                       <a:r>
-                        <a:rPr lang="en-US" altLang="ko-KR" sz="1600" u="sng" dirty="0"/>
+                        <a:rPr lang="en-US" altLang="ko-KR" sz="1600" u="none" dirty="0"/>
                         <a:t>A</a:t>
                       </a:r>
-                      <a:endParaRPr lang="ko-KR" altLang="en-US" sz="1600" u="sng" dirty="0"/>
+                      <a:endParaRPr lang="ko-KR" altLang="en-US" sz="1600" u="none" dirty="0"/>
                     </a:p>
                   </a:txBody>
                   <a:tcPr/>
@@ -18394,10 +18394,9 @@
                     <a:p>
                       <a:pPr algn="ctr" latinLnBrk="1"/>
                       <a:r>
-                        <a:rPr lang="ko-KR" altLang="en-US" dirty="0" err="1"/>
+                        <a:rPr lang="ko-KR" altLang="en-US" dirty="0"/>
                         <a:t>마스킹</a:t>
                       </a:r>
-                      <a:endParaRPr lang="ko-KR" altLang="en-US" dirty="0"/>
                     </a:p>
                   </a:txBody>
                   <a:tcPr/>
@@ -18585,12 +18584,8 @@
                     <a:p>
                       <a:pPr algn="ctr" latinLnBrk="1"/>
                       <a:r>
-                        <a:rPr lang="ko-KR" altLang="en-US" dirty="0" err="1"/>
-                        <a:t>마스킹</a:t>
-                      </a:r>
-                      <a:r>
                         <a:rPr lang="ko-KR" altLang="en-US" dirty="0"/>
-                        <a:t> 제거</a:t>
+                        <a:t>마스킹 제거</a:t>
                       </a:r>
                     </a:p>
                   </a:txBody>
